--- a/Lectures/Lecture 1/STOR 320 Lecture 1.pptx
+++ b/Lectures/Lecture 1/STOR 320 Lecture 1.pptx
@@ -6,22 +6,25 @@
     <p:sldMasterId id="2147483676" r:id="rId2"/>
   </p:sldMasterIdLst>
   <p:notesMasterIdLst>
-    <p:notesMasterId r:id="rId8"/>
+    <p:notesMasterId r:id="rId11"/>
   </p:notesMasterIdLst>
   <p:handoutMasterIdLst>
-    <p:handoutMasterId r:id="rId9"/>
+    <p:handoutMasterId r:id="rId12"/>
   </p:handoutMasterIdLst>
   <p:sldIdLst>
     <p:sldId id="320" r:id="rId3"/>
-    <p:sldId id="316" r:id="rId4"/>
-    <p:sldId id="299" r:id="rId5"/>
-    <p:sldId id="321" r:id="rId6"/>
-    <p:sldId id="322" r:id="rId7"/>
+    <p:sldId id="323" r:id="rId4"/>
+    <p:sldId id="324" r:id="rId5"/>
+    <p:sldId id="325" r:id="rId6"/>
+    <p:sldId id="326" r:id="rId7"/>
+    <p:sldId id="327" r:id="rId8"/>
+    <p:sldId id="316" r:id="rId9"/>
+    <p:sldId id="322" r:id="rId10"/>
   </p:sldIdLst>
   <p:sldSz cx="9144000" cy="6858000" type="screen4x3"/>
   <p:notesSz cx="6858000" cy="9144000"/>
   <p:custDataLst>
-    <p:tags r:id="rId10"/>
+    <p:tags r:id="rId13"/>
   </p:custDataLst>
   <p:defaultTextStyle>
     <a:defPPr>
@@ -280,7 +283,7 @@
               <a:pPr>
                 <a:defRPr/>
               </a:pPr>
-              <a:t>8/16/17</a:t>
+              <a:t>8/18/2018</a:t>
             </a:fld>
             <a:endParaRPr lang="en-US" dirty="0"/>
           </a:p>
@@ -492,7 +495,7 @@
               <a:pPr>
                 <a:defRPr/>
               </a:pPr>
-              <a:t>8/16/17</a:t>
+              <a:t>8/18/2018</a:t>
             </a:fld>
             <a:endParaRPr lang="en-US" dirty="0"/>
           </a:p>
@@ -559,38 +562,37 @@
           <a:p>
             <a:pPr lvl="0"/>
             <a:r>
-              <a:rPr lang="en-US" noProof="0" smtClean="0"/>
+              <a:rPr lang="en-US" noProof="0"/>
               <a:t>Click to edit Master text styles</a:t>
             </a:r>
           </a:p>
           <a:p>
             <a:pPr lvl="1"/>
             <a:r>
-              <a:rPr lang="en-US" noProof="0" smtClean="0"/>
+              <a:rPr lang="en-US" noProof="0"/>
               <a:t>Second level</a:t>
             </a:r>
           </a:p>
           <a:p>
             <a:pPr lvl="2"/>
             <a:r>
-              <a:rPr lang="en-US" noProof="0" smtClean="0"/>
+              <a:rPr lang="en-US" noProof="0"/>
               <a:t>Third level</a:t>
             </a:r>
           </a:p>
           <a:p>
             <a:pPr lvl="3"/>
             <a:r>
-              <a:rPr lang="en-US" noProof="0" smtClean="0"/>
+              <a:rPr lang="en-US" noProof="0"/>
               <a:t>Fourth level</a:t>
             </a:r>
           </a:p>
           <a:p>
             <a:pPr lvl="4"/>
             <a:r>
-              <a:rPr lang="en-US" noProof="0" smtClean="0"/>
+              <a:rPr lang="en-US" noProof="0"/>
               <a:t>Fifth level</a:t>
             </a:r>
-            <a:endParaRPr lang="en-US" noProof="0"/>
           </a:p>
         </p:txBody>
       </p:sp>
@@ -883,7 +885,7 @@
           </a:bodyPr>
           <a:lstStyle/>
           <a:p>
-            <a:endParaRPr lang="en-US" dirty="0" smtClean="0">
+            <a:endParaRPr lang="en-US" dirty="0">
               <a:ea typeface="ＭＳ Ｐゴシック" charset="-128"/>
               <a:cs typeface="ＭＳ Ｐゴシック" charset="-128"/>
             </a:endParaRPr>
@@ -913,225 +915,7 @@
               <a:pPr>
                 <a:defRPr/>
               </a:pPr>
-              <a:t>3</a:t>
-            </a:fld>
-            <a:endParaRPr lang="en-US" dirty="0"/>
-          </a:p>
-        </p:txBody>
-      </p:sp>
-    </p:spTree>
-    <p:extLst>
-      <p:ext uri="{BB962C8B-B14F-4D97-AF65-F5344CB8AC3E}">
-        <p14:creationId xmlns:p14="http://schemas.microsoft.com/office/powerpoint/2010/main" val="2071745425"/>
-      </p:ext>
-    </p:extLst>
-  </p:cSld>
-  <p:clrMapOvr>
-    <a:masterClrMapping/>
-  </p:clrMapOvr>
-</p:notes>
-</file>
-
-<file path=ppt/notesSlides/notesSlide2.xml><?xml version="1.0" encoding="utf-8"?>
-<p:notes xmlns:a="http://schemas.openxmlformats.org/drawingml/2006/main" xmlns:r="http://schemas.openxmlformats.org/officeDocument/2006/relationships" xmlns:p="http://schemas.openxmlformats.org/presentationml/2006/main">
-  <p:cSld>
-    <p:spTree>
-      <p:nvGrpSpPr>
-        <p:cNvPr id="1" name=""/>
-        <p:cNvGrpSpPr/>
-        <p:nvPr/>
-      </p:nvGrpSpPr>
-      <p:grpSpPr>
-        <a:xfrm>
-          <a:off x="0" y="0"/>
-          <a:ext cx="0" cy="0"/>
-          <a:chOff x="0" y="0"/>
-          <a:chExt cx="0" cy="0"/>
-        </a:xfrm>
-      </p:grpSpPr>
-      <p:sp>
-        <p:nvSpPr>
-          <p:cNvPr id="38914" name="Slide Image Placeholder 1"/>
-          <p:cNvSpPr>
-            <a:spLocks noGrp="1" noRot="1" noChangeAspect="1"/>
-          </p:cNvSpPr>
-          <p:nvPr>
-            <p:ph type="sldImg"/>
-          </p:nvPr>
-        </p:nvSpPr>
-        <p:spPr bwMode="auto">
-          <a:noFill/>
-          <a:ln>
-            <a:solidFill>
-              <a:srgbClr val="000000"/>
-            </a:solidFill>
-            <a:miter lim="800000"/>
-            <a:headEnd/>
-            <a:tailEnd/>
-          </a:ln>
-        </p:spPr>
-      </p:sp>
-      <p:sp>
-        <p:nvSpPr>
-          <p:cNvPr id="38915" name="Notes Placeholder 2"/>
-          <p:cNvSpPr>
-            <a:spLocks noGrp="1"/>
-          </p:cNvSpPr>
-          <p:nvPr>
-            <p:ph type="body" idx="1"/>
-          </p:nvPr>
-        </p:nvSpPr>
-        <p:spPr bwMode="auto">
-          <a:noFill/>
-        </p:spPr>
-        <p:txBody>
-          <a:bodyPr wrap="square" numCol="1" anchor="t" anchorCtr="0" compatLnSpc="1">
-            <a:prstTxWarp prst="textNoShape">
-              <a:avLst/>
-            </a:prstTxWarp>
-          </a:bodyPr>
-          <a:lstStyle/>
-          <a:p>
-            <a:endParaRPr lang="en-US" dirty="0" smtClean="0">
-              <a:ea typeface="ＭＳ Ｐゴシック" charset="-128"/>
-              <a:cs typeface="ＭＳ Ｐゴシック" charset="-128"/>
-            </a:endParaRPr>
-          </a:p>
-        </p:txBody>
-      </p:sp>
-      <p:sp>
-        <p:nvSpPr>
-          <p:cNvPr id="4" name="Slide Number Placeholder 3"/>
-          <p:cNvSpPr>
-            <a:spLocks noGrp="1"/>
-          </p:cNvSpPr>
-          <p:nvPr>
-            <p:ph type="sldNum" sz="quarter" idx="5"/>
-          </p:nvPr>
-        </p:nvSpPr>
-        <p:spPr/>
-        <p:txBody>
-          <a:bodyPr/>
-          <a:lstStyle/>
-          <a:p>
-            <a:pPr>
-              <a:defRPr/>
-            </a:pPr>
-            <a:fld id="{77289C86-E31D-6F42-96EA-0D98C73B78B7}" type="slidenum">
-              <a:rPr lang="en-US" smtClean="0"/>
-              <a:pPr>
-                <a:defRPr/>
-              </a:pPr>
-              <a:t>4</a:t>
-            </a:fld>
-            <a:endParaRPr lang="en-US" dirty="0"/>
-          </a:p>
-        </p:txBody>
-      </p:sp>
-    </p:spTree>
-    <p:extLst>
-      <p:ext uri="{BB962C8B-B14F-4D97-AF65-F5344CB8AC3E}">
-        <p14:creationId xmlns:p14="http://schemas.microsoft.com/office/powerpoint/2010/main" val="142076076"/>
-      </p:ext>
-    </p:extLst>
-  </p:cSld>
-  <p:clrMapOvr>
-    <a:masterClrMapping/>
-  </p:clrMapOvr>
-</p:notes>
-</file>
-
-<file path=ppt/notesSlides/notesSlide3.xml><?xml version="1.0" encoding="utf-8"?>
-<p:notes xmlns:a="http://schemas.openxmlformats.org/drawingml/2006/main" xmlns:r="http://schemas.openxmlformats.org/officeDocument/2006/relationships" xmlns:p="http://schemas.openxmlformats.org/presentationml/2006/main">
-  <p:cSld>
-    <p:spTree>
-      <p:nvGrpSpPr>
-        <p:cNvPr id="1" name=""/>
-        <p:cNvGrpSpPr/>
-        <p:nvPr/>
-      </p:nvGrpSpPr>
-      <p:grpSpPr>
-        <a:xfrm>
-          <a:off x="0" y="0"/>
-          <a:ext cx="0" cy="0"/>
-          <a:chOff x="0" y="0"/>
-          <a:chExt cx="0" cy="0"/>
-        </a:xfrm>
-      </p:grpSpPr>
-      <p:sp>
-        <p:nvSpPr>
-          <p:cNvPr id="38914" name="Slide Image Placeholder 1"/>
-          <p:cNvSpPr>
-            <a:spLocks noGrp="1" noRot="1" noChangeAspect="1"/>
-          </p:cNvSpPr>
-          <p:nvPr>
-            <p:ph type="sldImg"/>
-          </p:nvPr>
-        </p:nvSpPr>
-        <p:spPr bwMode="auto">
-          <a:noFill/>
-          <a:ln>
-            <a:solidFill>
-              <a:srgbClr val="000000"/>
-            </a:solidFill>
-            <a:miter lim="800000"/>
-            <a:headEnd/>
-            <a:tailEnd/>
-          </a:ln>
-        </p:spPr>
-      </p:sp>
-      <p:sp>
-        <p:nvSpPr>
-          <p:cNvPr id="38915" name="Notes Placeholder 2"/>
-          <p:cNvSpPr>
-            <a:spLocks noGrp="1"/>
-          </p:cNvSpPr>
-          <p:nvPr>
-            <p:ph type="body" idx="1"/>
-          </p:nvPr>
-        </p:nvSpPr>
-        <p:spPr bwMode="auto">
-          <a:noFill/>
-        </p:spPr>
-        <p:txBody>
-          <a:bodyPr wrap="square" numCol="1" anchor="t" anchorCtr="0" compatLnSpc="1">
-            <a:prstTxWarp prst="textNoShape">
-              <a:avLst/>
-            </a:prstTxWarp>
-          </a:bodyPr>
-          <a:lstStyle/>
-          <a:p>
-            <a:endParaRPr lang="en-US" dirty="0" smtClean="0">
-              <a:ea typeface="ＭＳ Ｐゴシック" charset="-128"/>
-              <a:cs typeface="ＭＳ Ｐゴシック" charset="-128"/>
-            </a:endParaRPr>
-          </a:p>
-        </p:txBody>
-      </p:sp>
-      <p:sp>
-        <p:nvSpPr>
-          <p:cNvPr id="4" name="Slide Number Placeholder 3"/>
-          <p:cNvSpPr>
-            <a:spLocks noGrp="1"/>
-          </p:cNvSpPr>
-          <p:nvPr>
-            <p:ph type="sldNum" sz="quarter" idx="5"/>
-          </p:nvPr>
-        </p:nvSpPr>
-        <p:spPr/>
-        <p:txBody>
-          <a:bodyPr/>
-          <a:lstStyle/>
-          <a:p>
-            <a:pPr>
-              <a:defRPr/>
-            </a:pPr>
-            <a:fld id="{77289C86-E31D-6F42-96EA-0D98C73B78B7}" type="slidenum">
-              <a:rPr lang="en-US" smtClean="0"/>
-              <a:pPr>
-                <a:defRPr/>
-              </a:pPr>
-              <a:t>5</a:t>
+              <a:t>8</a:t>
             </a:fld>
             <a:endParaRPr lang="en-US" dirty="0"/>
           </a:p>
@@ -1188,10 +972,9 @@
           <a:lstStyle/>
           <a:p>
             <a:r>
-              <a:rPr lang="en-US" smtClean="0"/>
+              <a:rPr lang="en-US"/>
               <a:t>Click to edit Master title style</a:t>
             </a:r>
-            <a:endParaRPr lang="en-US"/>
           </a:p>
         </p:txBody>
       </p:sp>
@@ -1307,10 +1090,9 @@
           </a:lstStyle>
           <a:p>
             <a:r>
-              <a:rPr lang="en-US" smtClean="0"/>
+              <a:rPr lang="en-US"/>
               <a:t>Click to edit Master subtitle style</a:t>
             </a:r>
-            <a:endParaRPr lang="en-US"/>
           </a:p>
         </p:txBody>
       </p:sp>
@@ -1341,7 +1123,7 @@
               <a:pPr>
                 <a:defRPr/>
               </a:pPr>
-              <a:t>8/16/17</a:t>
+              <a:t>8/18/2018</a:t>
             </a:fld>
             <a:endParaRPr lang="en-US" dirty="0"/>
           </a:p>
@@ -1367,10 +1149,9 @@
           </a:lstStyle>
           <a:p>
             <a:r>
-              <a:rPr lang="en-US" dirty="0" smtClean="0"/>
+              <a:rPr lang="en-US" dirty="0"/>
               <a:t>Section 5.1</a:t>
             </a:r>
-            <a:endParaRPr lang="en-US" dirty="0"/>
           </a:p>
         </p:txBody>
       </p:sp>
@@ -1448,10 +1229,9 @@
           <a:lstStyle/>
           <a:p>
             <a:r>
-              <a:rPr lang="en-US" smtClean="0"/>
+              <a:rPr lang="en-US"/>
               <a:t>Click to edit Master title style</a:t>
             </a:r>
-            <a:endParaRPr lang="en-US"/>
           </a:p>
         </p:txBody>
       </p:sp>
@@ -1472,38 +1252,37 @@
           <a:p>
             <a:pPr lvl="0"/>
             <a:r>
-              <a:rPr lang="en-US" smtClean="0"/>
+              <a:rPr lang="en-US"/>
               <a:t>Click to edit Master text styles</a:t>
             </a:r>
           </a:p>
           <a:p>
             <a:pPr lvl="1"/>
             <a:r>
-              <a:rPr lang="en-US" smtClean="0"/>
+              <a:rPr lang="en-US"/>
               <a:t>Second level</a:t>
             </a:r>
           </a:p>
           <a:p>
             <a:pPr lvl="2"/>
             <a:r>
-              <a:rPr lang="en-US" smtClean="0"/>
+              <a:rPr lang="en-US"/>
               <a:t>Third level</a:t>
             </a:r>
           </a:p>
           <a:p>
             <a:pPr lvl="3"/>
             <a:r>
-              <a:rPr lang="en-US" smtClean="0"/>
+              <a:rPr lang="en-US"/>
               <a:t>Fourth level</a:t>
             </a:r>
           </a:p>
           <a:p>
             <a:pPr lvl="4"/>
             <a:r>
-              <a:rPr lang="en-US" smtClean="0"/>
+              <a:rPr lang="en-US"/>
               <a:t>Fifth level</a:t>
             </a:r>
-            <a:endParaRPr lang="en-US"/>
           </a:p>
         </p:txBody>
       </p:sp>
@@ -1534,7 +1313,7 @@
               <a:pPr>
                 <a:defRPr/>
               </a:pPr>
-              <a:t>8/16/17</a:t>
+              <a:t>8/18/2018</a:t>
             </a:fld>
             <a:endParaRPr lang="en-US" dirty="0"/>
           </a:p>
@@ -1560,10 +1339,9 @@
           </a:lstStyle>
           <a:p>
             <a:r>
-              <a:rPr lang="en-US" dirty="0" smtClean="0"/>
+              <a:rPr lang="en-US" dirty="0"/>
               <a:t>Section 5.1</a:t>
             </a:r>
-            <a:endParaRPr lang="en-US" dirty="0"/>
           </a:p>
         </p:txBody>
       </p:sp>
@@ -1646,10 +1424,9 @@
           <a:lstStyle/>
           <a:p>
             <a:r>
-              <a:rPr lang="en-US" smtClean="0"/>
+              <a:rPr lang="en-US"/>
               <a:t>Click to edit Master title style</a:t>
             </a:r>
-            <a:endParaRPr lang="en-US"/>
           </a:p>
         </p:txBody>
       </p:sp>
@@ -1675,38 +1452,37 @@
           <a:p>
             <a:pPr lvl="0"/>
             <a:r>
-              <a:rPr lang="en-US" smtClean="0"/>
+              <a:rPr lang="en-US"/>
               <a:t>Click to edit Master text styles</a:t>
             </a:r>
           </a:p>
           <a:p>
             <a:pPr lvl="1"/>
             <a:r>
-              <a:rPr lang="en-US" smtClean="0"/>
+              <a:rPr lang="en-US"/>
               <a:t>Second level</a:t>
             </a:r>
           </a:p>
           <a:p>
             <a:pPr lvl="2"/>
             <a:r>
-              <a:rPr lang="en-US" smtClean="0"/>
+              <a:rPr lang="en-US"/>
               <a:t>Third level</a:t>
             </a:r>
           </a:p>
           <a:p>
             <a:pPr lvl="3"/>
             <a:r>
-              <a:rPr lang="en-US" smtClean="0"/>
+              <a:rPr lang="en-US"/>
               <a:t>Fourth level</a:t>
             </a:r>
           </a:p>
           <a:p>
             <a:pPr lvl="4"/>
             <a:r>
-              <a:rPr lang="en-US" smtClean="0"/>
+              <a:rPr lang="en-US"/>
               <a:t>Fifth level</a:t>
             </a:r>
-            <a:endParaRPr lang="en-US"/>
           </a:p>
         </p:txBody>
       </p:sp>
@@ -1737,7 +1513,7 @@
               <a:pPr>
                 <a:defRPr/>
               </a:pPr>
-              <a:t>8/16/17</a:t>
+              <a:t>8/18/2018</a:t>
             </a:fld>
             <a:endParaRPr lang="en-US" dirty="0"/>
           </a:p>
@@ -1763,10 +1539,9 @@
           </a:lstStyle>
           <a:p>
             <a:r>
-              <a:rPr lang="en-US" dirty="0" smtClean="0"/>
+              <a:rPr lang="en-US" dirty="0"/>
               <a:t>Section 5.1</a:t>
             </a:r>
-            <a:endParaRPr lang="en-US" dirty="0"/>
           </a:p>
         </p:txBody>
       </p:sp>
@@ -1849,10 +1624,9 @@
           <a:lstStyle/>
           <a:p>
             <a:r>
-              <a:rPr lang="en-US" smtClean="0"/>
+              <a:rPr lang="en-US"/>
               <a:t>Click to edit Master title style</a:t>
             </a:r>
-            <a:endParaRPr lang="en-US"/>
           </a:p>
         </p:txBody>
       </p:sp>
@@ -1968,10 +1742,9 @@
           </a:lstStyle>
           <a:p>
             <a:r>
-              <a:rPr lang="en-US" smtClean="0"/>
+              <a:rPr lang="en-US"/>
               <a:t>Click to edit Master subtitle style</a:t>
             </a:r>
-            <a:endParaRPr lang="en-US"/>
           </a:p>
         </p:txBody>
       </p:sp>
@@ -2008,7 +1781,7 @@
               <a:pPr>
                 <a:defRPr/>
               </a:pPr>
-              <a:t>8/16/17</a:t>
+              <a:t>8/18/2018</a:t>
             </a:fld>
             <a:endParaRPr lang="en-US" dirty="0">
               <a:solidFill>
@@ -2132,10 +1905,9 @@
           <a:lstStyle/>
           <a:p>
             <a:r>
-              <a:rPr lang="en-US" smtClean="0"/>
+              <a:rPr lang="en-US"/>
               <a:t>Click to edit Master title style</a:t>
             </a:r>
-            <a:endParaRPr lang="en-US"/>
           </a:p>
         </p:txBody>
       </p:sp>
@@ -2156,38 +1928,37 @@
           <a:p>
             <a:pPr lvl="0"/>
             <a:r>
-              <a:rPr lang="en-US" smtClean="0"/>
+              <a:rPr lang="en-US"/>
               <a:t>Click to edit Master text styles</a:t>
             </a:r>
           </a:p>
           <a:p>
             <a:pPr lvl="1"/>
             <a:r>
-              <a:rPr lang="en-US" smtClean="0"/>
+              <a:rPr lang="en-US"/>
               <a:t>Second level</a:t>
             </a:r>
           </a:p>
           <a:p>
             <a:pPr lvl="2"/>
             <a:r>
-              <a:rPr lang="en-US" smtClean="0"/>
+              <a:rPr lang="en-US"/>
               <a:t>Third level</a:t>
             </a:r>
           </a:p>
           <a:p>
             <a:pPr lvl="3"/>
             <a:r>
-              <a:rPr lang="en-US" smtClean="0"/>
+              <a:rPr lang="en-US"/>
               <a:t>Fourth level</a:t>
             </a:r>
           </a:p>
           <a:p>
             <a:pPr lvl="4"/>
             <a:r>
-              <a:rPr lang="en-US" smtClean="0"/>
+              <a:rPr lang="en-US"/>
               <a:t>Fifth level</a:t>
             </a:r>
-            <a:endParaRPr lang="en-US"/>
           </a:p>
         </p:txBody>
       </p:sp>
@@ -2224,7 +1995,7 @@
               <a:pPr>
                 <a:defRPr/>
               </a:pPr>
-              <a:t>8/16/17</a:t>
+              <a:t>8/18/2018</a:t>
             </a:fld>
             <a:endParaRPr lang="en-US" dirty="0">
               <a:solidFill>
@@ -2357,10 +2128,9 @@
           </a:lstStyle>
           <a:p>
             <a:r>
-              <a:rPr lang="en-US" smtClean="0"/>
+              <a:rPr lang="en-US"/>
               <a:t>Click to edit Master title style</a:t>
             </a:r>
-            <a:endParaRPr lang="en-US"/>
           </a:p>
         </p:txBody>
       </p:sp>
@@ -2477,7 +2247,7 @@
           <a:p>
             <a:pPr lvl="0"/>
             <a:r>
-              <a:rPr lang="en-US" smtClean="0"/>
+              <a:rPr lang="en-US"/>
               <a:t>Click to edit Master text styles</a:t>
             </a:r>
           </a:p>
@@ -2516,7 +2286,7 @@
               <a:pPr>
                 <a:defRPr/>
               </a:pPr>
-              <a:t>8/16/17</a:t>
+              <a:t>8/18/2018</a:t>
             </a:fld>
             <a:endParaRPr lang="en-US" dirty="0">
               <a:solidFill>
@@ -2640,10 +2410,9 @@
           <a:lstStyle/>
           <a:p>
             <a:r>
-              <a:rPr lang="en-US" smtClean="0"/>
+              <a:rPr lang="en-US"/>
               <a:t>Click to edit Master title style</a:t>
             </a:r>
-            <a:endParaRPr lang="en-US"/>
           </a:p>
         </p:txBody>
       </p:sp>
@@ -2697,38 +2466,37 @@
           <a:p>
             <a:pPr lvl="0"/>
             <a:r>
-              <a:rPr lang="en-US" smtClean="0"/>
+              <a:rPr lang="en-US"/>
               <a:t>Click to edit Master text styles</a:t>
             </a:r>
           </a:p>
           <a:p>
             <a:pPr lvl="1"/>
             <a:r>
-              <a:rPr lang="en-US" smtClean="0"/>
+              <a:rPr lang="en-US"/>
               <a:t>Second level</a:t>
             </a:r>
           </a:p>
           <a:p>
             <a:pPr lvl="2"/>
             <a:r>
-              <a:rPr lang="en-US" smtClean="0"/>
+              <a:rPr lang="en-US"/>
               <a:t>Third level</a:t>
             </a:r>
           </a:p>
           <a:p>
             <a:pPr lvl="3"/>
             <a:r>
-              <a:rPr lang="en-US" smtClean="0"/>
+              <a:rPr lang="en-US"/>
               <a:t>Fourth level</a:t>
             </a:r>
           </a:p>
           <a:p>
             <a:pPr lvl="4"/>
             <a:r>
-              <a:rPr lang="en-US" smtClean="0"/>
+              <a:rPr lang="en-US"/>
               <a:t>Fifth level</a:t>
             </a:r>
-            <a:endParaRPr lang="en-US"/>
           </a:p>
         </p:txBody>
       </p:sp>
@@ -2782,38 +2550,37 @@
           <a:p>
             <a:pPr lvl="0"/>
             <a:r>
-              <a:rPr lang="en-US" smtClean="0"/>
+              <a:rPr lang="en-US"/>
               <a:t>Click to edit Master text styles</a:t>
             </a:r>
           </a:p>
           <a:p>
             <a:pPr lvl="1"/>
             <a:r>
-              <a:rPr lang="en-US" smtClean="0"/>
+              <a:rPr lang="en-US"/>
               <a:t>Second level</a:t>
             </a:r>
           </a:p>
           <a:p>
             <a:pPr lvl="2"/>
             <a:r>
-              <a:rPr lang="en-US" smtClean="0"/>
+              <a:rPr lang="en-US"/>
               <a:t>Third level</a:t>
             </a:r>
           </a:p>
           <a:p>
             <a:pPr lvl="3"/>
             <a:r>
-              <a:rPr lang="en-US" smtClean="0"/>
+              <a:rPr lang="en-US"/>
               <a:t>Fourth level</a:t>
             </a:r>
           </a:p>
           <a:p>
             <a:pPr lvl="4"/>
             <a:r>
-              <a:rPr lang="en-US" smtClean="0"/>
+              <a:rPr lang="en-US"/>
               <a:t>Fifth level</a:t>
             </a:r>
-            <a:endParaRPr lang="en-US"/>
           </a:p>
         </p:txBody>
       </p:sp>
@@ -2850,7 +2617,7 @@
               <a:pPr>
                 <a:defRPr/>
               </a:pPr>
-              <a:t>8/16/17</a:t>
+              <a:t>8/18/2018</a:t>
             </a:fld>
             <a:endParaRPr lang="en-US" dirty="0">
               <a:solidFill>
@@ -2978,10 +2745,9 @@
           </a:lstStyle>
           <a:p>
             <a:r>
-              <a:rPr lang="en-US" smtClean="0"/>
+              <a:rPr lang="en-US"/>
               <a:t>Click to edit Master title style</a:t>
             </a:r>
-            <a:endParaRPr lang="en-US"/>
           </a:p>
         </p:txBody>
       </p:sp>
@@ -3044,7 +2810,7 @@
           <a:p>
             <a:pPr lvl="0"/>
             <a:r>
-              <a:rPr lang="en-US" smtClean="0"/>
+              <a:rPr lang="en-US"/>
               <a:t>Click to edit Master text styles</a:t>
             </a:r>
           </a:p>
@@ -3100,38 +2866,37 @@
           <a:p>
             <a:pPr lvl="0"/>
             <a:r>
-              <a:rPr lang="en-US" smtClean="0"/>
+              <a:rPr lang="en-US"/>
               <a:t>Click to edit Master text styles</a:t>
             </a:r>
           </a:p>
           <a:p>
             <a:pPr lvl="1"/>
             <a:r>
-              <a:rPr lang="en-US" smtClean="0"/>
+              <a:rPr lang="en-US"/>
               <a:t>Second level</a:t>
             </a:r>
           </a:p>
           <a:p>
             <a:pPr lvl="2"/>
             <a:r>
-              <a:rPr lang="en-US" smtClean="0"/>
+              <a:rPr lang="en-US"/>
               <a:t>Third level</a:t>
             </a:r>
           </a:p>
           <a:p>
             <a:pPr lvl="3"/>
             <a:r>
-              <a:rPr lang="en-US" smtClean="0"/>
+              <a:rPr lang="en-US"/>
               <a:t>Fourth level</a:t>
             </a:r>
           </a:p>
           <a:p>
             <a:pPr lvl="4"/>
             <a:r>
-              <a:rPr lang="en-US" smtClean="0"/>
+              <a:rPr lang="en-US"/>
               <a:t>Fifth level</a:t>
             </a:r>
-            <a:endParaRPr lang="en-US"/>
           </a:p>
         </p:txBody>
       </p:sp>
@@ -3194,7 +2959,7 @@
           <a:p>
             <a:pPr lvl="0"/>
             <a:r>
-              <a:rPr lang="en-US" smtClean="0"/>
+              <a:rPr lang="en-US"/>
               <a:t>Click to edit Master text styles</a:t>
             </a:r>
           </a:p>
@@ -3250,38 +3015,37 @@
           <a:p>
             <a:pPr lvl="0"/>
             <a:r>
-              <a:rPr lang="en-US" smtClean="0"/>
+              <a:rPr lang="en-US"/>
               <a:t>Click to edit Master text styles</a:t>
             </a:r>
           </a:p>
           <a:p>
             <a:pPr lvl="1"/>
             <a:r>
-              <a:rPr lang="en-US" smtClean="0"/>
+              <a:rPr lang="en-US"/>
               <a:t>Second level</a:t>
             </a:r>
           </a:p>
           <a:p>
             <a:pPr lvl="2"/>
             <a:r>
-              <a:rPr lang="en-US" smtClean="0"/>
+              <a:rPr lang="en-US"/>
               <a:t>Third level</a:t>
             </a:r>
           </a:p>
           <a:p>
             <a:pPr lvl="3"/>
             <a:r>
-              <a:rPr lang="en-US" smtClean="0"/>
+              <a:rPr lang="en-US"/>
               <a:t>Fourth level</a:t>
             </a:r>
           </a:p>
           <a:p>
             <a:pPr lvl="4"/>
             <a:r>
-              <a:rPr lang="en-US" smtClean="0"/>
+              <a:rPr lang="en-US"/>
               <a:t>Fifth level</a:t>
             </a:r>
-            <a:endParaRPr lang="en-US"/>
           </a:p>
         </p:txBody>
       </p:sp>
@@ -3318,7 +3082,7 @@
               <a:pPr>
                 <a:defRPr/>
               </a:pPr>
-              <a:t>8/16/17</a:t>
+              <a:t>8/18/2018</a:t>
             </a:fld>
             <a:endParaRPr lang="en-US" dirty="0">
               <a:solidFill>
@@ -3442,10 +3206,9 @@
           <a:lstStyle/>
           <a:p>
             <a:r>
-              <a:rPr lang="en-US" smtClean="0"/>
+              <a:rPr lang="en-US"/>
               <a:t>Click to edit Master title style</a:t>
             </a:r>
-            <a:endParaRPr lang="en-US"/>
           </a:p>
         </p:txBody>
       </p:sp>
@@ -3482,7 +3245,7 @@
               <a:pPr>
                 <a:defRPr/>
               </a:pPr>
-              <a:t>8/16/17</a:t>
+              <a:t>8/18/2018</a:t>
             </a:fld>
             <a:endParaRPr lang="en-US" dirty="0">
               <a:solidFill>
@@ -3623,7 +3386,7 @@
               <a:pPr>
                 <a:defRPr/>
               </a:pPr>
-              <a:t>8/16/17</a:t>
+              <a:t>8/18/2018</a:t>
             </a:fld>
             <a:endParaRPr lang="en-US" dirty="0">
               <a:solidFill>
@@ -3756,10 +3519,9 @@
           </a:lstStyle>
           <a:p>
             <a:r>
-              <a:rPr lang="en-US" smtClean="0"/>
+              <a:rPr lang="en-US"/>
               <a:t>Click to edit Master title style</a:t>
             </a:r>
-            <a:endParaRPr lang="en-US"/>
           </a:p>
         </p:txBody>
       </p:sp>
@@ -3813,38 +3575,37 @@
           <a:p>
             <a:pPr lvl="0"/>
             <a:r>
-              <a:rPr lang="en-US" smtClean="0"/>
+              <a:rPr lang="en-US"/>
               <a:t>Click to edit Master text styles</a:t>
             </a:r>
           </a:p>
           <a:p>
             <a:pPr lvl="1"/>
             <a:r>
-              <a:rPr lang="en-US" smtClean="0"/>
+              <a:rPr lang="en-US"/>
               <a:t>Second level</a:t>
             </a:r>
           </a:p>
           <a:p>
             <a:pPr lvl="2"/>
             <a:r>
-              <a:rPr lang="en-US" smtClean="0"/>
+              <a:rPr lang="en-US"/>
               <a:t>Third level</a:t>
             </a:r>
           </a:p>
           <a:p>
             <a:pPr lvl="3"/>
             <a:r>
-              <a:rPr lang="en-US" smtClean="0"/>
+              <a:rPr lang="en-US"/>
               <a:t>Fourth level</a:t>
             </a:r>
           </a:p>
           <a:p>
             <a:pPr lvl="4"/>
             <a:r>
-              <a:rPr lang="en-US" smtClean="0"/>
+              <a:rPr lang="en-US"/>
               <a:t>Fifth level</a:t>
             </a:r>
-            <a:endParaRPr lang="en-US"/>
           </a:p>
         </p:txBody>
       </p:sp>
@@ -3907,7 +3668,7 @@
           <a:p>
             <a:pPr lvl="0"/>
             <a:r>
-              <a:rPr lang="en-US" smtClean="0"/>
+              <a:rPr lang="en-US"/>
               <a:t>Click to edit Master text styles</a:t>
             </a:r>
           </a:p>
@@ -3946,7 +3707,7 @@
               <a:pPr>
                 <a:defRPr/>
               </a:pPr>
-              <a:t>8/16/17</a:t>
+              <a:t>8/18/2018</a:t>
             </a:fld>
             <a:endParaRPr lang="en-US" dirty="0">
               <a:solidFill>
@@ -4070,10 +3831,9 @@
           <a:lstStyle/>
           <a:p>
             <a:r>
-              <a:rPr lang="en-US" smtClean="0"/>
+              <a:rPr lang="en-US"/>
               <a:t>Click to edit Master title style</a:t>
             </a:r>
-            <a:endParaRPr lang="en-US"/>
           </a:p>
         </p:txBody>
       </p:sp>
@@ -4094,38 +3854,37 @@
           <a:p>
             <a:pPr lvl="0"/>
             <a:r>
-              <a:rPr lang="en-US" smtClean="0"/>
+              <a:rPr lang="en-US"/>
               <a:t>Click to edit Master text styles</a:t>
             </a:r>
           </a:p>
           <a:p>
             <a:pPr lvl="1"/>
             <a:r>
-              <a:rPr lang="en-US" smtClean="0"/>
+              <a:rPr lang="en-US"/>
               <a:t>Second level</a:t>
             </a:r>
           </a:p>
           <a:p>
             <a:pPr lvl="2"/>
             <a:r>
-              <a:rPr lang="en-US" smtClean="0"/>
+              <a:rPr lang="en-US"/>
               <a:t>Third level</a:t>
             </a:r>
           </a:p>
           <a:p>
             <a:pPr lvl="3"/>
             <a:r>
-              <a:rPr lang="en-US" smtClean="0"/>
+              <a:rPr lang="en-US"/>
               <a:t>Fourth level</a:t>
             </a:r>
           </a:p>
           <a:p>
             <a:pPr lvl="4"/>
             <a:r>
-              <a:rPr lang="en-US" smtClean="0"/>
+              <a:rPr lang="en-US"/>
               <a:t>Fifth level</a:t>
             </a:r>
-            <a:endParaRPr lang="en-US"/>
           </a:p>
         </p:txBody>
       </p:sp>
@@ -4156,7 +3915,7 @@
               <a:pPr>
                 <a:defRPr/>
               </a:pPr>
-              <a:t>8/16/17</a:t>
+              <a:t>8/18/2018</a:t>
             </a:fld>
             <a:endParaRPr lang="en-US" dirty="0"/>
           </a:p>
@@ -4182,10 +3941,9 @@
           </a:lstStyle>
           <a:p>
             <a:r>
-              <a:rPr lang="en-US" dirty="0" smtClean="0"/>
+              <a:rPr lang="en-US" dirty="0"/>
               <a:t>Section 5.1</a:t>
             </a:r>
-            <a:endParaRPr lang="en-US" dirty="0"/>
           </a:p>
         </p:txBody>
       </p:sp>
@@ -4272,10 +4030,9 @@
           </a:lstStyle>
           <a:p>
             <a:r>
-              <a:rPr lang="en-US" smtClean="0"/>
+              <a:rPr lang="en-US"/>
               <a:t>Click to edit Master title style</a:t>
             </a:r>
-            <a:endParaRPr lang="en-US"/>
           </a:p>
         </p:txBody>
       </p:sp>
@@ -4402,7 +4159,7 @@
           <a:p>
             <a:pPr lvl="0"/>
             <a:r>
-              <a:rPr lang="en-US" smtClean="0"/>
+              <a:rPr lang="en-US"/>
               <a:t>Click to edit Master text styles</a:t>
             </a:r>
           </a:p>
@@ -4441,7 +4198,7 @@
               <a:pPr>
                 <a:defRPr/>
               </a:pPr>
-              <a:t>8/16/17</a:t>
+              <a:t>8/18/2018</a:t>
             </a:fld>
             <a:endParaRPr lang="en-US" dirty="0">
               <a:solidFill>
@@ -4565,10 +4322,9 @@
           <a:lstStyle/>
           <a:p>
             <a:r>
-              <a:rPr lang="en-US" smtClean="0"/>
+              <a:rPr lang="en-US"/>
               <a:t>Click to edit Master title style</a:t>
             </a:r>
-            <a:endParaRPr lang="en-US"/>
           </a:p>
         </p:txBody>
       </p:sp>
@@ -4589,38 +4345,37 @@
           <a:p>
             <a:pPr lvl="0"/>
             <a:r>
-              <a:rPr lang="en-US" smtClean="0"/>
+              <a:rPr lang="en-US"/>
               <a:t>Click to edit Master text styles</a:t>
             </a:r>
           </a:p>
           <a:p>
             <a:pPr lvl="1"/>
             <a:r>
-              <a:rPr lang="en-US" smtClean="0"/>
+              <a:rPr lang="en-US"/>
               <a:t>Second level</a:t>
             </a:r>
           </a:p>
           <a:p>
             <a:pPr lvl="2"/>
             <a:r>
-              <a:rPr lang="en-US" smtClean="0"/>
+              <a:rPr lang="en-US"/>
               <a:t>Third level</a:t>
             </a:r>
           </a:p>
           <a:p>
             <a:pPr lvl="3"/>
             <a:r>
-              <a:rPr lang="en-US" smtClean="0"/>
+              <a:rPr lang="en-US"/>
               <a:t>Fourth level</a:t>
             </a:r>
           </a:p>
           <a:p>
             <a:pPr lvl="4"/>
             <a:r>
-              <a:rPr lang="en-US" smtClean="0"/>
+              <a:rPr lang="en-US"/>
               <a:t>Fifth level</a:t>
             </a:r>
-            <a:endParaRPr lang="en-US"/>
           </a:p>
         </p:txBody>
       </p:sp>
@@ -4657,7 +4412,7 @@
               <a:pPr>
                 <a:defRPr/>
               </a:pPr>
-              <a:t>8/16/17</a:t>
+              <a:t>8/18/2018</a:t>
             </a:fld>
             <a:endParaRPr lang="en-US" dirty="0">
               <a:solidFill>
@@ -4786,10 +4541,9 @@
           <a:lstStyle/>
           <a:p>
             <a:r>
-              <a:rPr lang="en-US" smtClean="0"/>
+              <a:rPr lang="en-US"/>
               <a:t>Click to edit Master title style</a:t>
             </a:r>
-            <a:endParaRPr lang="en-US"/>
           </a:p>
         </p:txBody>
       </p:sp>
@@ -4815,38 +4569,37 @@
           <a:p>
             <a:pPr lvl="0"/>
             <a:r>
-              <a:rPr lang="en-US" smtClean="0"/>
+              <a:rPr lang="en-US"/>
               <a:t>Click to edit Master text styles</a:t>
             </a:r>
           </a:p>
           <a:p>
             <a:pPr lvl="1"/>
             <a:r>
-              <a:rPr lang="en-US" smtClean="0"/>
+              <a:rPr lang="en-US"/>
               <a:t>Second level</a:t>
             </a:r>
           </a:p>
           <a:p>
             <a:pPr lvl="2"/>
             <a:r>
-              <a:rPr lang="en-US" smtClean="0"/>
+              <a:rPr lang="en-US"/>
               <a:t>Third level</a:t>
             </a:r>
           </a:p>
           <a:p>
             <a:pPr lvl="3"/>
             <a:r>
-              <a:rPr lang="en-US" smtClean="0"/>
+              <a:rPr lang="en-US"/>
               <a:t>Fourth level</a:t>
             </a:r>
           </a:p>
           <a:p>
             <a:pPr lvl="4"/>
             <a:r>
-              <a:rPr lang="en-US" smtClean="0"/>
+              <a:rPr lang="en-US"/>
               <a:t>Fifth level</a:t>
             </a:r>
-            <a:endParaRPr lang="en-US"/>
           </a:p>
         </p:txBody>
       </p:sp>
@@ -4883,7 +4636,7 @@
               <a:pPr>
                 <a:defRPr/>
               </a:pPr>
-              <a:t>8/16/17</a:t>
+              <a:t>8/18/2018</a:t>
             </a:fld>
             <a:endParaRPr lang="en-US" dirty="0">
               <a:solidFill>
@@ -5007,10 +4760,9 @@
           <a:lstStyle/>
           <a:p>
             <a:r>
-              <a:rPr lang="en-US" smtClean="0"/>
+              <a:rPr lang="en-US"/>
               <a:t>Click to edit Master title style</a:t>
             </a:r>
-            <a:endParaRPr lang="en-US"/>
           </a:p>
         </p:txBody>
       </p:sp>
@@ -5031,38 +4783,37 @@
           <a:p>
             <a:pPr lvl="0"/>
             <a:r>
-              <a:rPr lang="en-US" smtClean="0"/>
+              <a:rPr lang="en-US"/>
               <a:t>Click to edit Master text styles</a:t>
             </a:r>
           </a:p>
           <a:p>
             <a:pPr lvl="1"/>
             <a:r>
-              <a:rPr lang="en-US" smtClean="0"/>
+              <a:rPr lang="en-US"/>
               <a:t>Second level</a:t>
             </a:r>
           </a:p>
           <a:p>
             <a:pPr lvl="2"/>
             <a:r>
-              <a:rPr lang="en-US" smtClean="0"/>
+              <a:rPr lang="en-US"/>
               <a:t>Third level</a:t>
             </a:r>
           </a:p>
           <a:p>
             <a:pPr lvl="3"/>
             <a:r>
-              <a:rPr lang="en-US" smtClean="0"/>
+              <a:rPr lang="en-US"/>
               <a:t>Fourth level</a:t>
             </a:r>
           </a:p>
           <a:p>
             <a:pPr lvl="4"/>
             <a:r>
-              <a:rPr lang="en-US" smtClean="0"/>
+              <a:rPr lang="en-US"/>
               <a:t>Fifth level</a:t>
             </a:r>
-            <a:endParaRPr lang="en-US"/>
           </a:p>
         </p:txBody>
       </p:sp>
@@ -5095,7 +4846,7 @@
               <a:pPr>
                 <a:defRPr/>
               </a:pPr>
-              <a:t>8/16/17</a:t>
+              <a:t>8/18/2018</a:t>
             </a:fld>
             <a:endParaRPr lang="en-US" dirty="0">
               <a:solidFill>
@@ -5123,10 +4874,9 @@
           <a:lstStyle/>
           <a:p>
             <a:r>
-              <a:rPr lang="en-US" dirty="0" smtClean="0"/>
+              <a:rPr lang="en-US" dirty="0"/>
               <a:t>3.2 Sampling design</a:t>
             </a:r>
-            <a:endParaRPr lang="en-US" dirty="0"/>
           </a:p>
         </p:txBody>
       </p:sp>
@@ -5176,13 +4926,6 @@
   <p:clrMapOvr>
     <a:masterClrMapping/>
   </p:clrMapOvr>
-  <p:timing>
-    <p:tnLst>
-      <p:par>
-        <p:cTn id="1" dur="indefinite" restart="never" nodeType="tmRoot"/>
-      </p:par>
-    </p:tnLst>
-  </p:timing>
 </p:sldLayout>
 </file>
 
@@ -5228,10 +4971,9 @@
           </a:lstStyle>
           <a:p>
             <a:r>
-              <a:rPr lang="en-US" smtClean="0"/>
+              <a:rPr lang="en-US"/>
               <a:t>Click to edit Master title style</a:t>
             </a:r>
-            <a:endParaRPr lang="en-US"/>
           </a:p>
         </p:txBody>
       </p:sp>
@@ -5348,7 +5090,7 @@
           <a:p>
             <a:pPr lvl="0"/>
             <a:r>
-              <a:rPr lang="en-US" smtClean="0"/>
+              <a:rPr lang="en-US"/>
               <a:t>Click to edit Master text styles</a:t>
             </a:r>
           </a:p>
@@ -5381,7 +5123,7 @@
               <a:pPr>
                 <a:defRPr/>
               </a:pPr>
-              <a:t>8/16/17</a:t>
+              <a:t>8/18/2018</a:t>
             </a:fld>
             <a:endParaRPr lang="en-US" dirty="0"/>
           </a:p>
@@ -5407,10 +5149,9 @@
           </a:lstStyle>
           <a:p>
             <a:r>
-              <a:rPr lang="en-US" dirty="0" smtClean="0"/>
+              <a:rPr lang="en-US" dirty="0"/>
               <a:t>Section 5.1</a:t>
             </a:r>
-            <a:endParaRPr lang="en-US" dirty="0"/>
           </a:p>
         </p:txBody>
       </p:sp>
@@ -5488,10 +5229,9 @@
           <a:lstStyle/>
           <a:p>
             <a:r>
-              <a:rPr lang="en-US" smtClean="0"/>
+              <a:rPr lang="en-US"/>
               <a:t>Click to edit Master title style</a:t>
             </a:r>
-            <a:endParaRPr lang="en-US"/>
           </a:p>
         </p:txBody>
       </p:sp>
@@ -5545,38 +5285,37 @@
           <a:p>
             <a:pPr lvl="0"/>
             <a:r>
-              <a:rPr lang="en-US" smtClean="0"/>
+              <a:rPr lang="en-US"/>
               <a:t>Click to edit Master text styles</a:t>
             </a:r>
           </a:p>
           <a:p>
             <a:pPr lvl="1"/>
             <a:r>
-              <a:rPr lang="en-US" smtClean="0"/>
+              <a:rPr lang="en-US"/>
               <a:t>Second level</a:t>
             </a:r>
           </a:p>
           <a:p>
             <a:pPr lvl="2"/>
             <a:r>
-              <a:rPr lang="en-US" smtClean="0"/>
+              <a:rPr lang="en-US"/>
               <a:t>Third level</a:t>
             </a:r>
           </a:p>
           <a:p>
             <a:pPr lvl="3"/>
             <a:r>
-              <a:rPr lang="en-US" smtClean="0"/>
+              <a:rPr lang="en-US"/>
               <a:t>Fourth level</a:t>
             </a:r>
           </a:p>
           <a:p>
             <a:pPr lvl="4"/>
             <a:r>
-              <a:rPr lang="en-US" smtClean="0"/>
+              <a:rPr lang="en-US"/>
               <a:t>Fifth level</a:t>
             </a:r>
-            <a:endParaRPr lang="en-US"/>
           </a:p>
         </p:txBody>
       </p:sp>
@@ -5630,38 +5369,37 @@
           <a:p>
             <a:pPr lvl="0"/>
             <a:r>
-              <a:rPr lang="en-US" smtClean="0"/>
+              <a:rPr lang="en-US"/>
               <a:t>Click to edit Master text styles</a:t>
             </a:r>
           </a:p>
           <a:p>
             <a:pPr lvl="1"/>
             <a:r>
-              <a:rPr lang="en-US" smtClean="0"/>
+              <a:rPr lang="en-US"/>
               <a:t>Second level</a:t>
             </a:r>
           </a:p>
           <a:p>
             <a:pPr lvl="2"/>
             <a:r>
-              <a:rPr lang="en-US" smtClean="0"/>
+              <a:rPr lang="en-US"/>
               <a:t>Third level</a:t>
             </a:r>
           </a:p>
           <a:p>
             <a:pPr lvl="3"/>
             <a:r>
-              <a:rPr lang="en-US" smtClean="0"/>
+              <a:rPr lang="en-US"/>
               <a:t>Fourth level</a:t>
             </a:r>
           </a:p>
           <a:p>
             <a:pPr lvl="4"/>
             <a:r>
-              <a:rPr lang="en-US" smtClean="0"/>
+              <a:rPr lang="en-US"/>
               <a:t>Fifth level</a:t>
             </a:r>
-            <a:endParaRPr lang="en-US"/>
           </a:p>
         </p:txBody>
       </p:sp>
@@ -5692,7 +5430,7 @@
               <a:pPr>
                 <a:defRPr/>
               </a:pPr>
-              <a:t>8/16/17</a:t>
+              <a:t>8/18/2018</a:t>
             </a:fld>
             <a:endParaRPr lang="en-US" dirty="0"/>
           </a:p>
@@ -5718,10 +5456,9 @@
           </a:lstStyle>
           <a:p>
             <a:r>
-              <a:rPr lang="en-US" dirty="0" smtClean="0"/>
+              <a:rPr lang="en-US" dirty="0"/>
               <a:t>Section 5.1</a:t>
             </a:r>
-            <a:endParaRPr lang="en-US" dirty="0"/>
           </a:p>
         </p:txBody>
       </p:sp>
@@ -5803,10 +5540,9 @@
           </a:lstStyle>
           <a:p>
             <a:r>
-              <a:rPr lang="en-US" smtClean="0"/>
+              <a:rPr lang="en-US"/>
               <a:t>Click to edit Master title style</a:t>
             </a:r>
-            <a:endParaRPr lang="en-US"/>
           </a:p>
         </p:txBody>
       </p:sp>
@@ -5869,7 +5605,7 @@
           <a:p>
             <a:pPr lvl="0"/>
             <a:r>
-              <a:rPr lang="en-US" smtClean="0"/>
+              <a:rPr lang="en-US"/>
               <a:t>Click to edit Master text styles</a:t>
             </a:r>
           </a:p>
@@ -5925,38 +5661,37 @@
           <a:p>
             <a:pPr lvl="0"/>
             <a:r>
-              <a:rPr lang="en-US" smtClean="0"/>
+              <a:rPr lang="en-US"/>
               <a:t>Click to edit Master text styles</a:t>
             </a:r>
           </a:p>
           <a:p>
             <a:pPr lvl="1"/>
             <a:r>
-              <a:rPr lang="en-US" smtClean="0"/>
+              <a:rPr lang="en-US"/>
               <a:t>Second level</a:t>
             </a:r>
           </a:p>
           <a:p>
             <a:pPr lvl="2"/>
             <a:r>
-              <a:rPr lang="en-US" smtClean="0"/>
+              <a:rPr lang="en-US"/>
               <a:t>Third level</a:t>
             </a:r>
           </a:p>
           <a:p>
             <a:pPr lvl="3"/>
             <a:r>
-              <a:rPr lang="en-US" smtClean="0"/>
+              <a:rPr lang="en-US"/>
               <a:t>Fourth level</a:t>
             </a:r>
           </a:p>
           <a:p>
             <a:pPr lvl="4"/>
             <a:r>
-              <a:rPr lang="en-US" smtClean="0"/>
+              <a:rPr lang="en-US"/>
               <a:t>Fifth level</a:t>
             </a:r>
-            <a:endParaRPr lang="en-US"/>
           </a:p>
         </p:txBody>
       </p:sp>
@@ -6019,7 +5754,7 @@
           <a:p>
             <a:pPr lvl="0"/>
             <a:r>
-              <a:rPr lang="en-US" smtClean="0"/>
+              <a:rPr lang="en-US"/>
               <a:t>Click to edit Master text styles</a:t>
             </a:r>
           </a:p>
@@ -6075,38 +5810,37 @@
           <a:p>
             <a:pPr lvl="0"/>
             <a:r>
-              <a:rPr lang="en-US" smtClean="0"/>
+              <a:rPr lang="en-US"/>
               <a:t>Click to edit Master text styles</a:t>
             </a:r>
           </a:p>
           <a:p>
             <a:pPr lvl="1"/>
             <a:r>
-              <a:rPr lang="en-US" smtClean="0"/>
+              <a:rPr lang="en-US"/>
               <a:t>Second level</a:t>
             </a:r>
           </a:p>
           <a:p>
             <a:pPr lvl="2"/>
             <a:r>
-              <a:rPr lang="en-US" smtClean="0"/>
+              <a:rPr lang="en-US"/>
               <a:t>Third level</a:t>
             </a:r>
           </a:p>
           <a:p>
             <a:pPr lvl="3"/>
             <a:r>
-              <a:rPr lang="en-US" smtClean="0"/>
+              <a:rPr lang="en-US"/>
               <a:t>Fourth level</a:t>
             </a:r>
           </a:p>
           <a:p>
             <a:pPr lvl="4"/>
             <a:r>
-              <a:rPr lang="en-US" smtClean="0"/>
+              <a:rPr lang="en-US"/>
               <a:t>Fifth level</a:t>
             </a:r>
-            <a:endParaRPr lang="en-US"/>
           </a:p>
         </p:txBody>
       </p:sp>
@@ -6137,7 +5871,7 @@
               <a:pPr>
                 <a:defRPr/>
               </a:pPr>
-              <a:t>8/16/17</a:t>
+              <a:t>8/18/2018</a:t>
             </a:fld>
             <a:endParaRPr lang="en-US" dirty="0"/>
           </a:p>
@@ -6163,10 +5897,9 @@
           </a:lstStyle>
           <a:p>
             <a:r>
-              <a:rPr lang="en-US" dirty="0" smtClean="0"/>
+              <a:rPr lang="en-US" dirty="0"/>
               <a:t>Section 5.1</a:t>
             </a:r>
-            <a:endParaRPr lang="en-US" dirty="0"/>
           </a:p>
         </p:txBody>
       </p:sp>
@@ -6244,10 +5977,9 @@
           <a:lstStyle/>
           <a:p>
             <a:r>
-              <a:rPr lang="en-US" smtClean="0"/>
+              <a:rPr lang="en-US"/>
               <a:t>Click to edit Master title style</a:t>
             </a:r>
-            <a:endParaRPr lang="en-US"/>
           </a:p>
         </p:txBody>
       </p:sp>
@@ -6278,7 +6010,7 @@
               <a:pPr>
                 <a:defRPr/>
               </a:pPr>
-              <a:t>8/16/17</a:t>
+              <a:t>8/18/2018</a:t>
             </a:fld>
             <a:endParaRPr lang="en-US" dirty="0"/>
           </a:p>
@@ -6304,10 +6036,9 @@
           </a:lstStyle>
           <a:p>
             <a:r>
-              <a:rPr lang="en-US" dirty="0" smtClean="0"/>
+              <a:rPr lang="en-US" dirty="0"/>
               <a:t>Section 5.1</a:t>
             </a:r>
-            <a:endParaRPr lang="en-US" dirty="0"/>
           </a:p>
         </p:txBody>
       </p:sp>
@@ -6396,7 +6127,7 @@
               <a:pPr>
                 <a:defRPr/>
               </a:pPr>
-              <a:t>8/16/17</a:t>
+              <a:t>8/18/2018</a:t>
             </a:fld>
             <a:endParaRPr lang="en-US" dirty="0"/>
           </a:p>
@@ -6422,10 +6153,9 @@
           </a:lstStyle>
           <a:p>
             <a:r>
-              <a:rPr lang="en-US" dirty="0" smtClean="0"/>
+              <a:rPr lang="en-US" dirty="0"/>
               <a:t>Section 5.1</a:t>
             </a:r>
-            <a:endParaRPr lang="en-US" dirty="0"/>
           </a:p>
         </p:txBody>
       </p:sp>
@@ -6512,10 +6242,9 @@
           </a:lstStyle>
           <a:p>
             <a:r>
-              <a:rPr lang="en-US" smtClean="0"/>
+              <a:rPr lang="en-US"/>
               <a:t>Click to edit Master title style</a:t>
             </a:r>
-            <a:endParaRPr lang="en-US"/>
           </a:p>
         </p:txBody>
       </p:sp>
@@ -6569,38 +6298,37 @@
           <a:p>
             <a:pPr lvl="0"/>
             <a:r>
-              <a:rPr lang="en-US" smtClean="0"/>
+              <a:rPr lang="en-US"/>
               <a:t>Click to edit Master text styles</a:t>
             </a:r>
           </a:p>
           <a:p>
             <a:pPr lvl="1"/>
             <a:r>
-              <a:rPr lang="en-US" smtClean="0"/>
+              <a:rPr lang="en-US"/>
               <a:t>Second level</a:t>
             </a:r>
           </a:p>
           <a:p>
             <a:pPr lvl="2"/>
             <a:r>
-              <a:rPr lang="en-US" smtClean="0"/>
+              <a:rPr lang="en-US"/>
               <a:t>Third level</a:t>
             </a:r>
           </a:p>
           <a:p>
             <a:pPr lvl="3"/>
             <a:r>
-              <a:rPr lang="en-US" smtClean="0"/>
+              <a:rPr lang="en-US"/>
               <a:t>Fourth level</a:t>
             </a:r>
           </a:p>
           <a:p>
             <a:pPr lvl="4"/>
             <a:r>
-              <a:rPr lang="en-US" smtClean="0"/>
+              <a:rPr lang="en-US"/>
               <a:t>Fifth level</a:t>
             </a:r>
-            <a:endParaRPr lang="en-US"/>
           </a:p>
         </p:txBody>
       </p:sp>
@@ -6663,7 +6391,7 @@
           <a:p>
             <a:pPr lvl="0"/>
             <a:r>
-              <a:rPr lang="en-US" smtClean="0"/>
+              <a:rPr lang="en-US"/>
               <a:t>Click to edit Master text styles</a:t>
             </a:r>
           </a:p>
@@ -6696,7 +6424,7 @@
               <a:pPr>
                 <a:defRPr/>
               </a:pPr>
-              <a:t>8/16/17</a:t>
+              <a:t>8/18/2018</a:t>
             </a:fld>
             <a:endParaRPr lang="en-US" dirty="0"/>
           </a:p>
@@ -6722,10 +6450,9 @@
           </a:lstStyle>
           <a:p>
             <a:r>
-              <a:rPr lang="en-US" dirty="0" smtClean="0"/>
+              <a:rPr lang="en-US" dirty="0"/>
               <a:t>Section 5.1</a:t>
             </a:r>
-            <a:endParaRPr lang="en-US" dirty="0"/>
           </a:p>
         </p:txBody>
       </p:sp>
@@ -6812,10 +6539,9 @@
           </a:lstStyle>
           <a:p>
             <a:r>
-              <a:rPr lang="en-US" smtClean="0"/>
+              <a:rPr lang="en-US"/>
               <a:t>Click to edit Master title style</a:t>
             </a:r>
-            <a:endParaRPr lang="en-US"/>
           </a:p>
         </p:txBody>
       </p:sp>
@@ -6942,7 +6668,7 @@
           <a:p>
             <a:pPr lvl="0"/>
             <a:r>
-              <a:rPr lang="en-US" smtClean="0"/>
+              <a:rPr lang="en-US"/>
               <a:t>Click to edit Master text styles</a:t>
             </a:r>
           </a:p>
@@ -6975,7 +6701,7 @@
               <a:pPr>
                 <a:defRPr/>
               </a:pPr>
-              <a:t>8/16/17</a:t>
+              <a:t>8/18/2018</a:t>
             </a:fld>
             <a:endParaRPr lang="en-US" dirty="0"/>
           </a:p>
@@ -7001,10 +6727,9 @@
           </a:lstStyle>
           <a:p>
             <a:r>
-              <a:rPr lang="en-US" dirty="0" smtClean="0"/>
+              <a:rPr lang="en-US" dirty="0"/>
               <a:t>Section 5.1</a:t>
             </a:r>
-            <a:endParaRPr lang="en-US" dirty="0"/>
           </a:p>
         </p:txBody>
       </p:sp>
@@ -7233,7 +6958,7 @@
               <a:pPr>
                 <a:defRPr/>
               </a:pPr>
-              <a:t>8/16/17</a:t>
+              <a:t>8/18/2018</a:t>
             </a:fld>
             <a:endParaRPr lang="en-US" dirty="0"/>
           </a:p>
@@ -7276,10 +7001,9 @@
           </a:lstStyle>
           <a:p>
             <a:r>
-              <a:rPr lang="en-US" dirty="0" smtClean="0"/>
+              <a:rPr lang="en-US" dirty="0"/>
               <a:t>Section 5.1</a:t>
             </a:r>
-            <a:endParaRPr lang="en-US" dirty="0"/>
           </a:p>
         </p:txBody>
       </p:sp>
@@ -7355,13 +7079,6 @@
     <p:sldLayoutId id="2147483674" r:id="rId10"/>
     <p:sldLayoutId id="2147483675" r:id="rId11"/>
   </p:sldLayoutIdLst>
-  <p:timing>
-    <p:tnLst>
-      <p:par>
-        <p:cTn id="1" dur="indefinite" restart="never" nodeType="tmRoot"/>
-      </p:par>
-    </p:tnLst>
-  </p:timing>
   <p:hf sldNum="0" hdr="0" dt="0"/>
   <p:txStyles>
     <p:titleStyle>
@@ -7951,7 +7668,7 @@
               <a:pPr>
                 <a:defRPr/>
               </a:pPr>
-              <a:t>8/16/17</a:t>
+              <a:t>8/18/2018</a:t>
             </a:fld>
             <a:endParaRPr lang="en-US" dirty="0">
               <a:solidFill>
@@ -8495,6 +8212,17 @@
 <file path=ppt/slides/slide1.xml><?xml version="1.0" encoding="utf-8"?>
 <p:sld xmlns:a="http://schemas.openxmlformats.org/drawingml/2006/main" xmlns:r="http://schemas.openxmlformats.org/officeDocument/2006/relationships" xmlns:p="http://schemas.openxmlformats.org/presentationml/2006/main">
   <p:cSld>
+    <p:bg>
+      <p:bgPr>
+        <a:solidFill>
+          <a:schemeClr val="bg1">
+            <a:tint val="95000"/>
+            <a:satMod val="170000"/>
+          </a:schemeClr>
+        </a:solidFill>
+        <a:effectLst/>
+      </p:bgPr>
+    </p:bg>
     <p:spTree>
       <p:nvGrpSpPr>
         <p:cNvPr id="1" name=""/>
@@ -8521,110 +8249,322 @@
         </p:nvSpPr>
         <p:spPr>
           <a:xfrm>
-            <a:off x="457200" y="274638"/>
-            <a:ext cx="8229600" cy="6049962"/>
+            <a:off x="5181600" y="2438400"/>
+            <a:ext cx="3483937" cy="1625073"/>
           </a:xfrm>
+        </p:spPr>
+        <p:txBody>
+          <a:bodyPr vert="horz" lIns="91440" tIns="45720" rIns="91440" bIns="45720" rtlCol="0" anchor="b">
+            <a:normAutofit fontScale="90000"/>
+          </a:bodyPr>
+          <a:lstStyle/>
+          <a:p>
+            <a:pPr defTabSz="914400" eaLnBrk="1" hangingPunct="1">
+              <a:lnSpc>
+                <a:spcPct val="90000"/>
+              </a:lnSpc>
+            </a:pPr>
+            <a:r>
+              <a:rPr lang="en-US" sz="6000" i="1">
+                <a:ea typeface="+mj-ea"/>
+                <a:cs typeface="+mj-cs"/>
+              </a:rPr>
+              <a:t>Welcome to the Show</a:t>
+            </a:r>
+          </a:p>
+        </p:txBody>
+      </p:sp>
+      <p:sp>
+        <p:nvSpPr>
+          <p:cNvPr id="14" name="Freeform: Shape 13">
+            <a:extLst>
+              <a:ext uri="{FF2B5EF4-FFF2-40B4-BE49-F238E27FC236}">
+                <a16:creationId xmlns:a16="http://schemas.microsoft.com/office/drawing/2014/main" id="{1DB7C82F-AB7E-4F0C-B829-FA1B9C415180}"/>
+              </a:ext>
+              <a:ext uri="{C183D7F6-B498-43B3-948B-1728B52AA6E4}">
+                <adec:decorative xmlns:adec="http://schemas.microsoft.com/office/drawing/2017/decorative" val="1"/>
+              </a:ext>
+            </a:extLst>
+          </p:cNvPr>
+          <p:cNvSpPr>
+            <a:spLocks noGrp="1" noRot="1" noChangeAspect="1" noMove="1" noResize="1" noEditPoints="1" noAdjustHandles="1" noChangeArrowheads="1" noChangeShapeType="1" noTextEdit="1"/>
+          </p:cNvSpPr>
+          <p:nvPr>
+            <p:extLst>
+              <p:ext uri="{386F3935-93C4-4BCD-93E2-E3B085C9AB24}">
+                <p16:designElem xmlns:p16="http://schemas.microsoft.com/office/powerpoint/2015/main" val="1"/>
+              </p:ext>
+            </p:extLst>
+          </p:nvPr>
+        </p:nvSpPr>
+        <p:spPr>
+          <a:xfrm flipH="1">
+            <a:off x="0" y="0"/>
+            <a:ext cx="4629586" cy="6858000"/>
+          </a:xfrm>
+          <a:custGeom>
+            <a:avLst/>
+            <a:gdLst>
+              <a:gd name="connsiteX0" fmla="*/ 6172782 w 6172782"/>
+              <a:gd name="connsiteY0" fmla="*/ 0 h 6858000"/>
+              <a:gd name="connsiteX1" fmla="*/ 69075 w 6172782"/>
+              <a:gd name="connsiteY1" fmla="*/ 0 h 6858000"/>
+              <a:gd name="connsiteX2" fmla="*/ 35131 w 6172782"/>
+              <a:gd name="connsiteY2" fmla="*/ 267128 h 6858000"/>
+              <a:gd name="connsiteX3" fmla="*/ 0 w 6172782"/>
+              <a:gd name="connsiteY3" fmla="*/ 962845 h 6858000"/>
+              <a:gd name="connsiteX4" fmla="*/ 3276103 w 6172782"/>
+              <a:gd name="connsiteY4" fmla="*/ 6782205 h 6858000"/>
+              <a:gd name="connsiteX5" fmla="*/ 3407923 w 6172782"/>
+              <a:gd name="connsiteY5" fmla="*/ 6858000 h 6858000"/>
+              <a:gd name="connsiteX6" fmla="*/ 6172782 w 6172782"/>
+              <a:gd name="connsiteY6" fmla="*/ 6858000 h 6858000"/>
+            </a:gdLst>
+            <a:ahLst/>
+            <a:cxnLst>
+              <a:cxn ang="0">
+                <a:pos x="connsiteX0" y="connsiteY0"/>
+              </a:cxn>
+              <a:cxn ang="0">
+                <a:pos x="connsiteX1" y="connsiteY1"/>
+              </a:cxn>
+              <a:cxn ang="0">
+                <a:pos x="connsiteX2" y="connsiteY2"/>
+              </a:cxn>
+              <a:cxn ang="0">
+                <a:pos x="connsiteX3" y="connsiteY3"/>
+              </a:cxn>
+              <a:cxn ang="0">
+                <a:pos x="connsiteX4" y="connsiteY4"/>
+              </a:cxn>
+              <a:cxn ang="0">
+                <a:pos x="connsiteX5" y="connsiteY5"/>
+              </a:cxn>
+              <a:cxn ang="0">
+                <a:pos x="connsiteX6" y="connsiteY6"/>
+              </a:cxn>
+            </a:cxnLst>
+            <a:rect l="l" t="t" r="r" b="b"/>
+            <a:pathLst>
+              <a:path w="6172782" h="6858000">
+                <a:moveTo>
+                  <a:pt x="6172782" y="0"/>
+                </a:moveTo>
+                <a:lnTo>
+                  <a:pt x="69075" y="0"/>
+                </a:lnTo>
+                <a:lnTo>
+                  <a:pt x="35131" y="267128"/>
+                </a:lnTo>
+                <a:cubicBezTo>
+                  <a:pt x="11901" y="495874"/>
+                  <a:pt x="0" y="727970"/>
+                  <a:pt x="0" y="962845"/>
+                </a:cubicBezTo>
+                <a:cubicBezTo>
+                  <a:pt x="0" y="3429034"/>
+                  <a:pt x="1312002" y="5588789"/>
+                  <a:pt x="3276103" y="6782205"/>
+                </a:cubicBezTo>
+                <a:lnTo>
+                  <a:pt x="3407923" y="6858000"/>
+                </a:lnTo>
+                <a:lnTo>
+                  <a:pt x="6172782" y="6858000"/>
+                </a:lnTo>
+                <a:close/>
+              </a:path>
+            </a:pathLst>
+          </a:custGeom>
           <a:solidFill>
-            <a:schemeClr val="tx2">
-              <a:lumMod val="40000"/>
-              <a:lumOff val="60000"/>
+            <a:srgbClr val="FFFFFF">
+              <a:alpha val="80000"/>
+            </a:srgbClr>
+          </a:solidFill>
+          <a:ln>
+            <a:noFill/>
+          </a:ln>
+        </p:spPr>
+        <p:style>
+          <a:lnRef idx="2">
+            <a:schemeClr val="accent1">
+              <a:shade val="50000"/>
             </a:schemeClr>
-          </a:solidFill>
+          </a:lnRef>
+          <a:fillRef idx="1">
+            <a:schemeClr val="accent1"/>
+          </a:fillRef>
+          <a:effectRef idx="0">
+            <a:schemeClr val="accent1"/>
+          </a:effectRef>
+          <a:fontRef idx="minor">
+            <a:schemeClr val="lt1"/>
+          </a:fontRef>
+        </p:style>
+        <p:txBody>
+          <a:bodyPr wrap="square" rtlCol="0" anchor="ctr">
+            <a:noAutofit/>
+          </a:bodyPr>
+          <a:lstStyle/>
+          <a:p>
+            <a:pPr marL="0" marR="0" lvl="0" indent="0" algn="ctr" defTabSz="914400" rtl="0" eaLnBrk="1" fontAlgn="auto" latinLnBrk="0" hangingPunct="1">
+              <a:lnSpc>
+                <a:spcPct val="100000"/>
+              </a:lnSpc>
+              <a:spcBef>
+                <a:spcPts val="0"/>
+              </a:spcBef>
+              <a:spcAft>
+                <a:spcPts val="0"/>
+              </a:spcAft>
+              <a:buClrTx/>
+              <a:buSzTx/>
+              <a:buFontTx/>
+              <a:buNone/>
+              <a:tabLst/>
+              <a:defRPr/>
+            </a:pPr>
+            <a:endParaRPr kumimoji="0" lang="en-US" sz="1800" b="0" i="0" u="none" strike="noStrike" kern="1200" cap="none" spc="0" normalizeH="0" baseline="0" noProof="0">
+              <a:ln>
+                <a:noFill/>
+              </a:ln>
+              <a:solidFill>
+                <a:prstClr val="white"/>
+              </a:solidFill>
+              <a:effectLst/>
+              <a:uLnTx/>
+              <a:uFillTx/>
+              <a:latin typeface="Calibri" panose="020F0502020204030204"/>
+              <a:ea typeface="+mn-ea"/>
+              <a:cs typeface="+mn-cs"/>
+            </a:endParaRPr>
+          </a:p>
+        </p:txBody>
+      </p:sp>
+      <p:pic>
+        <p:nvPicPr>
+          <p:cNvPr id="4" name="Picture 3">
+            <a:extLst>
+              <a:ext uri="{FF2B5EF4-FFF2-40B4-BE49-F238E27FC236}">
+                <a16:creationId xmlns:a16="http://schemas.microsoft.com/office/drawing/2014/main" id="{46A72BE4-3B90-4DF9-9AF7-43E0A7B66E25}"/>
+              </a:ext>
+            </a:extLst>
+          </p:cNvPr>
+          <p:cNvPicPr>
+            <a:picLocks noChangeAspect="1"/>
+          </p:cNvPicPr>
+          <p:nvPr/>
+        </p:nvPicPr>
+        <p:blipFill rotWithShape="1">
+          <a:blip r:embed="rId3"/>
+          <a:srcRect l="16360" r="17759"/>
+          <a:stretch/>
+        </p:blipFill>
+        <p:spPr>
+          <a:xfrm>
+            <a:off x="20" y="10"/>
+            <a:ext cx="4518095" cy="6857990"/>
+          </a:xfrm>
+          <a:custGeom>
+            <a:avLst/>
+            <a:gdLst>
+              <a:gd name="connsiteX0" fmla="*/ 0 w 6024154"/>
+              <a:gd name="connsiteY0" fmla="*/ 0 h 6858000"/>
+              <a:gd name="connsiteX1" fmla="*/ 5953780 w 6024154"/>
+              <a:gd name="connsiteY1" fmla="*/ 0 h 6858000"/>
+              <a:gd name="connsiteX2" fmla="*/ 5989880 w 6024154"/>
+              <a:gd name="connsiteY2" fmla="*/ 284091 h 6858000"/>
+              <a:gd name="connsiteX3" fmla="*/ 6024154 w 6024154"/>
+              <a:gd name="connsiteY3" fmla="*/ 962844 h 6858000"/>
+              <a:gd name="connsiteX4" fmla="*/ 2549934 w 6024154"/>
+              <a:gd name="connsiteY4" fmla="*/ 6800152 h 6858000"/>
+              <a:gd name="connsiteX5" fmla="*/ 2436987 w 6024154"/>
+              <a:gd name="connsiteY5" fmla="*/ 6858000 h 6858000"/>
+              <a:gd name="connsiteX6" fmla="*/ 0 w 6024154"/>
+              <a:gd name="connsiteY6" fmla="*/ 6858000 h 6858000"/>
+            </a:gdLst>
+            <a:ahLst/>
+            <a:cxnLst>
+              <a:cxn ang="0">
+                <a:pos x="connsiteX0" y="connsiteY0"/>
+              </a:cxn>
+              <a:cxn ang="0">
+                <a:pos x="connsiteX1" y="connsiteY1"/>
+              </a:cxn>
+              <a:cxn ang="0">
+                <a:pos x="connsiteX2" y="connsiteY2"/>
+              </a:cxn>
+              <a:cxn ang="0">
+                <a:pos x="connsiteX3" y="connsiteY3"/>
+              </a:cxn>
+              <a:cxn ang="0">
+                <a:pos x="connsiteX4" y="connsiteY4"/>
+              </a:cxn>
+              <a:cxn ang="0">
+                <a:pos x="connsiteX5" y="connsiteY5"/>
+              </a:cxn>
+              <a:cxn ang="0">
+                <a:pos x="connsiteX6" y="connsiteY6"/>
+              </a:cxn>
+            </a:cxnLst>
+            <a:rect l="l" t="t" r="r" b="b"/>
+            <a:pathLst>
+              <a:path w="6024154" h="6858000">
+                <a:moveTo>
+                  <a:pt x="0" y="0"/>
+                </a:moveTo>
+                <a:lnTo>
+                  <a:pt x="5953780" y="0"/>
+                </a:lnTo>
+                <a:lnTo>
+                  <a:pt x="5989880" y="284091"/>
+                </a:lnTo>
+                <a:cubicBezTo>
+                  <a:pt x="6012544" y="507260"/>
+                  <a:pt x="6024154" y="733696"/>
+                  <a:pt x="6024154" y="962844"/>
+                </a:cubicBezTo>
+                <a:cubicBezTo>
+                  <a:pt x="6024154" y="3483472"/>
+                  <a:pt x="4619336" y="5675986"/>
+                  <a:pt x="2549934" y="6800152"/>
+                </a:cubicBezTo>
+                <a:lnTo>
+                  <a:pt x="2436987" y="6858000"/>
+                </a:lnTo>
+                <a:lnTo>
+                  <a:pt x="0" y="6858000"/>
+                </a:lnTo>
+                <a:close/>
+              </a:path>
+            </a:pathLst>
+          </a:custGeom>
         </p:spPr>
-        <p:txBody>
-          <a:bodyPr/>
-          <a:lstStyle/>
-          <a:p>
-            <a:r>
-              <a:rPr lang="en-US" sz="4800" b="1" dirty="0" smtClean="0">
-                <a:solidFill>
-                  <a:schemeClr val="bg1"/>
-                </a:solidFill>
-              </a:rPr>
-              <a:t>STOR320 – Lecture 1</a:t>
-            </a:r>
-            <a:br>
-              <a:rPr lang="en-US" sz="4800" b="1" dirty="0" smtClean="0">
-                <a:solidFill>
-                  <a:schemeClr val="bg1"/>
-                </a:solidFill>
-              </a:rPr>
-            </a:br>
-            <a:r>
-              <a:rPr lang="en-US" sz="4800" b="1" dirty="0" smtClean="0">
-                <a:solidFill>
-                  <a:schemeClr val="bg1"/>
-                </a:solidFill>
-              </a:rPr>
-              <a:t>August 23, 2017</a:t>
-            </a:r>
-            <a:br>
-              <a:rPr lang="en-US" sz="4800" b="1" dirty="0" smtClean="0">
-                <a:solidFill>
-                  <a:schemeClr val="bg1"/>
-                </a:solidFill>
-              </a:rPr>
-            </a:br>
-            <a:r>
-              <a:rPr lang="en-US" sz="4800" b="1" dirty="0" err="1" smtClean="0">
-                <a:solidFill>
-                  <a:schemeClr val="bg1"/>
-                </a:solidFill>
-              </a:rPr>
-              <a:t>Indroduction</a:t>
-            </a:r>
-            <a:r>
-              <a:rPr lang="en-US" sz="4800" b="1" dirty="0" smtClean="0">
-                <a:solidFill>
-                  <a:schemeClr val="bg1"/>
-                </a:solidFill>
-              </a:rPr>
-              <a:t> and</a:t>
-            </a:r>
-            <a:br>
-              <a:rPr lang="en-US" sz="4800" b="1" dirty="0" smtClean="0">
-                <a:solidFill>
-                  <a:schemeClr val="bg1"/>
-                </a:solidFill>
-              </a:rPr>
-            </a:br>
-            <a:r>
-              <a:rPr lang="en-US" sz="4800" b="1" dirty="0" smtClean="0">
-                <a:solidFill>
-                  <a:schemeClr val="bg1"/>
-                </a:solidFill>
-              </a:rPr>
-              <a:t>Course Overview </a:t>
-            </a:r>
-            <a:endParaRPr lang="en-US" sz="4800" b="1" dirty="0">
-              <a:solidFill>
-                <a:schemeClr val="bg1"/>
-              </a:solidFill>
-            </a:endParaRPr>
-          </a:p>
-        </p:txBody>
-      </p:sp>
+      </p:pic>
     </p:spTree>
     <p:custDataLst>
       <p:tags r:id="rId1"/>
     </p:custDataLst>
   </p:cSld>
   <p:clrMapOvr>
-    <a:masterClrMapping/>
+    <a:overrideClrMapping bg1="dk1" tx1="lt1" bg2="dk2" tx2="lt2" accent1="accent1" accent2="accent2" accent3="accent3" accent4="accent4" accent5="accent5" accent6="accent6" hlink="hlink" folHlink="folHlink"/>
   </p:clrMapOvr>
-  <p:timing>
-    <p:tnLst>
-      <p:par>
-        <p:cTn id="1" dur="indefinite" restart="never" nodeType="tmRoot"/>
-      </p:par>
-    </p:tnLst>
-  </p:timing>
 </p:sld>
 </file>
 
 <file path=ppt/slides/slide2.xml><?xml version="1.0" encoding="utf-8"?>
 <p:sld xmlns:a="http://schemas.openxmlformats.org/drawingml/2006/main" xmlns:r="http://schemas.openxmlformats.org/officeDocument/2006/relationships" xmlns:p="http://schemas.openxmlformats.org/presentationml/2006/main">
   <p:cSld>
+    <p:bg>
+      <p:bgPr>
+        <a:solidFill>
+          <a:schemeClr val="bg1">
+            <a:lumMod val="85000"/>
+          </a:schemeClr>
+        </a:solidFill>
+        <a:effectLst/>
+      </p:bgPr>
+    </p:bg>
     <p:spTree>
       <p:nvGrpSpPr>
         <p:cNvPr id="1" name=""/>
@@ -8641,66 +8581,138 @@
       </p:grpSpPr>
       <p:sp>
         <p:nvSpPr>
-          <p:cNvPr id="2" name="Title 1"/>
-          <p:cNvSpPr>
-            <a:spLocks noGrp="1"/>
-          </p:cNvSpPr>
-          <p:nvPr>
-            <p:ph type="title"/>
+          <p:cNvPr id="15" name="Rectangle 12">
+            <a:extLst>
+              <a:ext uri="{FF2B5EF4-FFF2-40B4-BE49-F238E27FC236}">
+                <a16:creationId xmlns:a16="http://schemas.microsoft.com/office/drawing/2014/main" id="{867D4867-5BA7-4462-B2F6-A23F4A622AA7}"/>
+              </a:ext>
+              <a:ext uri="{C183D7F6-B498-43B3-948B-1728B52AA6E4}">
+                <adec:decorative xmlns:adec="http://schemas.microsoft.com/office/drawing/2017/decorative" val="1"/>
+              </a:ext>
+            </a:extLst>
+          </p:cNvPr>
+          <p:cNvSpPr>
+            <a:spLocks noGrp="1" noRot="1" noChangeAspect="1" noMove="1" noResize="1" noEditPoints="1" noAdjustHandles="1" noChangeArrowheads="1" noChangeShapeType="1" noTextEdit="1"/>
+          </p:cNvSpPr>
+          <p:nvPr>
+            <p:extLst>
+              <p:ext uri="{386F3935-93C4-4BCD-93E2-E3B085C9AB24}">
+                <p16:designElem xmlns:p16="http://schemas.microsoft.com/office/powerpoint/2015/main" val="1"/>
+              </p:ext>
+            </p:extLst>
           </p:nvPr>
         </p:nvSpPr>
         <p:spPr>
-          <a:solidFill>
-            <a:schemeClr val="accent1">
-              <a:lumMod val="20000"/>
-              <a:lumOff val="80000"/>
-            </a:schemeClr>
-          </a:solidFill>
-        </p:spPr>
-        <p:txBody>
-          <a:bodyPr>
-            <a:normAutofit/>
-          </a:bodyPr>
-          <a:lstStyle/>
-          <a:p>
-            <a:r>
-              <a:rPr lang="en-US" sz="4000" dirty="0" smtClean="0"/>
-              <a:t>Today</a:t>
-            </a:r>
-            <a:endParaRPr lang="en-US" sz="4000" dirty="0"/>
-          </a:p>
-        </p:txBody>
-      </p:sp>
-      <p:sp>
-        <p:nvSpPr>
-          <p:cNvPr id="5" name="Content Placeholder 2"/>
-          <p:cNvSpPr txBox="1">
-            <a:spLocks/>
-          </p:cNvSpPr>
-          <p:nvPr/>
-        </p:nvSpPr>
-        <p:spPr bwMode="auto">
           <a:xfrm>
-            <a:off x="457200" y="1565835"/>
-            <a:ext cx="8229600" cy="4584700"/>
+            <a:off x="0" y="0"/>
+            <a:ext cx="3490722" cy="6858000"/>
           </a:xfrm>
           <a:prstGeom prst="rect">
             <a:avLst/>
           </a:prstGeom>
-          <a:noFill/>
-          <a:ln w="9525">
+          <a:solidFill>
+            <a:schemeClr val="tx1">
+              <a:lumMod val="75000"/>
+              <a:lumOff val="25000"/>
+            </a:schemeClr>
+          </a:solidFill>
+          <a:ln>
             <a:noFill/>
-            <a:miter lim="800000"/>
-            <a:headEnd/>
-            <a:tailEnd/>
           </a:ln>
         </p:spPr>
-        <p:txBody>
-          <a:bodyPr vert="horz" wrap="square" lIns="91440" tIns="45720" rIns="91440" bIns="45720" numCol="1" anchor="t" anchorCtr="0" compatLnSpc="1">
+        <p:style>
+          <a:lnRef idx="0">
+            <a:scrgbClr r="0" g="0" b="0"/>
+          </a:lnRef>
+          <a:fillRef idx="0">
+            <a:scrgbClr r="0" g="0" b="0"/>
+          </a:fillRef>
+          <a:effectRef idx="0">
+            <a:scrgbClr r="0" g="0" b="0"/>
+          </a:effectRef>
+          <a:fontRef idx="minor">
+            <a:schemeClr val="lt1"/>
+          </a:fontRef>
+        </p:style>
+        <p:txBody>
+          <a:bodyPr rtlCol="0" anchor="ctr"/>
+          <a:lstStyle/>
+          <a:p>
+            <a:pPr algn="ctr"/>
+            <a:endParaRPr lang="en-US"/>
+          </a:p>
+        </p:txBody>
+      </p:sp>
+      <p:sp>
+        <p:nvSpPr>
+          <p:cNvPr id="2" name="Title 1"/>
+          <p:cNvSpPr>
+            <a:spLocks noGrp="1"/>
+          </p:cNvSpPr>
+          <p:nvPr>
+            <p:ph type="title"/>
+          </p:nvPr>
+        </p:nvSpPr>
+        <p:spPr>
+          <a:xfrm>
+            <a:off x="482600" y="643467"/>
+            <a:ext cx="2522980" cy="1597315"/>
+          </a:xfrm>
+          <a:noFill/>
+          <a:ln w="19050">
+            <a:solidFill>
+              <a:schemeClr val="bg1"/>
+            </a:solidFill>
+          </a:ln>
+        </p:spPr>
+        <p:txBody>
+          <a:bodyPr vert="horz" wrap="square" lIns="91440" tIns="45720" rIns="91440" bIns="45720" rtlCol="0" anchor="ctr">
+            <a:normAutofit/>
+          </a:bodyPr>
+          <a:lstStyle/>
+          <a:p>
+            <a:pPr defTabSz="914400" eaLnBrk="1" hangingPunct="1">
+              <a:lnSpc>
+                <a:spcPct val="90000"/>
+              </a:lnSpc>
+            </a:pPr>
+            <a:r>
+              <a:rPr lang="en-US" sz="2400" kern="1200" dirty="0">
+                <a:solidFill>
+                  <a:schemeClr val="bg1"/>
+                </a:solidFill>
+                <a:latin typeface="+mj-lt"/>
+                <a:ea typeface="+mj-ea"/>
+                <a:cs typeface="+mj-cs"/>
+              </a:rPr>
+              <a:t>Who am I?</a:t>
+            </a:r>
+          </a:p>
+        </p:txBody>
+      </p:sp>
+      <p:sp>
+        <p:nvSpPr>
+          <p:cNvPr id="5" name="Content Placeholder 2"/>
+          <p:cNvSpPr txBox="1">
+            <a:spLocks/>
+          </p:cNvSpPr>
+          <p:nvPr/>
+        </p:nvSpPr>
+        <p:spPr bwMode="auto">
+          <a:xfrm>
+            <a:off x="3810000" y="643467"/>
+            <a:ext cx="4851400" cy="4038600"/>
+          </a:xfrm>
+          <a:prstGeom prst="rect">
+            <a:avLst/>
+          </a:prstGeom>
+        </p:spPr>
+        <p:txBody>
+          <a:bodyPr vert="horz" lIns="91440" tIns="45720" rIns="91440" bIns="45720" numCol="1" rtlCol="0" anchorCtr="0" compatLnSpc="1">
             <a:prstTxWarp prst="textNoShape">
               <a:avLst/>
             </a:prstTxWarp>
-            <a:normAutofit lnSpcReduction="10000"/>
+            <a:noAutofit/>
           </a:bodyPr>
           <a:lstStyle>
             <a:lvl1pPr marL="342900" indent="-342900" algn="l" defTabSz="457200" rtl="0" eaLnBrk="0" fontAlgn="base" hangingPunct="0">
@@ -8855,97 +8867,280 @@
             </a:lvl9pPr>
           </a:lstStyle>
           <a:p>
-            <a:r>
-              <a:rPr lang="en-US" dirty="0" smtClean="0"/>
-              <a:t>Syllabus</a:t>
-            </a:r>
-          </a:p>
-          <a:p>
-            <a:endParaRPr lang="en-US" dirty="0" smtClean="0"/>
-          </a:p>
-          <a:p>
-            <a:r>
-              <a:rPr lang="en-US" dirty="0" smtClean="0"/>
-              <a:t>Course Overview</a:t>
-            </a:r>
-          </a:p>
-          <a:p>
-            <a:pPr lvl="1"/>
-            <a:r>
-              <a:rPr lang="en-US" dirty="0" smtClean="0"/>
-              <a:t>Table of contents for R4DS</a:t>
-            </a:r>
-          </a:p>
-          <a:p>
-            <a:endParaRPr lang="en-US" dirty="0" smtClean="0"/>
-          </a:p>
-          <a:p>
-            <a:r>
-              <a:rPr lang="en-US" dirty="0" smtClean="0"/>
-              <a:t>Getting R online</a:t>
-            </a:r>
-          </a:p>
-          <a:p>
-            <a:endParaRPr lang="en-US" dirty="0" smtClean="0"/>
-          </a:p>
-          <a:p>
-            <a:r>
-              <a:rPr lang="en-US" dirty="0" smtClean="0"/>
-              <a:t>First </a:t>
-            </a:r>
-            <a:r>
-              <a:rPr lang="en-US" dirty="0" err="1" smtClean="0"/>
-              <a:t>ggplots</a:t>
-            </a:r>
-            <a:endParaRPr lang="en-US" dirty="0" smtClean="0"/>
+            <a:pPr indent="-228600" defTabSz="914400" eaLnBrk="1" hangingPunct="1">
+              <a:lnSpc>
+                <a:spcPct val="90000"/>
+              </a:lnSpc>
+              <a:buFont typeface="Arial" panose="020B0604020202020204" pitchFamily="34" charset="0"/>
+              <a:buChar char="•"/>
+            </a:pPr>
+            <a:r>
+              <a:rPr lang="en-US" sz="2000" dirty="0">
+                <a:solidFill>
+                  <a:srgbClr val="404040"/>
+                </a:solidFill>
+                <a:ea typeface="+mn-ea"/>
+                <a:cs typeface="+mn-cs"/>
+              </a:rPr>
+              <a:t>Name: Mario Giacomazzo</a:t>
+            </a:r>
+            <a:endParaRPr lang="en-US" sz="1600" dirty="0">
+              <a:solidFill>
+                <a:srgbClr val="404040"/>
+              </a:solidFill>
+              <a:ea typeface="+mn-ea"/>
+              <a:cs typeface="+mn-cs"/>
+            </a:endParaRPr>
+          </a:p>
+          <a:p>
+            <a:pPr marL="114300" indent="0" defTabSz="914400" eaLnBrk="1" hangingPunct="1">
+              <a:lnSpc>
+                <a:spcPct val="90000"/>
+              </a:lnSpc>
+              <a:buNone/>
+            </a:pPr>
+            <a:endParaRPr lang="en-US" sz="2000" dirty="0">
+              <a:solidFill>
+                <a:srgbClr val="404040"/>
+              </a:solidFill>
+              <a:ea typeface="+mn-ea"/>
+              <a:cs typeface="+mn-cs"/>
+            </a:endParaRPr>
+          </a:p>
+          <a:p>
+            <a:pPr indent="-228600" defTabSz="914400" eaLnBrk="1" hangingPunct="1">
+              <a:lnSpc>
+                <a:spcPct val="90000"/>
+              </a:lnSpc>
+              <a:buFont typeface="Arial" panose="020B0604020202020204" pitchFamily="34" charset="0"/>
+              <a:buChar char="•"/>
+            </a:pPr>
+            <a:r>
+              <a:rPr lang="en-US" sz="2000" dirty="0">
+                <a:solidFill>
+                  <a:srgbClr val="404040"/>
+                </a:solidFill>
+                <a:ea typeface="+mn-ea"/>
+                <a:cs typeface="+mn-cs"/>
+              </a:rPr>
+              <a:t>Origin: Cleveland, OH</a:t>
+            </a:r>
+          </a:p>
+          <a:p>
+            <a:pPr indent="-228600" defTabSz="914400" eaLnBrk="1" hangingPunct="1">
+              <a:lnSpc>
+                <a:spcPct val="90000"/>
+              </a:lnSpc>
+              <a:buFont typeface="Arial" panose="020B0604020202020204" pitchFamily="34" charset="0"/>
+              <a:buChar char="•"/>
+            </a:pPr>
+            <a:endParaRPr lang="en-US" sz="2000" dirty="0">
+              <a:solidFill>
+                <a:srgbClr val="404040"/>
+              </a:solidFill>
+              <a:ea typeface="+mn-ea"/>
+              <a:cs typeface="+mn-cs"/>
+            </a:endParaRPr>
+          </a:p>
+          <a:p>
+            <a:pPr indent="-228600" defTabSz="914400" eaLnBrk="1" hangingPunct="1">
+              <a:lnSpc>
+                <a:spcPct val="90000"/>
+              </a:lnSpc>
+              <a:buFont typeface="Arial" panose="020B0604020202020204" pitchFamily="34" charset="0"/>
+              <a:buChar char="•"/>
+            </a:pPr>
+            <a:r>
+              <a:rPr lang="en-US" sz="2000" dirty="0">
+                <a:solidFill>
+                  <a:srgbClr val="404040"/>
+                </a:solidFill>
+                <a:ea typeface="+mn-ea"/>
+                <a:cs typeface="+mn-cs"/>
+              </a:rPr>
+              <a:t>Undergrad: Baldwin-Wallace University </a:t>
+            </a:r>
+          </a:p>
+          <a:p>
+            <a:pPr indent="-228600" defTabSz="914400" eaLnBrk="1" hangingPunct="1">
+              <a:lnSpc>
+                <a:spcPct val="90000"/>
+              </a:lnSpc>
+              <a:buFont typeface="Arial" panose="020B0604020202020204" pitchFamily="34" charset="0"/>
+              <a:buChar char="•"/>
+            </a:pPr>
+            <a:endParaRPr lang="en-US" sz="2000" dirty="0">
+              <a:solidFill>
+                <a:srgbClr val="404040"/>
+              </a:solidFill>
+              <a:ea typeface="+mn-ea"/>
+              <a:cs typeface="+mn-cs"/>
+            </a:endParaRPr>
+          </a:p>
+          <a:p>
+            <a:pPr indent="-228600" defTabSz="914400" eaLnBrk="1" hangingPunct="1">
+              <a:lnSpc>
+                <a:spcPct val="90000"/>
+              </a:lnSpc>
+              <a:buFont typeface="Arial" panose="020B0604020202020204" pitchFamily="34" charset="0"/>
+              <a:buChar char="•"/>
+            </a:pPr>
+            <a:r>
+              <a:rPr lang="en-US" sz="2000" dirty="0">
+                <a:solidFill>
+                  <a:srgbClr val="404040"/>
+                </a:solidFill>
+                <a:ea typeface="+mn-ea"/>
+                <a:cs typeface="+mn-cs"/>
+              </a:rPr>
+              <a:t>Grad: Arizona State University</a:t>
+            </a:r>
+          </a:p>
+          <a:p>
+            <a:pPr indent="-228600" defTabSz="914400" eaLnBrk="1" hangingPunct="1">
+              <a:lnSpc>
+                <a:spcPct val="90000"/>
+              </a:lnSpc>
+              <a:buFont typeface="Arial" panose="020B0604020202020204" pitchFamily="34" charset="0"/>
+              <a:buChar char="•"/>
+            </a:pPr>
+            <a:endParaRPr lang="en-US" sz="2000" dirty="0">
+              <a:solidFill>
+                <a:srgbClr val="404040"/>
+              </a:solidFill>
+              <a:ea typeface="+mn-ea"/>
+              <a:cs typeface="+mn-cs"/>
+            </a:endParaRPr>
+          </a:p>
+          <a:p>
+            <a:pPr indent="-228600" defTabSz="914400" eaLnBrk="1" hangingPunct="1">
+              <a:lnSpc>
+                <a:spcPct val="90000"/>
+              </a:lnSpc>
+              <a:buFont typeface="Arial" panose="020B0604020202020204" pitchFamily="34" charset="0"/>
+              <a:buChar char="•"/>
+            </a:pPr>
+            <a:r>
+              <a:rPr lang="en-US" sz="2000" dirty="0">
+                <a:solidFill>
+                  <a:srgbClr val="404040"/>
+                </a:solidFill>
+                <a:ea typeface="+mn-ea"/>
+                <a:cs typeface="+mn-cs"/>
+                <a:hlinkClick r:id="rId3">
+                  <a:extLst>
+                    <a:ext uri="{A12FA001-AC4F-418D-AE19-62706E023703}">
+                      <ahyp:hlinkClr xmlns:ahyp="http://schemas.microsoft.com/office/drawing/2018/hyperlinkcolor" val="tx"/>
+                    </a:ext>
+                  </a:extLst>
+                </a:hlinkClick>
+              </a:rPr>
+              <a:t>Personal Website</a:t>
+            </a:r>
+            <a:endParaRPr lang="en-US" sz="2000" dirty="0">
+              <a:solidFill>
+                <a:srgbClr val="404040"/>
+              </a:solidFill>
+              <a:ea typeface="+mn-ea"/>
+              <a:cs typeface="+mn-cs"/>
+            </a:endParaRPr>
+          </a:p>
+          <a:p>
+            <a:pPr indent="-228600" defTabSz="914400" eaLnBrk="1" hangingPunct="1">
+              <a:lnSpc>
+                <a:spcPct val="90000"/>
+              </a:lnSpc>
+              <a:buFont typeface="Arial" panose="020B0604020202020204" pitchFamily="34" charset="0"/>
+              <a:buChar char="•"/>
+            </a:pPr>
+            <a:endParaRPr lang="en-US" sz="2000" dirty="0">
+              <a:solidFill>
+                <a:srgbClr val="404040"/>
+              </a:solidFill>
+              <a:ea typeface="+mn-ea"/>
+              <a:cs typeface="+mn-cs"/>
+            </a:endParaRPr>
+          </a:p>
+          <a:p>
+            <a:pPr indent="-228600" defTabSz="914400" eaLnBrk="1" hangingPunct="1">
+              <a:lnSpc>
+                <a:spcPct val="90000"/>
+              </a:lnSpc>
+              <a:buFont typeface="Arial" panose="020B0604020202020204" pitchFamily="34" charset="0"/>
+              <a:buChar char="•"/>
+            </a:pPr>
+            <a:r>
+              <a:rPr lang="en-US" sz="2000" dirty="0">
+                <a:solidFill>
+                  <a:srgbClr val="404040"/>
+                </a:solidFill>
+                <a:ea typeface="+mn-ea"/>
+                <a:cs typeface="+mn-cs"/>
+              </a:rPr>
+              <a:t>Research Info</a:t>
+            </a:r>
           </a:p>
         </p:txBody>
       </p:sp>
       <p:pic>
         <p:nvPicPr>
-          <p:cNvPr id="3" name="Picture 2"/>
+          <p:cNvPr id="8" name="Picture 7">
+            <a:extLst>
+              <a:ext uri="{FF2B5EF4-FFF2-40B4-BE49-F238E27FC236}">
+                <a16:creationId xmlns:a16="http://schemas.microsoft.com/office/drawing/2014/main" id="{521D4292-9ECC-4DA5-8CC0-C561A0DA118E}"/>
+              </a:ext>
+            </a:extLst>
+          </p:cNvPr>
           <p:cNvPicPr>
             <a:picLocks noChangeAspect="1"/>
           </p:cNvPicPr>
           <p:nvPr/>
         </p:nvPicPr>
-        <p:blipFill>
-          <a:blip r:embed="rId3"/>
-          <a:stretch>
-            <a:fillRect/>
-          </a:stretch>
+        <p:blipFill rotWithShape="1">
+          <a:blip r:embed="rId4"/>
+          <a:srcRect l="8000" r="9400"/>
+          <a:stretch/>
         </p:blipFill>
         <p:spPr>
           <a:xfrm>
-            <a:off x="5334000" y="1565835"/>
-            <a:ext cx="3505200" cy="5152381"/>
+            <a:off x="660103" y="3048000"/>
+            <a:ext cx="2167974" cy="2624666"/>
           </a:xfrm>
           <a:prstGeom prst="rect">
             <a:avLst/>
           </a:prstGeom>
+          <a:noFill/>
         </p:spPr>
       </p:pic>
     </p:spTree>
     <p:custDataLst>
       <p:tags r:id="rId1"/>
     </p:custDataLst>
+    <p:extLst>
+      <p:ext uri="{BB962C8B-B14F-4D97-AF65-F5344CB8AC3E}">
+        <p14:creationId xmlns:p14="http://schemas.microsoft.com/office/powerpoint/2010/main" val="2196915420"/>
+      </p:ext>
+    </p:extLst>
   </p:cSld>
   <p:clrMapOvr>
     <a:masterClrMapping/>
   </p:clrMapOvr>
-  <p:timing>
-    <p:tnLst>
-      <p:par>
-        <p:cTn id="1" dur="indefinite" restart="never" nodeType="tmRoot"/>
-      </p:par>
-    </p:tnLst>
-  </p:timing>
 </p:sld>
 </file>
 
 <file path=ppt/slides/slide3.xml><?xml version="1.0" encoding="utf-8"?>
 <p:sld xmlns:a="http://schemas.openxmlformats.org/drawingml/2006/main" xmlns:r="http://schemas.openxmlformats.org/officeDocument/2006/relationships" xmlns:p="http://schemas.openxmlformats.org/presentationml/2006/main">
   <p:cSld>
+    <p:bg>
+      <p:bgPr>
+        <a:solidFill>
+          <a:schemeClr val="bg1">
+            <a:lumMod val="85000"/>
+          </a:schemeClr>
+        </a:solidFill>
+        <a:effectLst/>
+      </p:bgPr>
+    </p:bg>
     <p:spTree>
       <p:nvGrpSpPr>
         <p:cNvPr id="1" name=""/>
@@ -8962,551 +9157,419 @@
       </p:grpSpPr>
       <p:sp>
         <p:nvSpPr>
-          <p:cNvPr id="5" name="Title 1"/>
-          <p:cNvSpPr>
-            <a:spLocks noGrp="1"/>
-          </p:cNvSpPr>
-          <p:nvPr>
-            <p:ph type="title"/>
+          <p:cNvPr id="15" name="Rectangle 12">
+            <a:extLst>
+              <a:ext uri="{FF2B5EF4-FFF2-40B4-BE49-F238E27FC236}">
+                <a16:creationId xmlns:a16="http://schemas.microsoft.com/office/drawing/2014/main" id="{867D4867-5BA7-4462-B2F6-A23F4A622AA7}"/>
+              </a:ext>
+              <a:ext uri="{C183D7F6-B498-43B3-948B-1728B52AA6E4}">
+                <adec:decorative xmlns:adec="http://schemas.microsoft.com/office/drawing/2017/decorative" val="1"/>
+              </a:ext>
+            </a:extLst>
+          </p:cNvPr>
+          <p:cNvSpPr>
+            <a:spLocks noGrp="1" noRot="1" noChangeAspect="1" noMove="1" noResize="1" noEditPoints="1" noAdjustHandles="1" noChangeArrowheads="1" noChangeShapeType="1" noTextEdit="1"/>
+          </p:cNvSpPr>
+          <p:nvPr>
+            <p:extLst>
+              <p:ext uri="{386F3935-93C4-4BCD-93E2-E3B085C9AB24}">
+                <p16:designElem xmlns:p16="http://schemas.microsoft.com/office/powerpoint/2015/main" val="1"/>
+              </p:ext>
+            </p:extLst>
           </p:nvPr>
         </p:nvSpPr>
         <p:spPr>
           <a:xfrm>
-            <a:off x="457200" y="274638"/>
-            <a:ext cx="8229600" cy="792162"/>
-          </a:xfrm>
-          <a:solidFill>
-            <a:schemeClr val="accent1">
-              <a:lumMod val="20000"/>
-              <a:lumOff val="80000"/>
-            </a:schemeClr>
-          </a:solidFill>
-        </p:spPr>
-        <p:txBody>
-          <a:bodyPr>
-            <a:normAutofit/>
-          </a:bodyPr>
-          <a:lstStyle/>
-          <a:p>
-            <a:r>
-              <a:rPr lang="en-US" sz="4000" dirty="0" smtClean="0"/>
-              <a:t>What is Data Science?</a:t>
-            </a:r>
-            <a:endParaRPr lang="en-US" sz="4000" dirty="0"/>
-          </a:p>
-        </p:txBody>
-      </p:sp>
-      <p:sp>
-        <p:nvSpPr>
-          <p:cNvPr id="4" name="Title 1"/>
-          <p:cNvSpPr txBox="1">
-            <a:spLocks/>
-          </p:cNvSpPr>
-          <p:nvPr/>
-        </p:nvSpPr>
-        <p:spPr bwMode="auto">
-          <a:xfrm>
-            <a:off x="533400" y="5638800"/>
-            <a:ext cx="8229600" cy="1009648"/>
+            <a:off x="0" y="0"/>
+            <a:ext cx="3490722" cy="6858000"/>
           </a:xfrm>
           <a:prstGeom prst="rect">
             <a:avLst/>
           </a:prstGeom>
           <a:solidFill>
-            <a:schemeClr val="accent1">
-              <a:lumMod val="20000"/>
-              <a:lumOff val="80000"/>
+            <a:schemeClr val="tx1">
+              <a:lumMod val="75000"/>
+              <a:lumOff val="25000"/>
             </a:schemeClr>
           </a:solidFill>
           <a:ln>
-            <a:headEnd/>
-            <a:tailEnd/>
+            <a:noFill/>
           </a:ln>
         </p:spPr>
         <p:style>
-          <a:lnRef idx="1">
-            <a:schemeClr val="accent1"/>
+          <a:lnRef idx="0">
+            <a:scrgbClr r="0" g="0" b="0"/>
           </a:lnRef>
-          <a:fillRef idx="2">
-            <a:schemeClr val="accent1"/>
+          <a:fillRef idx="0">
+            <a:scrgbClr r="0" g="0" b="0"/>
           </a:fillRef>
-          <a:effectRef idx="1">
-            <a:schemeClr val="accent1"/>
+          <a:effectRef idx="0">
+            <a:scrgbClr r="0" g="0" b="0"/>
           </a:effectRef>
           <a:fontRef idx="minor">
-            <a:schemeClr val="dk1"/>
+            <a:schemeClr val="lt1"/>
           </a:fontRef>
         </p:style>
         <p:txBody>
-          <a:bodyPr vert="horz" wrap="square" lIns="91440" tIns="45720" rIns="91440" bIns="45720" numCol="1" anchor="ctr" anchorCtr="0" compatLnSpc="1">
+          <a:bodyPr rtlCol="0" anchor="ctr"/>
+          <a:lstStyle/>
+          <a:p>
+            <a:pPr algn="ctr"/>
+            <a:endParaRPr lang="en-US"/>
+          </a:p>
+        </p:txBody>
+      </p:sp>
+      <p:sp>
+        <p:nvSpPr>
+          <p:cNvPr id="2" name="Title 1"/>
+          <p:cNvSpPr>
+            <a:spLocks noGrp="1"/>
+          </p:cNvSpPr>
+          <p:nvPr>
+            <p:ph type="title"/>
+          </p:nvPr>
+        </p:nvSpPr>
+        <p:spPr>
+          <a:xfrm>
+            <a:off x="482600" y="643467"/>
+            <a:ext cx="2522980" cy="1597315"/>
+          </a:xfrm>
+          <a:noFill/>
+          <a:ln w="19050">
+            <a:solidFill>
+              <a:schemeClr val="bg1"/>
+            </a:solidFill>
+          </a:ln>
+        </p:spPr>
+        <p:txBody>
+          <a:bodyPr vert="horz" wrap="square" lIns="91440" tIns="45720" rIns="91440" bIns="45720" rtlCol="0" anchor="ctr">
+            <a:normAutofit/>
+          </a:bodyPr>
+          <a:lstStyle/>
+          <a:p>
+            <a:pPr defTabSz="914400" eaLnBrk="1" hangingPunct="1">
+              <a:lnSpc>
+                <a:spcPct val="90000"/>
+              </a:lnSpc>
+            </a:pPr>
+            <a:r>
+              <a:rPr lang="en-US" sz="2400" kern="1200" dirty="0">
+                <a:solidFill>
+                  <a:schemeClr val="bg1"/>
+                </a:solidFill>
+                <a:latin typeface="+mj-lt"/>
+                <a:ea typeface="+mj-ea"/>
+                <a:cs typeface="+mj-cs"/>
+              </a:rPr>
+              <a:t>Who are you?</a:t>
+            </a:r>
+          </a:p>
+        </p:txBody>
+      </p:sp>
+      <p:sp>
+        <p:nvSpPr>
+          <p:cNvPr id="5" name="Content Placeholder 2"/>
+          <p:cNvSpPr txBox="1">
+            <a:spLocks/>
+          </p:cNvSpPr>
+          <p:nvPr/>
+        </p:nvSpPr>
+        <p:spPr bwMode="auto">
+          <a:xfrm>
+            <a:off x="3810000" y="2275853"/>
+            <a:ext cx="4851400" cy="2099733"/>
+          </a:xfrm>
+          <a:prstGeom prst="rect">
+            <a:avLst/>
+          </a:prstGeom>
+        </p:spPr>
+        <p:txBody>
+          <a:bodyPr vert="horz" lIns="91440" tIns="45720" rIns="91440" bIns="45720" numCol="1" rtlCol="0" anchorCtr="0" compatLnSpc="1">
             <a:prstTxWarp prst="textNoShape">
               <a:avLst/>
             </a:prstTxWarp>
-            <a:normAutofit/>
+            <a:noAutofit/>
           </a:bodyPr>
-          <a:lstStyle/>
-          <a:p>
-            <a:pPr algn="ctr" eaLnBrk="0" hangingPunct="0">
-              <a:defRPr/>
+          <a:lstStyle>
+            <a:lvl1pPr marL="342900" indent="-342900" algn="l" defTabSz="457200" rtl="0" eaLnBrk="0" fontAlgn="base" hangingPunct="0">
+              <a:spcBef>
+                <a:spcPct val="20000"/>
+              </a:spcBef>
+              <a:spcAft>
+                <a:spcPct val="0"/>
+              </a:spcAft>
+              <a:buFont typeface="Arial" charset="0"/>
+              <a:buChar char="•"/>
+              <a:defRPr sz="3200" kern="1200">
+                <a:solidFill>
+                  <a:schemeClr val="tx1"/>
+                </a:solidFill>
+                <a:latin typeface="+mn-lt"/>
+                <a:ea typeface="ＭＳ Ｐゴシック" pitchFamily="-109" charset="-128"/>
+                <a:cs typeface="ＭＳ Ｐゴシック" pitchFamily="-109" charset="-128"/>
+              </a:defRPr>
+            </a:lvl1pPr>
+            <a:lvl2pPr marL="742950" indent="-285750" algn="l" defTabSz="457200" rtl="0" eaLnBrk="0" fontAlgn="base" hangingPunct="0">
+              <a:spcBef>
+                <a:spcPct val="20000"/>
+              </a:spcBef>
+              <a:spcAft>
+                <a:spcPct val="0"/>
+              </a:spcAft>
+              <a:buFont typeface="Arial" charset="0"/>
+              <a:buChar char="–"/>
+              <a:defRPr sz="2800" kern="1200">
+                <a:solidFill>
+                  <a:schemeClr val="tx1"/>
+                </a:solidFill>
+                <a:latin typeface="+mn-lt"/>
+                <a:ea typeface="ＭＳ Ｐゴシック" pitchFamily="-109" charset="-128"/>
+                <a:cs typeface="+mn-cs"/>
+              </a:defRPr>
+            </a:lvl2pPr>
+            <a:lvl3pPr marL="1143000" indent="-228600" algn="l" defTabSz="457200" rtl="0" eaLnBrk="0" fontAlgn="base" hangingPunct="0">
+              <a:spcBef>
+                <a:spcPct val="20000"/>
+              </a:spcBef>
+              <a:spcAft>
+                <a:spcPct val="0"/>
+              </a:spcAft>
+              <a:buFont typeface="Arial" charset="0"/>
+              <a:buChar char="•"/>
+              <a:defRPr sz="2400" kern="1200">
+                <a:solidFill>
+                  <a:schemeClr val="tx1"/>
+                </a:solidFill>
+                <a:latin typeface="+mn-lt"/>
+                <a:ea typeface="ＭＳ Ｐゴシック" pitchFamily="-109" charset="-128"/>
+                <a:cs typeface="+mn-cs"/>
+              </a:defRPr>
+            </a:lvl3pPr>
+            <a:lvl4pPr marL="1600200" indent="-228600" algn="l" defTabSz="457200" rtl="0" eaLnBrk="0" fontAlgn="base" hangingPunct="0">
+              <a:spcBef>
+                <a:spcPct val="20000"/>
+              </a:spcBef>
+              <a:spcAft>
+                <a:spcPct val="0"/>
+              </a:spcAft>
+              <a:buFont typeface="Arial" charset="0"/>
+              <a:buChar char="–"/>
+              <a:defRPr sz="2000" kern="1200">
+                <a:solidFill>
+                  <a:schemeClr val="tx1"/>
+                </a:solidFill>
+                <a:latin typeface="+mn-lt"/>
+                <a:ea typeface="ＭＳ Ｐゴシック" pitchFamily="-109" charset="-128"/>
+                <a:cs typeface="+mn-cs"/>
+              </a:defRPr>
+            </a:lvl4pPr>
+            <a:lvl5pPr marL="2057400" indent="-228600" algn="l" defTabSz="457200" rtl="0" eaLnBrk="0" fontAlgn="base" hangingPunct="0">
+              <a:spcBef>
+                <a:spcPct val="20000"/>
+              </a:spcBef>
+              <a:spcAft>
+                <a:spcPct val="0"/>
+              </a:spcAft>
+              <a:buFont typeface="Arial" charset="0"/>
+              <a:buChar char="»"/>
+              <a:defRPr sz="2000" kern="1200">
+                <a:solidFill>
+                  <a:schemeClr val="tx1"/>
+                </a:solidFill>
+                <a:latin typeface="+mn-lt"/>
+                <a:ea typeface="ＭＳ Ｐゴシック" pitchFamily="-109" charset="-128"/>
+                <a:cs typeface="+mn-cs"/>
+              </a:defRPr>
+            </a:lvl5pPr>
+            <a:lvl6pPr marL="2514600" indent="-228600" algn="l" defTabSz="457200" rtl="0" eaLnBrk="1" latinLnBrk="0" hangingPunct="1">
+              <a:spcBef>
+                <a:spcPct val="20000"/>
+              </a:spcBef>
+              <a:buFont typeface="Arial"/>
+              <a:buChar char="•"/>
+              <a:defRPr sz="2000" kern="1200">
+                <a:solidFill>
+                  <a:schemeClr val="tx1"/>
+                </a:solidFill>
+                <a:latin typeface="+mn-lt"/>
+                <a:ea typeface="+mn-ea"/>
+                <a:cs typeface="+mn-cs"/>
+              </a:defRPr>
+            </a:lvl6pPr>
+            <a:lvl7pPr marL="2971800" indent="-228600" algn="l" defTabSz="457200" rtl="0" eaLnBrk="1" latinLnBrk="0" hangingPunct="1">
+              <a:spcBef>
+                <a:spcPct val="20000"/>
+              </a:spcBef>
+              <a:buFont typeface="Arial"/>
+              <a:buChar char="•"/>
+              <a:defRPr sz="2000" kern="1200">
+                <a:solidFill>
+                  <a:schemeClr val="tx1"/>
+                </a:solidFill>
+                <a:latin typeface="+mn-lt"/>
+                <a:ea typeface="+mn-ea"/>
+                <a:cs typeface="+mn-cs"/>
+              </a:defRPr>
+            </a:lvl7pPr>
+            <a:lvl8pPr marL="3429000" indent="-228600" algn="l" defTabSz="457200" rtl="0" eaLnBrk="1" latinLnBrk="0" hangingPunct="1">
+              <a:spcBef>
+                <a:spcPct val="20000"/>
+              </a:spcBef>
+              <a:buFont typeface="Arial"/>
+              <a:buChar char="•"/>
+              <a:defRPr sz="2000" kern="1200">
+                <a:solidFill>
+                  <a:schemeClr val="tx1"/>
+                </a:solidFill>
+                <a:latin typeface="+mn-lt"/>
+                <a:ea typeface="+mn-ea"/>
+                <a:cs typeface="+mn-cs"/>
+              </a:defRPr>
+            </a:lvl8pPr>
+            <a:lvl9pPr marL="3886200" indent="-228600" algn="l" defTabSz="457200" rtl="0" eaLnBrk="1" latinLnBrk="0" hangingPunct="1">
+              <a:spcBef>
+                <a:spcPct val="20000"/>
+              </a:spcBef>
+              <a:buFont typeface="Arial"/>
+              <a:buChar char="•"/>
+              <a:defRPr sz="2000" kern="1200">
+                <a:solidFill>
+                  <a:schemeClr val="tx1"/>
+                </a:solidFill>
+                <a:latin typeface="+mn-lt"/>
+                <a:ea typeface="+mn-ea"/>
+                <a:cs typeface="+mn-cs"/>
+              </a:defRPr>
+            </a:lvl9pPr>
+          </a:lstStyle>
+          <a:p>
+            <a:pPr marL="114300" indent="0" algn="ctr" defTabSz="914400" eaLnBrk="1" hangingPunct="1">
+              <a:lnSpc>
+                <a:spcPct val="90000"/>
+              </a:lnSpc>
+              <a:buNone/>
             </a:pPr>
             <a:r>
-              <a:rPr lang="en-US" dirty="0" smtClean="0">
-                <a:solidFill>
-                  <a:schemeClr val="tx1"/>
-                </a:solidFill>
-                <a:ea typeface="ＭＳ Ｐゴシック" charset="-128"/>
-                <a:cs typeface="ＭＳ Ｐゴシック" charset="-128"/>
+              <a:rPr lang="en-US" sz="6000" b="1" dirty="0">
+                <a:solidFill>
+                  <a:srgbClr val="404040"/>
+                </a:solidFill>
+                <a:ea typeface="+mn-ea"/>
+                <a:cs typeface="+mn-cs"/>
               </a:rPr>
-              <a:t>You will notice the author cannot spell some words.</a:t>
-            </a:r>
-          </a:p>
-          <a:p>
-            <a:pPr algn="ctr" eaLnBrk="0" hangingPunct="0">
-              <a:defRPr/>
+              <a:t>I Don’t Know</a:t>
+            </a:r>
+          </a:p>
+          <a:p>
+            <a:pPr marL="114300" indent="0" algn="ctr" defTabSz="914400" eaLnBrk="1" hangingPunct="1">
+              <a:lnSpc>
+                <a:spcPct val="90000"/>
+              </a:lnSpc>
+              <a:buNone/>
             </a:pPr>
             <a:r>
-              <a:rPr lang="en-US" sz="2400" dirty="0" smtClean="0">
-                <a:solidFill>
-                  <a:schemeClr val="tx1"/>
-                </a:solidFill>
-                <a:ea typeface="ＭＳ Ｐゴシック" charset="-128"/>
-                <a:cs typeface="ＭＳ Ｐゴシック" charset="-128"/>
+              <a:rPr lang="en-US" sz="6000" b="1" dirty="0">
+                <a:solidFill>
+                  <a:srgbClr val="404040"/>
+                </a:solidFill>
+                <a:ea typeface="+mn-ea"/>
+                <a:cs typeface="+mn-cs"/>
               </a:rPr>
-              <a:t>We will adjust.</a:t>
-            </a:r>
+              <a:t>Roll Call</a:t>
+            </a:r>
+          </a:p>
+          <a:p>
+            <a:pPr indent="-228600" defTabSz="914400" eaLnBrk="1" hangingPunct="1">
+              <a:lnSpc>
+                <a:spcPct val="90000"/>
+              </a:lnSpc>
+              <a:buFont typeface="Arial" panose="020B0604020202020204" pitchFamily="34" charset="0"/>
+              <a:buChar char="•"/>
+            </a:pPr>
+            <a:endParaRPr lang="en-US" sz="1600" dirty="0">
+              <a:solidFill>
+                <a:srgbClr val="404040"/>
+              </a:solidFill>
+              <a:ea typeface="+mn-ea"/>
+              <a:cs typeface="+mn-cs"/>
+            </a:endParaRPr>
+          </a:p>
+          <a:p>
+            <a:pPr marL="114300" indent="0" defTabSz="914400" eaLnBrk="1" hangingPunct="1">
+              <a:lnSpc>
+                <a:spcPct val="90000"/>
+              </a:lnSpc>
+              <a:buNone/>
+            </a:pPr>
+            <a:endParaRPr lang="en-US" sz="2000" dirty="0">
+              <a:solidFill>
+                <a:srgbClr val="404040"/>
+              </a:solidFill>
+              <a:ea typeface="+mn-ea"/>
+              <a:cs typeface="+mn-cs"/>
+            </a:endParaRPr>
           </a:p>
         </p:txBody>
       </p:sp>
       <p:pic>
         <p:nvPicPr>
-          <p:cNvPr id="2" name="Picture 1"/>
+          <p:cNvPr id="8" name="Picture 7">
+            <a:extLst>
+              <a:ext uri="{FF2B5EF4-FFF2-40B4-BE49-F238E27FC236}">
+                <a16:creationId xmlns:a16="http://schemas.microsoft.com/office/drawing/2014/main" id="{521D4292-9ECC-4DA5-8CC0-C561A0DA118E}"/>
+              </a:ext>
+            </a:extLst>
+          </p:cNvPr>
           <p:cNvPicPr>
             <a:picLocks noChangeAspect="1"/>
           </p:cNvPicPr>
           <p:nvPr/>
         </p:nvPicPr>
-        <p:blipFill>
-          <a:blip r:embed="rId4"/>
-          <a:stretch>
-            <a:fillRect/>
-          </a:stretch>
+        <p:blipFill rotWithShape="1">
+          <a:blip r:embed="rId3"/>
+          <a:srcRect l="8000" r="9400"/>
+          <a:stretch/>
         </p:blipFill>
         <p:spPr>
           <a:xfrm>
-            <a:off x="596900" y="2514600"/>
-            <a:ext cx="7950200" cy="2933700"/>
-          </a:xfrm>
-          <a:prstGeom prst="rect">
-            <a:avLst/>
-          </a:prstGeom>
-        </p:spPr>
-      </p:pic>
-      <p:sp>
-        <p:nvSpPr>
-          <p:cNvPr id="3" name="TextBox 2"/>
-          <p:cNvSpPr txBox="1"/>
-          <p:nvPr/>
-        </p:nvSpPr>
-        <p:spPr>
-          <a:xfrm>
-            <a:off x="4724400" y="1371600"/>
-            <a:ext cx="3429000" cy="461665"/>
+            <a:off x="660103" y="3048000"/>
+            <a:ext cx="2167974" cy="2624666"/>
           </a:xfrm>
           <a:prstGeom prst="rect">
             <a:avLst/>
           </a:prstGeom>
           <a:noFill/>
         </p:spPr>
-        <p:txBody>
-          <a:bodyPr wrap="square" rtlCol="0">
-            <a:spAutoFit/>
-          </a:bodyPr>
-          <a:lstStyle/>
-          <a:p>
-            <a:r>
-              <a:rPr lang="en-US" dirty="0" smtClean="0"/>
-              <a:t>We will start here.</a:t>
-            </a:r>
-            <a:endParaRPr lang="en-US" dirty="0"/>
-          </a:p>
-        </p:txBody>
-      </p:sp>
-      <p:cxnSp>
-        <p:nvCxnSpPr>
-          <p:cNvPr id="7" name="Curved Connector 6"/>
-          <p:cNvCxnSpPr/>
-          <p:nvPr/>
-        </p:nvCxnSpPr>
-        <p:spPr>
-          <a:xfrm rot="5400000">
-            <a:off x="5031433" y="2283771"/>
-            <a:ext cx="909937" cy="457199"/>
-          </a:xfrm>
-          <a:prstGeom prst="curvedConnector3">
-            <a:avLst/>
-          </a:prstGeom>
-          <a:ln w="50800">
-            <a:tailEnd type="triangle"/>
-          </a:ln>
-        </p:spPr>
-        <p:style>
-          <a:lnRef idx="2">
-            <a:schemeClr val="accent1"/>
-          </a:lnRef>
-          <a:fillRef idx="0">
-            <a:schemeClr val="accent1"/>
-          </a:fillRef>
-          <a:effectRef idx="1">
-            <a:schemeClr val="accent1"/>
-          </a:effectRef>
-          <a:fontRef idx="minor">
-            <a:schemeClr val="tx1"/>
-          </a:fontRef>
-        </p:style>
-      </p:cxnSp>
-      <p:sp>
-        <p:nvSpPr>
-          <p:cNvPr id="18" name="Oval 17"/>
-          <p:cNvSpPr/>
-          <p:nvPr/>
-        </p:nvSpPr>
-        <p:spPr>
-          <a:xfrm>
-            <a:off x="4495800" y="1219200"/>
-            <a:ext cx="2895600" cy="838200"/>
-          </a:xfrm>
-          <a:prstGeom prst="ellipse">
-            <a:avLst/>
-          </a:prstGeom>
-          <a:noFill/>
-        </p:spPr>
-        <p:style>
-          <a:lnRef idx="1">
-            <a:schemeClr val="accent1"/>
-          </a:lnRef>
-          <a:fillRef idx="3">
-            <a:schemeClr val="accent1"/>
-          </a:fillRef>
-          <a:effectRef idx="2">
-            <a:schemeClr val="accent1"/>
-          </a:effectRef>
-          <a:fontRef idx="minor">
-            <a:schemeClr val="lt1"/>
-          </a:fontRef>
-        </p:style>
-        <p:txBody>
-          <a:bodyPr rtlCol="0" anchor="ctr"/>
-          <a:lstStyle/>
-          <a:p>
-            <a:pPr algn="ctr"/>
-            <a:endParaRPr lang="en-US"/>
-          </a:p>
-        </p:txBody>
-      </p:sp>
-      <p:sp>
-        <p:nvSpPr>
-          <p:cNvPr id="20" name="TextBox 19"/>
-          <p:cNvSpPr txBox="1"/>
-          <p:nvPr/>
-        </p:nvSpPr>
-        <p:spPr>
-          <a:xfrm>
-            <a:off x="4262284" y="1283110"/>
-            <a:ext cx="184731" cy="461665"/>
-          </a:xfrm>
-          <a:prstGeom prst="rect">
-            <a:avLst/>
-          </a:prstGeom>
-          <a:noFill/>
-        </p:spPr>
-        <p:txBody>
-          <a:bodyPr wrap="none" rtlCol="0">
-            <a:spAutoFit/>
-          </a:bodyPr>
-          <a:lstStyle/>
-          <a:p>
-            <a:endParaRPr lang="en-US" dirty="0"/>
-          </a:p>
-        </p:txBody>
-      </p:sp>
+      </p:pic>
     </p:spTree>
     <p:custDataLst>
       <p:tags r:id="rId1"/>
     </p:custDataLst>
+    <p:extLst>
+      <p:ext uri="{BB962C8B-B14F-4D97-AF65-F5344CB8AC3E}">
+        <p14:creationId xmlns:p14="http://schemas.microsoft.com/office/powerpoint/2010/main" val="641320167"/>
+      </p:ext>
+    </p:extLst>
   </p:cSld>
   <p:clrMapOvr>
     <a:masterClrMapping/>
   </p:clrMapOvr>
-  <p:timing>
-    <p:tnLst>
-      <p:par>
-        <p:cTn id="1" dur="indefinite" restart="never" nodeType="tmRoot">
-          <p:childTnLst>
-            <p:seq concurrent="1" nextAc="seek">
-              <p:cTn id="2" dur="indefinite" nodeType="mainSeq">
-                <p:childTnLst>
-                  <p:par>
-                    <p:cTn id="3" fill="hold">
-                      <p:stCondLst>
-                        <p:cond delay="indefinite"/>
-                      </p:stCondLst>
-                      <p:childTnLst>
-                        <p:par>
-                          <p:cTn id="4" fill="hold">
-                            <p:stCondLst>
-                              <p:cond delay="0"/>
-                            </p:stCondLst>
-                            <p:childTnLst>
-                              <p:par>
-                                <p:cTn id="5" presetID="10" presetClass="entr" presetSubtype="0" fill="hold" nodeType="clickEffect">
-                                  <p:stCondLst>
-                                    <p:cond delay="0"/>
-                                  </p:stCondLst>
-                                  <p:childTnLst>
-                                    <p:set>
-                                      <p:cBhvr>
-                                        <p:cTn id="6" dur="1" fill="hold">
-                                          <p:stCondLst>
-                                            <p:cond delay="0"/>
-                                          </p:stCondLst>
-                                        </p:cTn>
-                                        <p:tgtEl>
-                                          <p:spTgt spid="2"/>
-                                        </p:tgtEl>
-                                        <p:attrNameLst>
-                                          <p:attrName>style.visibility</p:attrName>
-                                        </p:attrNameLst>
-                                      </p:cBhvr>
-                                      <p:to>
-                                        <p:strVal val="visible"/>
-                                      </p:to>
-                                    </p:set>
-                                    <p:animEffect transition="in" filter="fade">
-                                      <p:cBhvr>
-                                        <p:cTn id="7" dur="500"/>
-                                        <p:tgtEl>
-                                          <p:spTgt spid="2"/>
-                                        </p:tgtEl>
-                                      </p:cBhvr>
-                                    </p:animEffect>
-                                  </p:childTnLst>
-                                </p:cTn>
-                              </p:par>
-                            </p:childTnLst>
-                          </p:cTn>
-                        </p:par>
-                      </p:childTnLst>
-                    </p:cTn>
-                  </p:par>
-                  <p:par>
-                    <p:cTn id="8" fill="hold">
-                      <p:stCondLst>
-                        <p:cond delay="indefinite"/>
-                      </p:stCondLst>
-                      <p:childTnLst>
-                        <p:par>
-                          <p:cTn id="9" fill="hold">
-                            <p:stCondLst>
-                              <p:cond delay="0"/>
-                            </p:stCondLst>
-                            <p:childTnLst>
-                              <p:par>
-                                <p:cTn id="10" presetID="10" presetClass="entr" presetSubtype="0" fill="hold" grpId="0" nodeType="clickEffect">
-                                  <p:stCondLst>
-                                    <p:cond delay="0"/>
-                                  </p:stCondLst>
-                                  <p:childTnLst>
-                                    <p:set>
-                                      <p:cBhvr>
-                                        <p:cTn id="11" dur="1" fill="hold">
-                                          <p:stCondLst>
-                                            <p:cond delay="0"/>
-                                          </p:stCondLst>
-                                        </p:cTn>
-                                        <p:tgtEl>
-                                          <p:spTgt spid="3"/>
-                                        </p:tgtEl>
-                                        <p:attrNameLst>
-                                          <p:attrName>style.visibility</p:attrName>
-                                        </p:attrNameLst>
-                                      </p:cBhvr>
-                                      <p:to>
-                                        <p:strVal val="visible"/>
-                                      </p:to>
-                                    </p:set>
-                                    <p:animEffect transition="in" filter="fade">
-                                      <p:cBhvr>
-                                        <p:cTn id="12" dur="500"/>
-                                        <p:tgtEl>
-                                          <p:spTgt spid="3"/>
-                                        </p:tgtEl>
-                                      </p:cBhvr>
-                                    </p:animEffect>
-                                  </p:childTnLst>
-                                </p:cTn>
-                              </p:par>
-                              <p:par>
-                                <p:cTn id="13" presetID="10" presetClass="entr" presetSubtype="0" fill="hold" grpId="0" nodeType="withEffect">
-                                  <p:stCondLst>
-                                    <p:cond delay="0"/>
-                                  </p:stCondLst>
-                                  <p:childTnLst>
-                                    <p:set>
-                                      <p:cBhvr>
-                                        <p:cTn id="14" dur="1" fill="hold">
-                                          <p:stCondLst>
-                                            <p:cond delay="0"/>
-                                          </p:stCondLst>
-                                        </p:cTn>
-                                        <p:tgtEl>
-                                          <p:spTgt spid="18"/>
-                                        </p:tgtEl>
-                                        <p:attrNameLst>
-                                          <p:attrName>style.visibility</p:attrName>
-                                        </p:attrNameLst>
-                                      </p:cBhvr>
-                                      <p:to>
-                                        <p:strVal val="visible"/>
-                                      </p:to>
-                                    </p:set>
-                                    <p:animEffect transition="in" filter="fade">
-                                      <p:cBhvr>
-                                        <p:cTn id="15" dur="500"/>
-                                        <p:tgtEl>
-                                          <p:spTgt spid="18"/>
-                                        </p:tgtEl>
-                                      </p:cBhvr>
-                                    </p:animEffect>
-                                  </p:childTnLst>
-                                </p:cTn>
-                              </p:par>
-                              <p:par>
-                                <p:cTn id="16" presetID="10" presetClass="entr" presetSubtype="0" fill="hold" nodeType="withEffect">
-                                  <p:stCondLst>
-                                    <p:cond delay="0"/>
-                                  </p:stCondLst>
-                                  <p:childTnLst>
-                                    <p:set>
-                                      <p:cBhvr>
-                                        <p:cTn id="17" dur="1" fill="hold">
-                                          <p:stCondLst>
-                                            <p:cond delay="0"/>
-                                          </p:stCondLst>
-                                        </p:cTn>
-                                        <p:tgtEl>
-                                          <p:spTgt spid="7"/>
-                                        </p:tgtEl>
-                                        <p:attrNameLst>
-                                          <p:attrName>style.visibility</p:attrName>
-                                        </p:attrNameLst>
-                                      </p:cBhvr>
-                                      <p:to>
-                                        <p:strVal val="visible"/>
-                                      </p:to>
-                                    </p:set>
-                                    <p:animEffect transition="in" filter="fade">
-                                      <p:cBhvr>
-                                        <p:cTn id="18" dur="500"/>
-                                        <p:tgtEl>
-                                          <p:spTgt spid="7"/>
-                                        </p:tgtEl>
-                                      </p:cBhvr>
-                                    </p:animEffect>
-                                  </p:childTnLst>
-                                </p:cTn>
-                              </p:par>
-                            </p:childTnLst>
-                          </p:cTn>
-                        </p:par>
-                      </p:childTnLst>
-                    </p:cTn>
-                  </p:par>
-                  <p:par>
-                    <p:cTn id="19" fill="hold">
-                      <p:stCondLst>
-                        <p:cond delay="indefinite"/>
-                      </p:stCondLst>
-                      <p:childTnLst>
-                        <p:par>
-                          <p:cTn id="20" fill="hold">
-                            <p:stCondLst>
-                              <p:cond delay="0"/>
-                            </p:stCondLst>
-                            <p:childTnLst>
-                              <p:par>
-                                <p:cTn id="21" presetID="10" presetClass="entr" presetSubtype="0" fill="hold" grpId="0" nodeType="clickEffect">
-                                  <p:stCondLst>
-                                    <p:cond delay="0"/>
-                                  </p:stCondLst>
-                                  <p:childTnLst>
-                                    <p:set>
-                                      <p:cBhvr>
-                                        <p:cTn id="22" dur="1" fill="hold">
-                                          <p:stCondLst>
-                                            <p:cond delay="0"/>
-                                          </p:stCondLst>
-                                        </p:cTn>
-                                        <p:tgtEl>
-                                          <p:spTgt spid="4"/>
-                                        </p:tgtEl>
-                                        <p:attrNameLst>
-                                          <p:attrName>style.visibility</p:attrName>
-                                        </p:attrNameLst>
-                                      </p:cBhvr>
-                                      <p:to>
-                                        <p:strVal val="visible"/>
-                                      </p:to>
-                                    </p:set>
-                                    <p:animEffect transition="in" filter="fade">
-                                      <p:cBhvr>
-                                        <p:cTn id="23" dur="500"/>
-                                        <p:tgtEl>
-                                          <p:spTgt spid="4"/>
-                                        </p:tgtEl>
-                                      </p:cBhvr>
-                                    </p:animEffect>
-                                  </p:childTnLst>
-                                </p:cTn>
-                              </p:par>
-                            </p:childTnLst>
-                          </p:cTn>
-                        </p:par>
-                      </p:childTnLst>
-                    </p:cTn>
-                  </p:par>
-                </p:childTnLst>
-              </p:cTn>
-              <p:prevCondLst>
-                <p:cond evt="onPrev" delay="0">
-                  <p:tgtEl>
-                    <p:sldTgt/>
-                  </p:tgtEl>
-                </p:cond>
-              </p:prevCondLst>
-              <p:nextCondLst>
-                <p:cond evt="onNext" delay="0">
-                  <p:tgtEl>
-                    <p:sldTgt/>
-                  </p:tgtEl>
-                </p:cond>
-              </p:nextCondLst>
-            </p:seq>
-          </p:childTnLst>
-        </p:cTn>
-      </p:par>
-    </p:tnLst>
-    <p:bldLst>
-      <p:bldP spid="4" grpId="0" animBg="1"/>
-      <p:bldP spid="3" grpId="0"/>
-      <p:bldP spid="18" grpId="0" animBg="1"/>
-    </p:bldLst>
-  </p:timing>
 </p:sld>
 </file>
 
 <file path=ppt/slides/slide4.xml><?xml version="1.0" encoding="utf-8"?>
 <p:sld xmlns:a="http://schemas.openxmlformats.org/drawingml/2006/main" xmlns:r="http://schemas.openxmlformats.org/officeDocument/2006/relationships" xmlns:p="http://schemas.openxmlformats.org/presentationml/2006/main">
   <p:cSld>
+    <p:bg>
+      <p:bgPr>
+        <a:solidFill>
+          <a:schemeClr val="bg1">
+            <a:lumMod val="85000"/>
+          </a:schemeClr>
+        </a:solidFill>
+        <a:effectLst/>
+      </p:bgPr>
+    </p:bg>
     <p:spTree>
       <p:nvGrpSpPr>
         <p:cNvPr id="1" name=""/>
@@ -9523,142 +9586,381 @@
       </p:grpSpPr>
       <p:sp>
         <p:nvSpPr>
-          <p:cNvPr id="5" name="Title 1"/>
-          <p:cNvSpPr>
-            <a:spLocks noGrp="1"/>
-          </p:cNvSpPr>
-          <p:nvPr>
-            <p:ph type="title"/>
+          <p:cNvPr id="15" name="Rectangle 12">
+            <a:extLst>
+              <a:ext uri="{FF2B5EF4-FFF2-40B4-BE49-F238E27FC236}">
+                <a16:creationId xmlns:a16="http://schemas.microsoft.com/office/drawing/2014/main" id="{867D4867-5BA7-4462-B2F6-A23F4A622AA7}"/>
+              </a:ext>
+              <a:ext uri="{C183D7F6-B498-43B3-948B-1728B52AA6E4}">
+                <adec:decorative xmlns:adec="http://schemas.microsoft.com/office/drawing/2017/decorative" val="1"/>
+              </a:ext>
+            </a:extLst>
+          </p:cNvPr>
+          <p:cNvSpPr>
+            <a:spLocks noGrp="1" noRot="1" noChangeAspect="1" noMove="1" noResize="1" noEditPoints="1" noAdjustHandles="1" noChangeArrowheads="1" noChangeShapeType="1" noTextEdit="1"/>
+          </p:cNvSpPr>
+          <p:nvPr>
+            <p:extLst>
+              <p:ext uri="{386F3935-93C4-4BCD-93E2-E3B085C9AB24}">
+                <p16:designElem xmlns:p16="http://schemas.microsoft.com/office/powerpoint/2015/main" val="1"/>
+              </p:ext>
+            </p:extLst>
           </p:nvPr>
         </p:nvSpPr>
         <p:spPr>
           <a:xfrm>
-            <a:off x="457200" y="274638"/>
-            <a:ext cx="8229600" cy="792162"/>
-          </a:xfrm>
-          <a:solidFill>
-            <a:schemeClr val="accent1">
-              <a:lumMod val="20000"/>
-              <a:lumOff val="80000"/>
-            </a:schemeClr>
-          </a:solidFill>
-        </p:spPr>
-        <p:txBody>
-          <a:bodyPr>
-            <a:normAutofit/>
-          </a:bodyPr>
-          <a:lstStyle/>
-          <a:p>
-            <a:r>
-              <a:rPr lang="en-US" sz="4000" dirty="0" smtClean="0"/>
-              <a:t>6 components of the course</a:t>
-            </a:r>
-            <a:endParaRPr lang="en-US" sz="4000" dirty="0"/>
-          </a:p>
-        </p:txBody>
-      </p:sp>
-      <p:sp>
-        <p:nvSpPr>
-          <p:cNvPr id="4" name="Title 1"/>
-          <p:cNvSpPr txBox="1">
-            <a:spLocks/>
-          </p:cNvSpPr>
-          <p:nvPr/>
-        </p:nvSpPr>
-        <p:spPr bwMode="auto">
-          <a:xfrm>
-            <a:off x="533400" y="4305300"/>
-            <a:ext cx="8229600" cy="2343148"/>
+            <a:off x="0" y="0"/>
+            <a:ext cx="3490722" cy="6858000"/>
           </a:xfrm>
           <a:prstGeom prst="rect">
             <a:avLst/>
           </a:prstGeom>
           <a:solidFill>
-            <a:schemeClr val="accent1">
-              <a:lumMod val="20000"/>
-              <a:lumOff val="80000"/>
+            <a:schemeClr val="tx1">
+              <a:lumMod val="75000"/>
+              <a:lumOff val="25000"/>
             </a:schemeClr>
           </a:solidFill>
           <a:ln>
-            <a:headEnd/>
-            <a:tailEnd/>
+            <a:noFill/>
           </a:ln>
         </p:spPr>
         <p:style>
-          <a:lnRef idx="1">
-            <a:schemeClr val="accent1"/>
+          <a:lnRef idx="0">
+            <a:scrgbClr r="0" g="0" b="0"/>
           </a:lnRef>
-          <a:fillRef idx="2">
-            <a:schemeClr val="accent1"/>
+          <a:fillRef idx="0">
+            <a:scrgbClr r="0" g="0" b="0"/>
           </a:fillRef>
-          <a:effectRef idx="1">
-            <a:schemeClr val="accent1"/>
+          <a:effectRef idx="0">
+            <a:scrgbClr r="0" g="0" b="0"/>
           </a:effectRef>
           <a:fontRef idx="minor">
-            <a:schemeClr val="dk1"/>
+            <a:schemeClr val="lt1"/>
           </a:fontRef>
         </p:style>
         <p:txBody>
-          <a:bodyPr vert="horz" wrap="square" lIns="91440" tIns="45720" rIns="91440" bIns="45720" numCol="1" anchor="ctr" anchorCtr="0" compatLnSpc="1">
+          <a:bodyPr rtlCol="0" anchor="ctr"/>
+          <a:lstStyle/>
+          <a:p>
+            <a:pPr algn="ctr"/>
+            <a:endParaRPr lang="en-US"/>
+          </a:p>
+        </p:txBody>
+      </p:sp>
+      <p:sp>
+        <p:nvSpPr>
+          <p:cNvPr id="2" name="Title 1"/>
+          <p:cNvSpPr>
+            <a:spLocks noGrp="1"/>
+          </p:cNvSpPr>
+          <p:nvPr>
+            <p:ph type="title"/>
+          </p:nvPr>
+        </p:nvSpPr>
+        <p:spPr>
+          <a:xfrm>
+            <a:off x="482600" y="643467"/>
+            <a:ext cx="2522980" cy="1597315"/>
+          </a:xfrm>
+          <a:noFill/>
+          <a:ln w="19050">
+            <a:solidFill>
+              <a:schemeClr val="bg1"/>
+            </a:solidFill>
+          </a:ln>
+        </p:spPr>
+        <p:txBody>
+          <a:bodyPr vert="horz" wrap="square" lIns="91440" tIns="45720" rIns="91440" bIns="45720" rtlCol="0" anchor="ctr">
+            <a:normAutofit/>
+          </a:bodyPr>
+          <a:lstStyle/>
+          <a:p>
+            <a:pPr defTabSz="914400" eaLnBrk="1" hangingPunct="1">
+              <a:lnSpc>
+                <a:spcPct val="90000"/>
+              </a:lnSpc>
+            </a:pPr>
+            <a:r>
+              <a:rPr lang="en-US" sz="2400" kern="1200" dirty="0">
+                <a:solidFill>
+                  <a:schemeClr val="bg1"/>
+                </a:solidFill>
+                <a:latin typeface="+mj-lt"/>
+                <a:ea typeface="+mj-ea"/>
+                <a:cs typeface="+mj-cs"/>
+              </a:rPr>
+              <a:t>Why are We Here?</a:t>
+            </a:r>
+          </a:p>
+        </p:txBody>
+      </p:sp>
+      <p:sp>
+        <p:nvSpPr>
+          <p:cNvPr id="5" name="Content Placeholder 2"/>
+          <p:cNvSpPr txBox="1">
+            <a:spLocks/>
+          </p:cNvSpPr>
+          <p:nvPr/>
+        </p:nvSpPr>
+        <p:spPr bwMode="auto">
+          <a:xfrm>
+            <a:off x="3601720" y="4368928"/>
+            <a:ext cx="5129365" cy="924547"/>
+          </a:xfrm>
+          <a:prstGeom prst="rect">
+            <a:avLst/>
+          </a:prstGeom>
+        </p:spPr>
+        <p:txBody>
+          <a:bodyPr vert="horz" lIns="91440" tIns="45720" rIns="91440" bIns="45720" numCol="1" rtlCol="0" anchorCtr="0" compatLnSpc="1">
             <a:prstTxWarp prst="textNoShape">
               <a:avLst/>
             </a:prstTxWarp>
-            <a:normAutofit/>
+            <a:noAutofit/>
           </a:bodyPr>
-          <a:lstStyle/>
-          <a:p>
-            <a:pPr marL="342900" indent="-342900" eaLnBrk="0" hangingPunct="0">
+          <a:lstStyle>
+            <a:lvl1pPr marL="342900" indent="-342900" algn="l" defTabSz="457200" rtl="0" eaLnBrk="0" fontAlgn="base" hangingPunct="0">
+              <a:spcBef>
+                <a:spcPct val="20000"/>
+              </a:spcBef>
+              <a:spcAft>
+                <a:spcPct val="0"/>
+              </a:spcAft>
               <a:buFont typeface="Arial" charset="0"/>
               <a:buChar char="•"/>
-              <a:defRPr/>
-            </a:pPr>
-            <a:r>
-              <a:rPr lang="en-US" sz="2400" dirty="0" smtClean="0">
+              <a:defRPr sz="3200" kern="1200">
                 <a:solidFill>
                   <a:schemeClr val="tx1"/>
                 </a:solidFill>
-                <a:ea typeface="ＭＳ Ｐゴシック" charset="-128"/>
-                <a:cs typeface="ＭＳ Ｐゴシック" charset="-128"/>
-              </a:rPr>
-              <a:t>I will briefly discuss each now, but more precise definitions are in the textbook preface. (See Assigned Reading)</a:t>
-            </a:r>
-          </a:p>
-          <a:p>
-            <a:pPr marL="342900" indent="-342900" eaLnBrk="0" hangingPunct="0">
+                <a:latin typeface="+mn-lt"/>
+                <a:ea typeface="ＭＳ Ｐゴシック" pitchFamily="-109" charset="-128"/>
+                <a:cs typeface="ＭＳ Ｐゴシック" pitchFamily="-109" charset="-128"/>
+              </a:defRPr>
+            </a:lvl1pPr>
+            <a:lvl2pPr marL="742950" indent="-285750" algn="l" defTabSz="457200" rtl="0" eaLnBrk="0" fontAlgn="base" hangingPunct="0">
+              <a:spcBef>
+                <a:spcPct val="20000"/>
+              </a:spcBef>
+              <a:spcAft>
+                <a:spcPct val="0"/>
+              </a:spcAft>
+              <a:buFont typeface="Arial" charset="0"/>
+              <a:buChar char="–"/>
+              <a:defRPr sz="2800" kern="1200">
+                <a:solidFill>
+                  <a:schemeClr val="tx1"/>
+                </a:solidFill>
+                <a:latin typeface="+mn-lt"/>
+                <a:ea typeface="ＭＳ Ｐゴシック" pitchFamily="-109" charset="-128"/>
+                <a:cs typeface="+mn-cs"/>
+              </a:defRPr>
+            </a:lvl2pPr>
+            <a:lvl3pPr marL="1143000" indent="-228600" algn="l" defTabSz="457200" rtl="0" eaLnBrk="0" fontAlgn="base" hangingPunct="0">
+              <a:spcBef>
+                <a:spcPct val="20000"/>
+              </a:spcBef>
+              <a:spcAft>
+                <a:spcPct val="0"/>
+              </a:spcAft>
               <a:buFont typeface="Arial" charset="0"/>
               <a:buChar char="•"/>
-              <a:defRPr/>
+              <a:defRPr sz="2400" kern="1200">
+                <a:solidFill>
+                  <a:schemeClr val="tx1"/>
+                </a:solidFill>
+                <a:latin typeface="+mn-lt"/>
+                <a:ea typeface="ＭＳ Ｐゴシック" pitchFamily="-109" charset="-128"/>
+                <a:cs typeface="+mn-cs"/>
+              </a:defRPr>
+            </a:lvl3pPr>
+            <a:lvl4pPr marL="1600200" indent="-228600" algn="l" defTabSz="457200" rtl="0" eaLnBrk="0" fontAlgn="base" hangingPunct="0">
+              <a:spcBef>
+                <a:spcPct val="20000"/>
+              </a:spcBef>
+              <a:spcAft>
+                <a:spcPct val="0"/>
+              </a:spcAft>
+              <a:buFont typeface="Arial" charset="0"/>
+              <a:buChar char="–"/>
+              <a:defRPr sz="2000" kern="1200">
+                <a:solidFill>
+                  <a:schemeClr val="tx1"/>
+                </a:solidFill>
+                <a:latin typeface="+mn-lt"/>
+                <a:ea typeface="ＭＳ Ｐゴシック" pitchFamily="-109" charset="-128"/>
+                <a:cs typeface="+mn-cs"/>
+              </a:defRPr>
+            </a:lvl4pPr>
+            <a:lvl5pPr marL="2057400" indent="-228600" algn="l" defTabSz="457200" rtl="0" eaLnBrk="0" fontAlgn="base" hangingPunct="0">
+              <a:spcBef>
+                <a:spcPct val="20000"/>
+              </a:spcBef>
+              <a:spcAft>
+                <a:spcPct val="0"/>
+              </a:spcAft>
+              <a:buFont typeface="Arial" charset="0"/>
+              <a:buChar char="»"/>
+              <a:defRPr sz="2000" kern="1200">
+                <a:solidFill>
+                  <a:schemeClr val="tx1"/>
+                </a:solidFill>
+                <a:latin typeface="+mn-lt"/>
+                <a:ea typeface="ＭＳ Ｐゴシック" pitchFamily="-109" charset="-128"/>
+                <a:cs typeface="+mn-cs"/>
+              </a:defRPr>
+            </a:lvl5pPr>
+            <a:lvl6pPr marL="2514600" indent="-228600" algn="l" defTabSz="457200" rtl="0" eaLnBrk="1" latinLnBrk="0" hangingPunct="1">
+              <a:spcBef>
+                <a:spcPct val="20000"/>
+              </a:spcBef>
+              <a:buFont typeface="Arial"/>
+              <a:buChar char="•"/>
+              <a:defRPr sz="2000" kern="1200">
+                <a:solidFill>
+                  <a:schemeClr val="tx1"/>
+                </a:solidFill>
+                <a:latin typeface="+mn-lt"/>
+                <a:ea typeface="+mn-ea"/>
+                <a:cs typeface="+mn-cs"/>
+              </a:defRPr>
+            </a:lvl6pPr>
+            <a:lvl7pPr marL="2971800" indent="-228600" algn="l" defTabSz="457200" rtl="0" eaLnBrk="1" latinLnBrk="0" hangingPunct="1">
+              <a:spcBef>
+                <a:spcPct val="20000"/>
+              </a:spcBef>
+              <a:buFont typeface="Arial"/>
+              <a:buChar char="•"/>
+              <a:defRPr sz="2000" kern="1200">
+                <a:solidFill>
+                  <a:schemeClr val="tx1"/>
+                </a:solidFill>
+                <a:latin typeface="+mn-lt"/>
+                <a:ea typeface="+mn-ea"/>
+                <a:cs typeface="+mn-cs"/>
+              </a:defRPr>
+            </a:lvl7pPr>
+            <a:lvl8pPr marL="3429000" indent="-228600" algn="l" defTabSz="457200" rtl="0" eaLnBrk="1" latinLnBrk="0" hangingPunct="1">
+              <a:spcBef>
+                <a:spcPct val="20000"/>
+              </a:spcBef>
+              <a:buFont typeface="Arial"/>
+              <a:buChar char="•"/>
+              <a:defRPr sz="2000" kern="1200">
+                <a:solidFill>
+                  <a:schemeClr val="tx1"/>
+                </a:solidFill>
+                <a:latin typeface="+mn-lt"/>
+                <a:ea typeface="+mn-ea"/>
+                <a:cs typeface="+mn-cs"/>
+              </a:defRPr>
+            </a:lvl8pPr>
+            <a:lvl9pPr marL="3886200" indent="-228600" algn="l" defTabSz="457200" rtl="0" eaLnBrk="1" latinLnBrk="0" hangingPunct="1">
+              <a:spcBef>
+                <a:spcPct val="20000"/>
+              </a:spcBef>
+              <a:buFont typeface="Arial"/>
+              <a:buChar char="•"/>
+              <a:defRPr sz="2000" kern="1200">
+                <a:solidFill>
+                  <a:schemeClr val="tx1"/>
+                </a:solidFill>
+                <a:latin typeface="+mn-lt"/>
+                <a:ea typeface="+mn-ea"/>
+                <a:cs typeface="+mn-cs"/>
+              </a:defRPr>
+            </a:lvl9pPr>
+          </a:lstStyle>
+          <a:p>
+            <a:pPr marL="114300" indent="0" algn="ctr" defTabSz="914400" eaLnBrk="1" hangingPunct="1">
+              <a:lnSpc>
+                <a:spcPct val="90000"/>
+              </a:lnSpc>
+              <a:buNone/>
             </a:pPr>
-            <a:endParaRPr lang="en-US" dirty="0">
+            <a:r>
+              <a:rPr lang="en-US" sz="2400" i="1" dirty="0">
+                <a:solidFill>
+                  <a:srgbClr val="404040"/>
+                </a:solidFill>
+                <a:ea typeface="+mn-ea"/>
+                <a:cs typeface="+mn-cs"/>
+              </a:rPr>
+              <a:t>Definition: The easiest part of research</a:t>
+            </a:r>
+          </a:p>
+          <a:p>
+            <a:pPr indent="-228600" defTabSz="914400" eaLnBrk="1" hangingPunct="1">
+              <a:lnSpc>
+                <a:spcPct val="90000"/>
+              </a:lnSpc>
+              <a:buFont typeface="Arial" panose="020B0604020202020204" pitchFamily="34" charset="0"/>
+              <a:buChar char="•"/>
+            </a:pPr>
+            <a:endParaRPr lang="en-US" sz="2400" i="1" dirty="0">
               <a:solidFill>
-                <a:schemeClr val="tx1"/>
+                <a:srgbClr val="404040"/>
               </a:solidFill>
-              <a:ea typeface="ＭＳ Ｐゴシック" charset="-128"/>
-              <a:cs typeface="ＭＳ Ｐゴシック" charset="-128"/>
+              <a:ea typeface="+mn-ea"/>
+              <a:cs typeface="+mn-cs"/>
             </a:endParaRPr>
           </a:p>
           <a:p>
-            <a:pPr marL="342900" indent="-342900" eaLnBrk="0" hangingPunct="0">
-              <a:buFont typeface="Arial" charset="0"/>
-              <a:buChar char="•"/>
-              <a:defRPr/>
+            <a:pPr marL="114300" indent="0" defTabSz="914400" eaLnBrk="1" hangingPunct="1">
+              <a:lnSpc>
+                <a:spcPct val="90000"/>
+              </a:lnSpc>
+              <a:buNone/>
             </a:pPr>
-            <a:r>
-              <a:rPr lang="en-US" sz="2400" dirty="0" smtClean="0">
-                <a:solidFill>
-                  <a:schemeClr val="tx1"/>
-                </a:solidFill>
-                <a:ea typeface="ＭＳ Ｐゴシック" charset="-128"/>
-                <a:cs typeface="ＭＳ Ｐゴシック" charset="-128"/>
-              </a:rPr>
-              <a:t>We will be using the programming language R for all six components of the course.</a:t>
-            </a:r>
+            <a:endParaRPr lang="en-US" sz="2400" i="1" dirty="0">
+              <a:solidFill>
+                <a:srgbClr val="404040"/>
+              </a:solidFill>
+              <a:ea typeface="+mn-ea"/>
+              <a:cs typeface="+mn-cs"/>
+            </a:endParaRPr>
           </a:p>
         </p:txBody>
       </p:sp>
       <p:pic>
         <p:nvPicPr>
-          <p:cNvPr id="2" name="Picture 1"/>
+          <p:cNvPr id="8" name="Picture 7">
+            <a:extLst>
+              <a:ext uri="{FF2B5EF4-FFF2-40B4-BE49-F238E27FC236}">
+                <a16:creationId xmlns:a16="http://schemas.microsoft.com/office/drawing/2014/main" id="{521D4292-9ECC-4DA5-8CC0-C561A0DA118E}"/>
+              </a:ext>
+            </a:extLst>
+          </p:cNvPr>
+          <p:cNvPicPr>
+            <a:picLocks noChangeAspect="1"/>
+          </p:cNvPicPr>
+          <p:nvPr/>
+        </p:nvPicPr>
+        <p:blipFill rotWithShape="1">
+          <a:blip r:embed="rId3"/>
+          <a:srcRect l="8000" r="9400"/>
+          <a:stretch/>
+        </p:blipFill>
+        <p:spPr>
+          <a:xfrm>
+            <a:off x="660103" y="3048000"/>
+            <a:ext cx="2167974" cy="2624666"/>
+          </a:xfrm>
+          <a:prstGeom prst="rect">
+            <a:avLst/>
+          </a:prstGeom>
+          <a:noFill/>
+        </p:spPr>
+      </p:pic>
+      <p:pic>
+        <p:nvPicPr>
+          <p:cNvPr id="6" name="Picture 5">
+            <a:extLst>
+              <a:ext uri="{FF2B5EF4-FFF2-40B4-BE49-F238E27FC236}">
+                <a16:creationId xmlns:a16="http://schemas.microsoft.com/office/drawing/2014/main" id="{1C3513BB-855F-44C9-8E33-165A975B8062}"/>
+              </a:ext>
+            </a:extLst>
+          </p:cNvPr>
           <p:cNvPicPr>
             <a:picLocks noChangeAspect="1"/>
           </p:cNvPicPr>
@@ -9672,8 +9974,8 @@
         </p:blipFill>
         <p:spPr>
           <a:xfrm>
-            <a:off x="596900" y="1219200"/>
-            <a:ext cx="7950200" cy="2933700"/>
+            <a:off x="3826287" y="1752600"/>
+            <a:ext cx="4904798" cy="2362200"/>
           </a:xfrm>
           <a:prstGeom prst="rect">
             <a:avLst/>
@@ -9682,27 +9984,234 @@
       </p:pic>
       <p:sp>
         <p:nvSpPr>
-          <p:cNvPr id="20" name="TextBox 19"/>
-          <p:cNvSpPr txBox="1"/>
+          <p:cNvPr id="9" name="Content Placeholder 2">
+            <a:extLst>
+              <a:ext uri="{FF2B5EF4-FFF2-40B4-BE49-F238E27FC236}">
+                <a16:creationId xmlns:a16="http://schemas.microsoft.com/office/drawing/2014/main" id="{A8B22333-C69E-44AB-9725-C30EEFCE461D}"/>
+              </a:ext>
+            </a:extLst>
+          </p:cNvPr>
+          <p:cNvSpPr txBox="1">
+            <a:spLocks/>
+          </p:cNvSpPr>
           <p:nvPr/>
         </p:nvSpPr>
-        <p:spPr>
+        <p:spPr bwMode="auto">
           <a:xfrm>
-            <a:off x="4262284" y="1283110"/>
-            <a:ext cx="184731" cy="461665"/>
+            <a:off x="3879685" y="643467"/>
+            <a:ext cx="4851400" cy="924547"/>
           </a:xfrm>
           <a:prstGeom prst="rect">
             <a:avLst/>
           </a:prstGeom>
-          <a:noFill/>
         </p:spPr>
         <p:txBody>
-          <a:bodyPr wrap="none" rtlCol="0">
-            <a:spAutoFit/>
+          <a:bodyPr vert="horz" lIns="91440" tIns="45720" rIns="91440" bIns="45720" numCol="1" rtlCol="0" anchorCtr="0" compatLnSpc="1">
+            <a:prstTxWarp prst="textNoShape">
+              <a:avLst/>
+            </a:prstTxWarp>
+            <a:noAutofit/>
           </a:bodyPr>
-          <a:lstStyle/>
-          <a:p>
-            <a:endParaRPr lang="en-US" dirty="0"/>
+          <a:lstStyle>
+            <a:lvl1pPr marL="342900" indent="-342900" algn="l" defTabSz="457200" rtl="0" eaLnBrk="0" fontAlgn="base" hangingPunct="0">
+              <a:spcBef>
+                <a:spcPct val="20000"/>
+              </a:spcBef>
+              <a:spcAft>
+                <a:spcPct val="0"/>
+              </a:spcAft>
+              <a:buFont typeface="Arial" charset="0"/>
+              <a:buChar char="•"/>
+              <a:defRPr sz="3200" kern="1200">
+                <a:solidFill>
+                  <a:schemeClr val="tx1"/>
+                </a:solidFill>
+                <a:latin typeface="+mn-lt"/>
+                <a:ea typeface="ＭＳ Ｐゴシック" pitchFamily="-109" charset="-128"/>
+                <a:cs typeface="ＭＳ Ｐゴシック" pitchFamily="-109" charset="-128"/>
+              </a:defRPr>
+            </a:lvl1pPr>
+            <a:lvl2pPr marL="742950" indent="-285750" algn="l" defTabSz="457200" rtl="0" eaLnBrk="0" fontAlgn="base" hangingPunct="0">
+              <a:spcBef>
+                <a:spcPct val="20000"/>
+              </a:spcBef>
+              <a:spcAft>
+                <a:spcPct val="0"/>
+              </a:spcAft>
+              <a:buFont typeface="Arial" charset="0"/>
+              <a:buChar char="–"/>
+              <a:defRPr sz="2800" kern="1200">
+                <a:solidFill>
+                  <a:schemeClr val="tx1"/>
+                </a:solidFill>
+                <a:latin typeface="+mn-lt"/>
+                <a:ea typeface="ＭＳ Ｐゴシック" pitchFamily="-109" charset="-128"/>
+                <a:cs typeface="+mn-cs"/>
+              </a:defRPr>
+            </a:lvl2pPr>
+            <a:lvl3pPr marL="1143000" indent="-228600" algn="l" defTabSz="457200" rtl="0" eaLnBrk="0" fontAlgn="base" hangingPunct="0">
+              <a:spcBef>
+                <a:spcPct val="20000"/>
+              </a:spcBef>
+              <a:spcAft>
+                <a:spcPct val="0"/>
+              </a:spcAft>
+              <a:buFont typeface="Arial" charset="0"/>
+              <a:buChar char="•"/>
+              <a:defRPr sz="2400" kern="1200">
+                <a:solidFill>
+                  <a:schemeClr val="tx1"/>
+                </a:solidFill>
+                <a:latin typeface="+mn-lt"/>
+                <a:ea typeface="ＭＳ Ｐゴシック" pitchFamily="-109" charset="-128"/>
+                <a:cs typeface="+mn-cs"/>
+              </a:defRPr>
+            </a:lvl3pPr>
+            <a:lvl4pPr marL="1600200" indent="-228600" algn="l" defTabSz="457200" rtl="0" eaLnBrk="0" fontAlgn="base" hangingPunct="0">
+              <a:spcBef>
+                <a:spcPct val="20000"/>
+              </a:spcBef>
+              <a:spcAft>
+                <a:spcPct val="0"/>
+              </a:spcAft>
+              <a:buFont typeface="Arial" charset="0"/>
+              <a:buChar char="–"/>
+              <a:defRPr sz="2000" kern="1200">
+                <a:solidFill>
+                  <a:schemeClr val="tx1"/>
+                </a:solidFill>
+                <a:latin typeface="+mn-lt"/>
+                <a:ea typeface="ＭＳ Ｐゴシック" pitchFamily="-109" charset="-128"/>
+                <a:cs typeface="+mn-cs"/>
+              </a:defRPr>
+            </a:lvl4pPr>
+            <a:lvl5pPr marL="2057400" indent="-228600" algn="l" defTabSz="457200" rtl="0" eaLnBrk="0" fontAlgn="base" hangingPunct="0">
+              <a:spcBef>
+                <a:spcPct val="20000"/>
+              </a:spcBef>
+              <a:spcAft>
+                <a:spcPct val="0"/>
+              </a:spcAft>
+              <a:buFont typeface="Arial" charset="0"/>
+              <a:buChar char="»"/>
+              <a:defRPr sz="2000" kern="1200">
+                <a:solidFill>
+                  <a:schemeClr val="tx1"/>
+                </a:solidFill>
+                <a:latin typeface="+mn-lt"/>
+                <a:ea typeface="ＭＳ Ｐゴシック" pitchFamily="-109" charset="-128"/>
+                <a:cs typeface="+mn-cs"/>
+              </a:defRPr>
+            </a:lvl5pPr>
+            <a:lvl6pPr marL="2514600" indent="-228600" algn="l" defTabSz="457200" rtl="0" eaLnBrk="1" latinLnBrk="0" hangingPunct="1">
+              <a:spcBef>
+                <a:spcPct val="20000"/>
+              </a:spcBef>
+              <a:buFont typeface="Arial"/>
+              <a:buChar char="•"/>
+              <a:defRPr sz="2000" kern="1200">
+                <a:solidFill>
+                  <a:schemeClr val="tx1"/>
+                </a:solidFill>
+                <a:latin typeface="+mn-lt"/>
+                <a:ea typeface="+mn-ea"/>
+                <a:cs typeface="+mn-cs"/>
+              </a:defRPr>
+            </a:lvl6pPr>
+            <a:lvl7pPr marL="2971800" indent="-228600" algn="l" defTabSz="457200" rtl="0" eaLnBrk="1" latinLnBrk="0" hangingPunct="1">
+              <a:spcBef>
+                <a:spcPct val="20000"/>
+              </a:spcBef>
+              <a:buFont typeface="Arial"/>
+              <a:buChar char="•"/>
+              <a:defRPr sz="2000" kern="1200">
+                <a:solidFill>
+                  <a:schemeClr val="tx1"/>
+                </a:solidFill>
+                <a:latin typeface="+mn-lt"/>
+                <a:ea typeface="+mn-ea"/>
+                <a:cs typeface="+mn-cs"/>
+              </a:defRPr>
+            </a:lvl7pPr>
+            <a:lvl8pPr marL="3429000" indent="-228600" algn="l" defTabSz="457200" rtl="0" eaLnBrk="1" latinLnBrk="0" hangingPunct="1">
+              <a:spcBef>
+                <a:spcPct val="20000"/>
+              </a:spcBef>
+              <a:buFont typeface="Arial"/>
+              <a:buChar char="•"/>
+              <a:defRPr sz="2000" kern="1200">
+                <a:solidFill>
+                  <a:schemeClr val="tx1"/>
+                </a:solidFill>
+                <a:latin typeface="+mn-lt"/>
+                <a:ea typeface="+mn-ea"/>
+                <a:cs typeface="+mn-cs"/>
+              </a:defRPr>
+            </a:lvl8pPr>
+            <a:lvl9pPr marL="3886200" indent="-228600" algn="l" defTabSz="457200" rtl="0" eaLnBrk="1" latinLnBrk="0" hangingPunct="1">
+              <a:spcBef>
+                <a:spcPct val="20000"/>
+              </a:spcBef>
+              <a:buFont typeface="Arial"/>
+              <a:buChar char="•"/>
+              <a:defRPr sz="2000" kern="1200">
+                <a:solidFill>
+                  <a:schemeClr val="tx1"/>
+                </a:solidFill>
+                <a:latin typeface="+mn-lt"/>
+                <a:ea typeface="+mn-ea"/>
+                <a:cs typeface="+mn-cs"/>
+              </a:defRPr>
+            </a:lvl9pPr>
+          </a:lstStyle>
+          <a:p>
+            <a:pPr marL="114300" indent="0" algn="ctr" defTabSz="914400" eaLnBrk="1" hangingPunct="1">
+              <a:lnSpc>
+                <a:spcPct val="90000"/>
+              </a:lnSpc>
+              <a:buNone/>
+            </a:pPr>
+            <a:r>
+              <a:rPr lang="en-US" sz="6000" b="1" dirty="0">
+                <a:solidFill>
+                  <a:srgbClr val="404040"/>
+                </a:solidFill>
+                <a:ea typeface="+mn-ea"/>
+                <a:cs typeface="+mn-cs"/>
+              </a:rPr>
+              <a:t>Data Science</a:t>
+            </a:r>
+          </a:p>
+          <a:p>
+            <a:pPr indent="-228600" defTabSz="914400" eaLnBrk="1" hangingPunct="1">
+              <a:lnSpc>
+                <a:spcPct val="90000"/>
+              </a:lnSpc>
+              <a:buFont typeface="Arial" panose="020B0604020202020204" pitchFamily="34" charset="0"/>
+              <a:buChar char="•"/>
+            </a:pPr>
+            <a:endParaRPr lang="en-US" sz="1600" dirty="0">
+              <a:solidFill>
+                <a:srgbClr val="404040"/>
+              </a:solidFill>
+              <a:ea typeface="+mn-ea"/>
+              <a:cs typeface="+mn-cs"/>
+            </a:endParaRPr>
+          </a:p>
+          <a:p>
+            <a:pPr marL="114300" indent="0" defTabSz="914400" eaLnBrk="1" hangingPunct="1">
+              <a:lnSpc>
+                <a:spcPct val="90000"/>
+              </a:lnSpc>
+              <a:buNone/>
+            </a:pPr>
+            <a:endParaRPr lang="en-US" sz="2000" dirty="0">
+              <a:solidFill>
+                <a:srgbClr val="404040"/>
+              </a:solidFill>
+              <a:ea typeface="+mn-ea"/>
+              <a:cs typeface="+mn-cs"/>
+            </a:endParaRPr>
           </a:p>
         </p:txBody>
       </p:sp>
@@ -9712,7 +10221,7 @@
     </p:custDataLst>
     <p:extLst>
       <p:ext uri="{BB962C8B-B14F-4D97-AF65-F5344CB8AC3E}">
-        <p14:creationId xmlns:p14="http://schemas.microsoft.com/office/powerpoint/2010/main" val="68622645"/>
+        <p14:creationId xmlns:p14="http://schemas.microsoft.com/office/powerpoint/2010/main" val="3620350272"/>
       </p:ext>
     </p:extLst>
   </p:cSld>
@@ -9753,7 +10262,7 @@
                                           </p:stCondLst>
                                         </p:cTn>
                                         <p:tgtEl>
-                                          <p:spTgt spid="2"/>
+                                          <p:spTgt spid="6"/>
                                         </p:tgtEl>
                                         <p:attrNameLst>
                                           <p:attrName>style.visibility</p:attrName>
@@ -9767,129 +10276,7 @@
                                       <p:cBhvr>
                                         <p:cTn id="7" dur="500"/>
                                         <p:tgtEl>
-                                          <p:spTgt spid="2"/>
-                                        </p:tgtEl>
-                                      </p:cBhvr>
-                                    </p:animEffect>
-                                  </p:childTnLst>
-                                </p:cTn>
-                              </p:par>
-                            </p:childTnLst>
-                          </p:cTn>
-                        </p:par>
-                      </p:childTnLst>
-                    </p:cTn>
-                  </p:par>
-                  <p:par>
-                    <p:cTn id="8" fill="hold">
-                      <p:stCondLst>
-                        <p:cond delay="indefinite"/>
-                      </p:stCondLst>
-                      <p:childTnLst>
-                        <p:par>
-                          <p:cTn id="9" fill="hold">
-                            <p:stCondLst>
-                              <p:cond delay="0"/>
-                            </p:stCondLst>
-                            <p:childTnLst>
-                              <p:par>
-                                <p:cTn id="10" presetID="10" presetClass="entr" presetSubtype="0" fill="hold" nodeType="clickEffect">
-                                  <p:stCondLst>
-                                    <p:cond delay="0"/>
-                                  </p:stCondLst>
-                                  <p:childTnLst>
-                                    <p:set>
-                                      <p:cBhvr>
-                                        <p:cTn id="11" dur="1" fill="hold">
-                                          <p:stCondLst>
-                                            <p:cond delay="0"/>
-                                          </p:stCondLst>
-                                        </p:cTn>
-                                        <p:tgtEl>
-                                          <p:spTgt spid="4">
-                                            <p:txEl>
-                                              <p:pRg st="0" end="0"/>
-                                            </p:txEl>
-                                          </p:spTgt>
-                                        </p:tgtEl>
-                                        <p:attrNameLst>
-                                          <p:attrName>style.visibility</p:attrName>
-                                        </p:attrNameLst>
-                                      </p:cBhvr>
-                                      <p:to>
-                                        <p:strVal val="visible"/>
-                                      </p:to>
-                                    </p:set>
-                                    <p:animEffect transition="in" filter="fade">
-                                      <p:cBhvr>
-                                        <p:cTn id="12" dur="500"/>
-                                        <p:tgtEl>
-                                          <p:spTgt spid="4">
-                                            <p:txEl>
-                                              <p:pRg st="0" end="0"/>
-                                            </p:txEl>
-                                          </p:spTgt>
-                                        </p:tgtEl>
-                                      </p:cBhvr>
-                                    </p:animEffect>
-                                  </p:childTnLst>
-                                </p:cTn>
-                              </p:par>
-                            </p:childTnLst>
-                          </p:cTn>
-                        </p:par>
-                      </p:childTnLst>
-                    </p:cTn>
-                  </p:par>
-                  <p:par>
-                    <p:cTn id="13" fill="hold">
-                      <p:stCondLst>
-                        <p:cond delay="indefinite"/>
-                      </p:stCondLst>
-                      <p:childTnLst>
-                        <p:par>
-                          <p:cTn id="14" fill="hold">
-                            <p:stCondLst>
-                              <p:cond delay="0"/>
-                            </p:stCondLst>
-                            <p:childTnLst>
-                              <p:par>
-                                <p:cTn id="15" presetID="10" presetClass="entr" presetSubtype="0" fill="hold" nodeType="clickEffect">
-                                  <p:stCondLst>
-                                    <p:cond delay="0"/>
-                                  </p:stCondLst>
-                                  <p:childTnLst>
-                                    <p:set>
-                                      <p:cBhvr>
-                                        <p:cTn id="16" dur="1" fill="hold">
-                                          <p:stCondLst>
-                                            <p:cond delay="0"/>
-                                          </p:stCondLst>
-                                        </p:cTn>
-                                        <p:tgtEl>
-                                          <p:spTgt spid="4">
-                                            <p:txEl>
-                                              <p:pRg st="2" end="2"/>
-                                            </p:txEl>
-                                          </p:spTgt>
-                                        </p:tgtEl>
-                                        <p:attrNameLst>
-                                          <p:attrName>style.visibility</p:attrName>
-                                        </p:attrNameLst>
-                                      </p:cBhvr>
-                                      <p:to>
-                                        <p:strVal val="visible"/>
-                                      </p:to>
-                                    </p:set>
-                                    <p:animEffect transition="in" filter="fade">
-                                      <p:cBhvr>
-                                        <p:cTn id="17" dur="500"/>
-                                        <p:tgtEl>
-                                          <p:spTgt spid="4">
-                                            <p:txEl>
-                                              <p:pRg st="2" end="2"/>
-                                            </p:txEl>
-                                          </p:spTgt>
+                                          <p:spTgt spid="6"/>
                                         </p:tgtEl>
                                       </p:cBhvr>
                                     </p:animEffect>
@@ -9930,6 +10317,16 @@
 <file path=ppt/slides/slide5.xml><?xml version="1.0" encoding="utf-8"?>
 <p:sld xmlns:a="http://schemas.openxmlformats.org/drawingml/2006/main" xmlns:r="http://schemas.openxmlformats.org/officeDocument/2006/relationships" xmlns:p="http://schemas.openxmlformats.org/presentationml/2006/main">
   <p:cSld>
+    <p:bg>
+      <p:bgPr>
+        <a:solidFill>
+          <a:schemeClr val="bg1">
+            <a:lumMod val="85000"/>
+          </a:schemeClr>
+        </a:solidFill>
+        <a:effectLst/>
+      </p:bgPr>
+    </p:bg>
     <p:spTree>
       <p:nvGrpSpPr>
         <p:cNvPr id="1" name=""/>
@@ -9946,6 +10343,1944 @@
       </p:grpSpPr>
       <p:sp>
         <p:nvSpPr>
+          <p:cNvPr id="15" name="Rectangle 12">
+            <a:extLst>
+              <a:ext uri="{FF2B5EF4-FFF2-40B4-BE49-F238E27FC236}">
+                <a16:creationId xmlns:a16="http://schemas.microsoft.com/office/drawing/2014/main" id="{867D4867-5BA7-4462-B2F6-A23F4A622AA7}"/>
+              </a:ext>
+              <a:ext uri="{C183D7F6-B498-43B3-948B-1728B52AA6E4}">
+                <adec:decorative xmlns:adec="http://schemas.microsoft.com/office/drawing/2017/decorative" val="1"/>
+              </a:ext>
+            </a:extLst>
+          </p:cNvPr>
+          <p:cNvSpPr>
+            <a:spLocks noGrp="1" noRot="1" noChangeAspect="1" noMove="1" noResize="1" noEditPoints="1" noAdjustHandles="1" noChangeArrowheads="1" noChangeShapeType="1" noTextEdit="1"/>
+          </p:cNvSpPr>
+          <p:nvPr>
+            <p:extLst>
+              <p:ext uri="{386F3935-93C4-4BCD-93E2-E3B085C9AB24}">
+                <p16:designElem xmlns:p16="http://schemas.microsoft.com/office/powerpoint/2015/main" val="1"/>
+              </p:ext>
+            </p:extLst>
+          </p:nvPr>
+        </p:nvSpPr>
+        <p:spPr>
+          <a:xfrm>
+            <a:off x="0" y="0"/>
+            <a:ext cx="3490722" cy="6858000"/>
+          </a:xfrm>
+          <a:prstGeom prst="rect">
+            <a:avLst/>
+          </a:prstGeom>
+          <a:solidFill>
+            <a:schemeClr val="tx1">
+              <a:lumMod val="75000"/>
+              <a:lumOff val="25000"/>
+            </a:schemeClr>
+          </a:solidFill>
+          <a:ln>
+            <a:noFill/>
+          </a:ln>
+        </p:spPr>
+        <p:style>
+          <a:lnRef idx="0">
+            <a:scrgbClr r="0" g="0" b="0"/>
+          </a:lnRef>
+          <a:fillRef idx="0">
+            <a:scrgbClr r="0" g="0" b="0"/>
+          </a:fillRef>
+          <a:effectRef idx="0">
+            <a:scrgbClr r="0" g="0" b="0"/>
+          </a:effectRef>
+          <a:fontRef idx="minor">
+            <a:schemeClr val="lt1"/>
+          </a:fontRef>
+        </p:style>
+        <p:txBody>
+          <a:bodyPr rtlCol="0" anchor="ctr"/>
+          <a:lstStyle/>
+          <a:p>
+            <a:pPr algn="ctr"/>
+            <a:endParaRPr lang="en-US"/>
+          </a:p>
+        </p:txBody>
+      </p:sp>
+      <p:sp>
+        <p:nvSpPr>
+          <p:cNvPr id="2" name="Title 1"/>
+          <p:cNvSpPr>
+            <a:spLocks noGrp="1"/>
+          </p:cNvSpPr>
+          <p:nvPr>
+            <p:ph type="title"/>
+          </p:nvPr>
+        </p:nvSpPr>
+        <p:spPr>
+          <a:xfrm>
+            <a:off x="482600" y="643467"/>
+            <a:ext cx="2522980" cy="1597315"/>
+          </a:xfrm>
+          <a:noFill/>
+          <a:ln w="19050">
+            <a:solidFill>
+              <a:schemeClr val="bg1"/>
+            </a:solidFill>
+          </a:ln>
+        </p:spPr>
+        <p:txBody>
+          <a:bodyPr vert="horz" wrap="square" lIns="91440" tIns="45720" rIns="91440" bIns="45720" rtlCol="0" anchor="ctr">
+            <a:normAutofit/>
+          </a:bodyPr>
+          <a:lstStyle/>
+          <a:p>
+            <a:pPr defTabSz="914400" eaLnBrk="1" hangingPunct="1">
+              <a:lnSpc>
+                <a:spcPct val="90000"/>
+              </a:lnSpc>
+            </a:pPr>
+            <a:r>
+              <a:rPr lang="en-US" sz="2400" kern="1200" dirty="0">
+                <a:solidFill>
+                  <a:schemeClr val="bg1"/>
+                </a:solidFill>
+                <a:latin typeface="+mj-lt"/>
+                <a:ea typeface="+mj-ea"/>
+                <a:cs typeface="+mj-cs"/>
+              </a:rPr>
+              <a:t>What do I Need?</a:t>
+            </a:r>
+          </a:p>
+        </p:txBody>
+      </p:sp>
+      <p:pic>
+        <p:nvPicPr>
+          <p:cNvPr id="8" name="Picture 7">
+            <a:extLst>
+              <a:ext uri="{FF2B5EF4-FFF2-40B4-BE49-F238E27FC236}">
+                <a16:creationId xmlns:a16="http://schemas.microsoft.com/office/drawing/2014/main" id="{521D4292-9ECC-4DA5-8CC0-C561A0DA118E}"/>
+              </a:ext>
+            </a:extLst>
+          </p:cNvPr>
+          <p:cNvPicPr>
+            <a:picLocks noChangeAspect="1"/>
+          </p:cNvPicPr>
+          <p:nvPr/>
+        </p:nvPicPr>
+        <p:blipFill rotWithShape="1">
+          <a:blip r:embed="rId3"/>
+          <a:srcRect l="8000" r="9400"/>
+          <a:stretch/>
+        </p:blipFill>
+        <p:spPr>
+          <a:xfrm>
+            <a:off x="660103" y="3048000"/>
+            <a:ext cx="2167974" cy="2624666"/>
+          </a:xfrm>
+          <a:prstGeom prst="rect">
+            <a:avLst/>
+          </a:prstGeom>
+          <a:noFill/>
+        </p:spPr>
+      </p:pic>
+      <p:sp>
+        <p:nvSpPr>
+          <p:cNvPr id="7" name="Content Placeholder 2">
+            <a:extLst>
+              <a:ext uri="{FF2B5EF4-FFF2-40B4-BE49-F238E27FC236}">
+                <a16:creationId xmlns:a16="http://schemas.microsoft.com/office/drawing/2014/main" id="{8FE51533-15BE-453E-90FE-08298901BC34}"/>
+              </a:ext>
+            </a:extLst>
+          </p:cNvPr>
+          <p:cNvSpPr txBox="1">
+            <a:spLocks/>
+          </p:cNvSpPr>
+          <p:nvPr/>
+        </p:nvSpPr>
+        <p:spPr bwMode="auto">
+          <a:xfrm>
+            <a:off x="3810000" y="643466"/>
+            <a:ext cx="4851400" cy="5833533"/>
+          </a:xfrm>
+          <a:prstGeom prst="rect">
+            <a:avLst/>
+          </a:prstGeom>
+        </p:spPr>
+        <p:txBody>
+          <a:bodyPr vert="horz" lIns="91440" tIns="45720" rIns="91440" bIns="45720" numCol="1" rtlCol="0" anchorCtr="0" compatLnSpc="1">
+            <a:prstTxWarp prst="textNoShape">
+              <a:avLst/>
+            </a:prstTxWarp>
+            <a:noAutofit/>
+          </a:bodyPr>
+          <a:lstStyle>
+            <a:lvl1pPr marL="342900" indent="-342900" algn="l" defTabSz="457200" rtl="0" eaLnBrk="0" fontAlgn="base" hangingPunct="0">
+              <a:spcBef>
+                <a:spcPct val="20000"/>
+              </a:spcBef>
+              <a:spcAft>
+                <a:spcPct val="0"/>
+              </a:spcAft>
+              <a:buFont typeface="Arial" charset="0"/>
+              <a:buChar char="•"/>
+              <a:defRPr sz="3200" kern="1200">
+                <a:solidFill>
+                  <a:schemeClr val="tx1"/>
+                </a:solidFill>
+                <a:latin typeface="+mn-lt"/>
+                <a:ea typeface="ＭＳ Ｐゴシック" pitchFamily="-109" charset="-128"/>
+                <a:cs typeface="ＭＳ Ｐゴシック" pitchFamily="-109" charset="-128"/>
+              </a:defRPr>
+            </a:lvl1pPr>
+            <a:lvl2pPr marL="742950" indent="-285750" algn="l" defTabSz="457200" rtl="0" eaLnBrk="0" fontAlgn="base" hangingPunct="0">
+              <a:spcBef>
+                <a:spcPct val="20000"/>
+              </a:spcBef>
+              <a:spcAft>
+                <a:spcPct val="0"/>
+              </a:spcAft>
+              <a:buFont typeface="Arial" charset="0"/>
+              <a:buChar char="–"/>
+              <a:defRPr sz="2800" kern="1200">
+                <a:solidFill>
+                  <a:schemeClr val="tx1"/>
+                </a:solidFill>
+                <a:latin typeface="+mn-lt"/>
+                <a:ea typeface="ＭＳ Ｐゴシック" pitchFamily="-109" charset="-128"/>
+                <a:cs typeface="+mn-cs"/>
+              </a:defRPr>
+            </a:lvl2pPr>
+            <a:lvl3pPr marL="1143000" indent="-228600" algn="l" defTabSz="457200" rtl="0" eaLnBrk="0" fontAlgn="base" hangingPunct="0">
+              <a:spcBef>
+                <a:spcPct val="20000"/>
+              </a:spcBef>
+              <a:spcAft>
+                <a:spcPct val="0"/>
+              </a:spcAft>
+              <a:buFont typeface="Arial" charset="0"/>
+              <a:buChar char="•"/>
+              <a:defRPr sz="2400" kern="1200">
+                <a:solidFill>
+                  <a:schemeClr val="tx1"/>
+                </a:solidFill>
+                <a:latin typeface="+mn-lt"/>
+                <a:ea typeface="ＭＳ Ｐゴシック" pitchFamily="-109" charset="-128"/>
+                <a:cs typeface="+mn-cs"/>
+              </a:defRPr>
+            </a:lvl3pPr>
+            <a:lvl4pPr marL="1600200" indent="-228600" algn="l" defTabSz="457200" rtl="0" eaLnBrk="0" fontAlgn="base" hangingPunct="0">
+              <a:spcBef>
+                <a:spcPct val="20000"/>
+              </a:spcBef>
+              <a:spcAft>
+                <a:spcPct val="0"/>
+              </a:spcAft>
+              <a:buFont typeface="Arial" charset="0"/>
+              <a:buChar char="–"/>
+              <a:defRPr sz="2000" kern="1200">
+                <a:solidFill>
+                  <a:schemeClr val="tx1"/>
+                </a:solidFill>
+                <a:latin typeface="+mn-lt"/>
+                <a:ea typeface="ＭＳ Ｐゴシック" pitchFamily="-109" charset="-128"/>
+                <a:cs typeface="+mn-cs"/>
+              </a:defRPr>
+            </a:lvl4pPr>
+            <a:lvl5pPr marL="2057400" indent="-228600" algn="l" defTabSz="457200" rtl="0" eaLnBrk="0" fontAlgn="base" hangingPunct="0">
+              <a:spcBef>
+                <a:spcPct val="20000"/>
+              </a:spcBef>
+              <a:spcAft>
+                <a:spcPct val="0"/>
+              </a:spcAft>
+              <a:buFont typeface="Arial" charset="0"/>
+              <a:buChar char="»"/>
+              <a:defRPr sz="2000" kern="1200">
+                <a:solidFill>
+                  <a:schemeClr val="tx1"/>
+                </a:solidFill>
+                <a:latin typeface="+mn-lt"/>
+                <a:ea typeface="ＭＳ Ｐゴシック" pitchFamily="-109" charset="-128"/>
+                <a:cs typeface="+mn-cs"/>
+              </a:defRPr>
+            </a:lvl5pPr>
+            <a:lvl6pPr marL="2514600" indent="-228600" algn="l" defTabSz="457200" rtl="0" eaLnBrk="1" latinLnBrk="0" hangingPunct="1">
+              <a:spcBef>
+                <a:spcPct val="20000"/>
+              </a:spcBef>
+              <a:buFont typeface="Arial"/>
+              <a:buChar char="•"/>
+              <a:defRPr sz="2000" kern="1200">
+                <a:solidFill>
+                  <a:schemeClr val="tx1"/>
+                </a:solidFill>
+                <a:latin typeface="+mn-lt"/>
+                <a:ea typeface="+mn-ea"/>
+                <a:cs typeface="+mn-cs"/>
+              </a:defRPr>
+            </a:lvl6pPr>
+            <a:lvl7pPr marL="2971800" indent="-228600" algn="l" defTabSz="457200" rtl="0" eaLnBrk="1" latinLnBrk="0" hangingPunct="1">
+              <a:spcBef>
+                <a:spcPct val="20000"/>
+              </a:spcBef>
+              <a:buFont typeface="Arial"/>
+              <a:buChar char="•"/>
+              <a:defRPr sz="2000" kern="1200">
+                <a:solidFill>
+                  <a:schemeClr val="tx1"/>
+                </a:solidFill>
+                <a:latin typeface="+mn-lt"/>
+                <a:ea typeface="+mn-ea"/>
+                <a:cs typeface="+mn-cs"/>
+              </a:defRPr>
+            </a:lvl7pPr>
+            <a:lvl8pPr marL="3429000" indent="-228600" algn="l" defTabSz="457200" rtl="0" eaLnBrk="1" latinLnBrk="0" hangingPunct="1">
+              <a:spcBef>
+                <a:spcPct val="20000"/>
+              </a:spcBef>
+              <a:buFont typeface="Arial"/>
+              <a:buChar char="•"/>
+              <a:defRPr sz="2000" kern="1200">
+                <a:solidFill>
+                  <a:schemeClr val="tx1"/>
+                </a:solidFill>
+                <a:latin typeface="+mn-lt"/>
+                <a:ea typeface="+mn-ea"/>
+                <a:cs typeface="+mn-cs"/>
+              </a:defRPr>
+            </a:lvl8pPr>
+            <a:lvl9pPr marL="3886200" indent="-228600" algn="l" defTabSz="457200" rtl="0" eaLnBrk="1" latinLnBrk="0" hangingPunct="1">
+              <a:spcBef>
+                <a:spcPct val="20000"/>
+              </a:spcBef>
+              <a:buFont typeface="Arial"/>
+              <a:buChar char="•"/>
+              <a:defRPr sz="2000" kern="1200">
+                <a:solidFill>
+                  <a:schemeClr val="tx1"/>
+                </a:solidFill>
+                <a:latin typeface="+mn-lt"/>
+                <a:ea typeface="+mn-ea"/>
+                <a:cs typeface="+mn-cs"/>
+              </a:defRPr>
+            </a:lvl9pPr>
+          </a:lstStyle>
+          <a:p>
+            <a:pPr indent="-228600" defTabSz="914400" eaLnBrk="1" hangingPunct="1">
+              <a:lnSpc>
+                <a:spcPct val="90000"/>
+              </a:lnSpc>
+              <a:buFont typeface="Arial" panose="020B0604020202020204" pitchFamily="34" charset="0"/>
+              <a:buChar char="•"/>
+            </a:pPr>
+            <a:r>
+              <a:rPr lang="en-US" sz="2000" dirty="0">
+                <a:solidFill>
+                  <a:srgbClr val="404040"/>
+                </a:solidFill>
+                <a:ea typeface="+mn-ea"/>
+                <a:cs typeface="+mn-cs"/>
+              </a:rPr>
+              <a:t>Textbook: </a:t>
+            </a:r>
+          </a:p>
+          <a:p>
+            <a:pPr indent="-228600" defTabSz="914400" eaLnBrk="1" hangingPunct="1">
+              <a:lnSpc>
+                <a:spcPct val="90000"/>
+              </a:lnSpc>
+              <a:buFont typeface="Arial" panose="020B0604020202020204" pitchFamily="34" charset="0"/>
+              <a:buChar char="•"/>
+            </a:pPr>
+            <a:endParaRPr lang="en-US" sz="1600" dirty="0">
+              <a:solidFill>
+                <a:srgbClr val="404040"/>
+              </a:solidFill>
+              <a:ea typeface="+mn-ea"/>
+              <a:cs typeface="+mn-cs"/>
+            </a:endParaRPr>
+          </a:p>
+          <a:p>
+            <a:pPr marL="114300" indent="0" defTabSz="914400" eaLnBrk="1" hangingPunct="1">
+              <a:lnSpc>
+                <a:spcPct val="90000"/>
+              </a:lnSpc>
+              <a:buNone/>
+            </a:pPr>
+            <a:endParaRPr lang="en-US" sz="2000" dirty="0">
+              <a:solidFill>
+                <a:srgbClr val="404040"/>
+              </a:solidFill>
+              <a:ea typeface="+mn-ea"/>
+              <a:cs typeface="+mn-cs"/>
+            </a:endParaRPr>
+          </a:p>
+          <a:p>
+            <a:pPr indent="-228600" defTabSz="914400" eaLnBrk="1" hangingPunct="1">
+              <a:lnSpc>
+                <a:spcPct val="90000"/>
+              </a:lnSpc>
+              <a:buFont typeface="Arial" panose="020B0604020202020204" pitchFamily="34" charset="0"/>
+              <a:buChar char="•"/>
+            </a:pPr>
+            <a:endParaRPr lang="en-US" sz="2000" dirty="0">
+              <a:solidFill>
+                <a:srgbClr val="404040"/>
+              </a:solidFill>
+              <a:ea typeface="+mn-ea"/>
+              <a:cs typeface="+mn-cs"/>
+            </a:endParaRPr>
+          </a:p>
+          <a:p>
+            <a:pPr indent="-228600" defTabSz="914400" eaLnBrk="1" hangingPunct="1">
+              <a:lnSpc>
+                <a:spcPct val="90000"/>
+              </a:lnSpc>
+              <a:buFont typeface="Arial" panose="020B0604020202020204" pitchFamily="34" charset="0"/>
+              <a:buChar char="•"/>
+            </a:pPr>
+            <a:endParaRPr lang="en-US" sz="2000" dirty="0">
+              <a:solidFill>
+                <a:srgbClr val="404040"/>
+              </a:solidFill>
+              <a:ea typeface="+mn-ea"/>
+              <a:cs typeface="+mn-cs"/>
+            </a:endParaRPr>
+          </a:p>
+          <a:p>
+            <a:pPr indent="-228600" defTabSz="914400" eaLnBrk="1" hangingPunct="1">
+              <a:lnSpc>
+                <a:spcPct val="90000"/>
+              </a:lnSpc>
+              <a:buFont typeface="Arial" panose="020B0604020202020204" pitchFamily="34" charset="0"/>
+              <a:buChar char="•"/>
+            </a:pPr>
+            <a:endParaRPr lang="en-US" sz="2000" dirty="0">
+              <a:solidFill>
+                <a:srgbClr val="404040"/>
+              </a:solidFill>
+              <a:ea typeface="+mn-ea"/>
+              <a:cs typeface="+mn-cs"/>
+            </a:endParaRPr>
+          </a:p>
+          <a:p>
+            <a:pPr indent="-228600" defTabSz="914400" eaLnBrk="1" hangingPunct="1">
+              <a:lnSpc>
+                <a:spcPct val="90000"/>
+              </a:lnSpc>
+              <a:buFont typeface="Arial" panose="020B0604020202020204" pitchFamily="34" charset="0"/>
+              <a:buChar char="•"/>
+            </a:pPr>
+            <a:endParaRPr lang="en-US" sz="2000" dirty="0">
+              <a:solidFill>
+                <a:srgbClr val="404040"/>
+              </a:solidFill>
+              <a:ea typeface="+mn-ea"/>
+              <a:cs typeface="+mn-cs"/>
+            </a:endParaRPr>
+          </a:p>
+          <a:p>
+            <a:pPr indent="-228600" defTabSz="914400" eaLnBrk="1" hangingPunct="1">
+              <a:lnSpc>
+                <a:spcPct val="90000"/>
+              </a:lnSpc>
+              <a:buFont typeface="Arial" panose="020B0604020202020204" pitchFamily="34" charset="0"/>
+              <a:buChar char="•"/>
+            </a:pPr>
+            <a:endParaRPr lang="en-US" sz="2000" dirty="0">
+              <a:solidFill>
+                <a:srgbClr val="404040"/>
+              </a:solidFill>
+              <a:ea typeface="+mn-ea"/>
+              <a:cs typeface="+mn-cs"/>
+            </a:endParaRPr>
+          </a:p>
+          <a:p>
+            <a:pPr indent="-228600" defTabSz="914400" eaLnBrk="1" hangingPunct="1">
+              <a:lnSpc>
+                <a:spcPct val="90000"/>
+              </a:lnSpc>
+              <a:buFont typeface="Arial" panose="020B0604020202020204" pitchFamily="34" charset="0"/>
+              <a:buChar char="•"/>
+            </a:pPr>
+            <a:endParaRPr lang="en-US" sz="2000" dirty="0">
+              <a:solidFill>
+                <a:srgbClr val="404040"/>
+              </a:solidFill>
+              <a:ea typeface="+mn-ea"/>
+              <a:cs typeface="+mn-cs"/>
+            </a:endParaRPr>
+          </a:p>
+          <a:p>
+            <a:pPr indent="-228600" defTabSz="914400" eaLnBrk="1" hangingPunct="1">
+              <a:lnSpc>
+                <a:spcPct val="90000"/>
+              </a:lnSpc>
+              <a:buFont typeface="Arial" panose="020B0604020202020204" pitchFamily="34" charset="0"/>
+              <a:buChar char="•"/>
+            </a:pPr>
+            <a:r>
+              <a:rPr lang="en-US" sz="2000" dirty="0">
+                <a:solidFill>
+                  <a:srgbClr val="404040"/>
+                </a:solidFill>
+                <a:ea typeface="+mn-ea"/>
+                <a:cs typeface="+mn-cs"/>
+              </a:rPr>
+              <a:t>Computer: We will actively use our laptops in every class.</a:t>
+            </a:r>
+          </a:p>
+          <a:p>
+            <a:pPr indent="-228600" defTabSz="914400" eaLnBrk="1" hangingPunct="1">
+              <a:lnSpc>
+                <a:spcPct val="90000"/>
+              </a:lnSpc>
+              <a:buFont typeface="Arial" panose="020B0604020202020204" pitchFamily="34" charset="0"/>
+              <a:buChar char="•"/>
+            </a:pPr>
+            <a:endParaRPr lang="en-US" sz="2000" dirty="0">
+              <a:solidFill>
+                <a:srgbClr val="404040"/>
+              </a:solidFill>
+              <a:ea typeface="+mn-ea"/>
+              <a:cs typeface="+mn-cs"/>
+            </a:endParaRPr>
+          </a:p>
+          <a:p>
+            <a:pPr indent="-228600" defTabSz="914400" eaLnBrk="1" hangingPunct="1">
+              <a:lnSpc>
+                <a:spcPct val="90000"/>
+              </a:lnSpc>
+              <a:buFont typeface="Arial" panose="020B0604020202020204" pitchFamily="34" charset="0"/>
+              <a:buChar char="•"/>
+            </a:pPr>
+            <a:r>
+              <a:rPr lang="en-US" sz="2000" dirty="0">
+                <a:solidFill>
+                  <a:srgbClr val="404040"/>
+                </a:solidFill>
+                <a:ea typeface="+mn-ea"/>
+                <a:cs typeface="+mn-cs"/>
+              </a:rPr>
+              <a:t>R and RStudio Installed and Operational</a:t>
+            </a:r>
+          </a:p>
+          <a:p>
+            <a:pPr indent="-228600" defTabSz="914400" eaLnBrk="1" hangingPunct="1">
+              <a:lnSpc>
+                <a:spcPct val="90000"/>
+              </a:lnSpc>
+              <a:buFont typeface="Arial" panose="020B0604020202020204" pitchFamily="34" charset="0"/>
+              <a:buChar char="•"/>
+            </a:pPr>
+            <a:endParaRPr lang="en-US" sz="2000" dirty="0">
+              <a:solidFill>
+                <a:srgbClr val="404040"/>
+              </a:solidFill>
+              <a:ea typeface="+mn-ea"/>
+              <a:cs typeface="+mn-cs"/>
+            </a:endParaRPr>
+          </a:p>
+          <a:p>
+            <a:pPr indent="-228600" defTabSz="914400" eaLnBrk="1" hangingPunct="1">
+              <a:lnSpc>
+                <a:spcPct val="90000"/>
+              </a:lnSpc>
+              <a:buFont typeface="Arial" panose="020B0604020202020204" pitchFamily="34" charset="0"/>
+              <a:buChar char="•"/>
+            </a:pPr>
+            <a:r>
+              <a:rPr lang="en-US" sz="2000" dirty="0">
+                <a:solidFill>
+                  <a:srgbClr val="404040"/>
+                </a:solidFill>
+                <a:ea typeface="+mn-ea"/>
+                <a:cs typeface="+mn-cs"/>
+              </a:rPr>
+              <a:t>High Tolerance for Pain and Agony</a:t>
+            </a:r>
+          </a:p>
+          <a:p>
+            <a:pPr indent="-228600" defTabSz="914400" eaLnBrk="1" hangingPunct="1">
+              <a:lnSpc>
+                <a:spcPct val="90000"/>
+              </a:lnSpc>
+              <a:buFont typeface="Arial" panose="020B0604020202020204" pitchFamily="34" charset="0"/>
+              <a:buChar char="•"/>
+            </a:pPr>
+            <a:endParaRPr lang="en-US" sz="2000" dirty="0">
+              <a:solidFill>
+                <a:srgbClr val="404040"/>
+              </a:solidFill>
+              <a:ea typeface="+mn-ea"/>
+              <a:cs typeface="+mn-cs"/>
+            </a:endParaRPr>
+          </a:p>
+          <a:p>
+            <a:pPr indent="-228600" defTabSz="914400" eaLnBrk="1" hangingPunct="1">
+              <a:lnSpc>
+                <a:spcPct val="90000"/>
+              </a:lnSpc>
+              <a:buFont typeface="Arial" panose="020B0604020202020204" pitchFamily="34" charset="0"/>
+              <a:buChar char="•"/>
+            </a:pPr>
+            <a:endParaRPr lang="en-US" sz="2000" dirty="0">
+              <a:solidFill>
+                <a:srgbClr val="404040"/>
+              </a:solidFill>
+              <a:ea typeface="+mn-ea"/>
+              <a:cs typeface="+mn-cs"/>
+            </a:endParaRPr>
+          </a:p>
+        </p:txBody>
+      </p:sp>
+      <p:pic>
+        <p:nvPicPr>
+          <p:cNvPr id="9" name="Picture 8">
+            <a:extLst>
+              <a:ext uri="{FF2B5EF4-FFF2-40B4-BE49-F238E27FC236}">
+                <a16:creationId xmlns:a16="http://schemas.microsoft.com/office/drawing/2014/main" id="{70DBB83D-72D1-4EAB-A3D4-690A260B9852}"/>
+              </a:ext>
+            </a:extLst>
+          </p:cNvPr>
+          <p:cNvPicPr>
+            <a:picLocks noChangeAspect="1"/>
+          </p:cNvPicPr>
+          <p:nvPr/>
+        </p:nvPicPr>
+        <p:blipFill>
+          <a:blip r:embed="rId4"/>
+          <a:stretch>
+            <a:fillRect/>
+          </a:stretch>
+        </p:blipFill>
+        <p:spPr>
+          <a:xfrm>
+            <a:off x="5410200" y="677786"/>
+            <a:ext cx="1918057" cy="2819400"/>
+          </a:xfrm>
+          <a:prstGeom prst="rect">
+            <a:avLst/>
+          </a:prstGeom>
+        </p:spPr>
+      </p:pic>
+    </p:spTree>
+    <p:custDataLst>
+      <p:tags r:id="rId1"/>
+    </p:custDataLst>
+    <p:extLst>
+      <p:ext uri="{BB962C8B-B14F-4D97-AF65-F5344CB8AC3E}">
+        <p14:creationId xmlns:p14="http://schemas.microsoft.com/office/powerpoint/2010/main" val="4288646050"/>
+      </p:ext>
+    </p:extLst>
+  </p:cSld>
+  <p:clrMapOvr>
+    <a:masterClrMapping/>
+  </p:clrMapOvr>
+</p:sld>
+</file>
+
+<file path=ppt/slides/slide6.xml><?xml version="1.0" encoding="utf-8"?>
+<p:sld xmlns:a="http://schemas.openxmlformats.org/drawingml/2006/main" xmlns:r="http://schemas.openxmlformats.org/officeDocument/2006/relationships" xmlns:p="http://schemas.openxmlformats.org/presentationml/2006/main">
+  <p:cSld>
+    <p:bg>
+      <p:bgPr>
+        <a:solidFill>
+          <a:schemeClr val="bg1">
+            <a:lumMod val="85000"/>
+          </a:schemeClr>
+        </a:solidFill>
+        <a:effectLst/>
+      </p:bgPr>
+    </p:bg>
+    <p:spTree>
+      <p:nvGrpSpPr>
+        <p:cNvPr id="1" name=""/>
+        <p:cNvGrpSpPr/>
+        <p:nvPr/>
+      </p:nvGrpSpPr>
+      <p:grpSpPr>
+        <a:xfrm>
+          <a:off x="0" y="0"/>
+          <a:ext cx="0" cy="0"/>
+          <a:chOff x="0" y="0"/>
+          <a:chExt cx="0" cy="0"/>
+        </a:xfrm>
+      </p:grpSpPr>
+      <p:sp>
+        <p:nvSpPr>
+          <p:cNvPr id="13" name="Rectangle 12">
+            <a:extLst>
+              <a:ext uri="{FF2B5EF4-FFF2-40B4-BE49-F238E27FC236}">
+                <a16:creationId xmlns:a16="http://schemas.microsoft.com/office/drawing/2014/main" id="{811ECB3D-F210-4362-9B3C-15DF813E9908}"/>
+              </a:ext>
+            </a:extLst>
+          </p:cNvPr>
+          <p:cNvSpPr/>
+          <p:nvPr/>
+        </p:nvSpPr>
+        <p:spPr>
+          <a:xfrm>
+            <a:off x="3875278" y="1219200"/>
+            <a:ext cx="5105400" cy="307777"/>
+          </a:xfrm>
+          <a:prstGeom prst="rect">
+            <a:avLst/>
+          </a:prstGeom>
+        </p:spPr>
+        <p:txBody>
+          <a:bodyPr wrap="square">
+            <a:spAutoFit/>
+          </a:bodyPr>
+          <a:lstStyle/>
+          <a:p>
+            <a:r>
+              <a:rPr lang="en-US" sz="1400" dirty="0">
+                <a:hlinkClick r:id="rId3"/>
+              </a:rPr>
+              <a:t>https://supermariogiacomazzo.github.io/STOR320_WEBSITE/</a:t>
+            </a:r>
+            <a:endParaRPr lang="en-US" sz="1400" dirty="0"/>
+          </a:p>
+        </p:txBody>
+      </p:sp>
+      <p:sp>
+        <p:nvSpPr>
+          <p:cNvPr id="15" name="Rectangle 12">
+            <a:extLst>
+              <a:ext uri="{FF2B5EF4-FFF2-40B4-BE49-F238E27FC236}">
+                <a16:creationId xmlns:a16="http://schemas.microsoft.com/office/drawing/2014/main" id="{867D4867-5BA7-4462-B2F6-A23F4A622AA7}"/>
+              </a:ext>
+              <a:ext uri="{C183D7F6-B498-43B3-948B-1728B52AA6E4}">
+                <adec:decorative xmlns:adec="http://schemas.microsoft.com/office/drawing/2017/decorative" val="1"/>
+              </a:ext>
+            </a:extLst>
+          </p:cNvPr>
+          <p:cNvSpPr>
+            <a:spLocks noGrp="1" noRot="1" noChangeAspect="1" noMove="1" noResize="1" noEditPoints="1" noAdjustHandles="1" noChangeArrowheads="1" noChangeShapeType="1" noTextEdit="1"/>
+          </p:cNvSpPr>
+          <p:nvPr>
+            <p:extLst>
+              <p:ext uri="{386F3935-93C4-4BCD-93E2-E3B085C9AB24}">
+                <p16:designElem xmlns:p16="http://schemas.microsoft.com/office/powerpoint/2015/main" val="1"/>
+              </p:ext>
+            </p:extLst>
+          </p:nvPr>
+        </p:nvSpPr>
+        <p:spPr>
+          <a:xfrm>
+            <a:off x="0" y="0"/>
+            <a:ext cx="3490722" cy="6858000"/>
+          </a:xfrm>
+          <a:prstGeom prst="rect">
+            <a:avLst/>
+          </a:prstGeom>
+          <a:solidFill>
+            <a:schemeClr val="tx1">
+              <a:lumMod val="75000"/>
+              <a:lumOff val="25000"/>
+            </a:schemeClr>
+          </a:solidFill>
+          <a:ln>
+            <a:noFill/>
+          </a:ln>
+        </p:spPr>
+        <p:style>
+          <a:lnRef idx="0">
+            <a:scrgbClr r="0" g="0" b="0"/>
+          </a:lnRef>
+          <a:fillRef idx="0">
+            <a:scrgbClr r="0" g="0" b="0"/>
+          </a:fillRef>
+          <a:effectRef idx="0">
+            <a:scrgbClr r="0" g="0" b="0"/>
+          </a:effectRef>
+          <a:fontRef idx="minor">
+            <a:schemeClr val="lt1"/>
+          </a:fontRef>
+        </p:style>
+        <p:txBody>
+          <a:bodyPr rtlCol="0" anchor="ctr"/>
+          <a:lstStyle/>
+          <a:p>
+            <a:pPr algn="ctr"/>
+            <a:endParaRPr lang="en-US"/>
+          </a:p>
+        </p:txBody>
+      </p:sp>
+      <p:sp>
+        <p:nvSpPr>
+          <p:cNvPr id="2" name="Title 1"/>
+          <p:cNvSpPr>
+            <a:spLocks noGrp="1"/>
+          </p:cNvSpPr>
+          <p:nvPr>
+            <p:ph type="title"/>
+          </p:nvPr>
+        </p:nvSpPr>
+        <p:spPr>
+          <a:xfrm>
+            <a:off x="482600" y="643467"/>
+            <a:ext cx="2522980" cy="1597315"/>
+          </a:xfrm>
+          <a:noFill/>
+          <a:ln w="19050">
+            <a:solidFill>
+              <a:schemeClr val="bg1"/>
+            </a:solidFill>
+          </a:ln>
+        </p:spPr>
+        <p:txBody>
+          <a:bodyPr vert="horz" wrap="square" lIns="91440" tIns="45720" rIns="91440" bIns="45720" rtlCol="0" anchor="ctr">
+            <a:normAutofit/>
+          </a:bodyPr>
+          <a:lstStyle/>
+          <a:p>
+            <a:pPr defTabSz="914400" eaLnBrk="1" hangingPunct="1">
+              <a:lnSpc>
+                <a:spcPct val="90000"/>
+              </a:lnSpc>
+            </a:pPr>
+            <a:r>
+              <a:rPr lang="en-US" sz="2400" kern="1200" dirty="0">
+                <a:solidFill>
+                  <a:schemeClr val="bg1"/>
+                </a:solidFill>
+                <a:latin typeface="+mj-lt"/>
+                <a:ea typeface="+mj-ea"/>
+                <a:cs typeface="+mj-cs"/>
+              </a:rPr>
+              <a:t>What will </a:t>
+            </a:r>
+            <a:r>
+              <a:rPr lang="en-US" sz="2400" dirty="0">
+                <a:solidFill>
+                  <a:schemeClr val="bg1"/>
+                </a:solidFill>
+                <a:ea typeface="+mj-ea"/>
+                <a:cs typeface="+mj-cs"/>
+              </a:rPr>
+              <a:t>We Do?</a:t>
+            </a:r>
+            <a:endParaRPr lang="en-US" sz="2400" kern="1200" dirty="0">
+              <a:solidFill>
+                <a:schemeClr val="bg1"/>
+              </a:solidFill>
+              <a:latin typeface="+mj-lt"/>
+              <a:ea typeface="+mj-ea"/>
+              <a:cs typeface="+mj-cs"/>
+            </a:endParaRPr>
+          </a:p>
+        </p:txBody>
+      </p:sp>
+      <p:pic>
+        <p:nvPicPr>
+          <p:cNvPr id="8" name="Picture 7">
+            <a:extLst>
+              <a:ext uri="{FF2B5EF4-FFF2-40B4-BE49-F238E27FC236}">
+                <a16:creationId xmlns:a16="http://schemas.microsoft.com/office/drawing/2014/main" id="{521D4292-9ECC-4DA5-8CC0-C561A0DA118E}"/>
+              </a:ext>
+            </a:extLst>
+          </p:cNvPr>
+          <p:cNvPicPr>
+            <a:picLocks noChangeAspect="1"/>
+          </p:cNvPicPr>
+          <p:nvPr/>
+        </p:nvPicPr>
+        <p:blipFill rotWithShape="1">
+          <a:blip r:embed="rId4"/>
+          <a:srcRect l="8000" r="9400"/>
+          <a:stretch/>
+        </p:blipFill>
+        <p:spPr>
+          <a:xfrm>
+            <a:off x="660103" y="3048000"/>
+            <a:ext cx="2167974" cy="2624666"/>
+          </a:xfrm>
+          <a:prstGeom prst="rect">
+            <a:avLst/>
+          </a:prstGeom>
+          <a:noFill/>
+        </p:spPr>
+      </p:pic>
+      <p:sp>
+        <p:nvSpPr>
+          <p:cNvPr id="7" name="Content Placeholder 2">
+            <a:extLst>
+              <a:ext uri="{FF2B5EF4-FFF2-40B4-BE49-F238E27FC236}">
+                <a16:creationId xmlns:a16="http://schemas.microsoft.com/office/drawing/2014/main" id="{8FE51533-15BE-453E-90FE-08298901BC34}"/>
+              </a:ext>
+            </a:extLst>
+          </p:cNvPr>
+          <p:cNvSpPr txBox="1">
+            <a:spLocks/>
+          </p:cNvSpPr>
+          <p:nvPr/>
+        </p:nvSpPr>
+        <p:spPr bwMode="auto">
+          <a:xfrm>
+            <a:off x="3810000" y="643466"/>
+            <a:ext cx="4851400" cy="5833533"/>
+          </a:xfrm>
+          <a:prstGeom prst="rect">
+            <a:avLst/>
+          </a:prstGeom>
+        </p:spPr>
+        <p:txBody>
+          <a:bodyPr vert="horz" lIns="91440" tIns="45720" rIns="91440" bIns="45720" numCol="1" rtlCol="0" anchorCtr="0" compatLnSpc="1">
+            <a:prstTxWarp prst="textNoShape">
+              <a:avLst/>
+            </a:prstTxWarp>
+            <a:noAutofit/>
+          </a:bodyPr>
+          <a:lstStyle>
+            <a:lvl1pPr marL="342900" indent="-342900" algn="l" defTabSz="457200" rtl="0" eaLnBrk="0" fontAlgn="base" hangingPunct="0">
+              <a:spcBef>
+                <a:spcPct val="20000"/>
+              </a:spcBef>
+              <a:spcAft>
+                <a:spcPct val="0"/>
+              </a:spcAft>
+              <a:buFont typeface="Arial" charset="0"/>
+              <a:buChar char="•"/>
+              <a:defRPr sz="3200" kern="1200">
+                <a:solidFill>
+                  <a:schemeClr val="tx1"/>
+                </a:solidFill>
+                <a:latin typeface="+mn-lt"/>
+                <a:ea typeface="ＭＳ Ｐゴシック" pitchFamily="-109" charset="-128"/>
+                <a:cs typeface="ＭＳ Ｐゴシック" pitchFamily="-109" charset="-128"/>
+              </a:defRPr>
+            </a:lvl1pPr>
+            <a:lvl2pPr marL="742950" indent="-285750" algn="l" defTabSz="457200" rtl="0" eaLnBrk="0" fontAlgn="base" hangingPunct="0">
+              <a:spcBef>
+                <a:spcPct val="20000"/>
+              </a:spcBef>
+              <a:spcAft>
+                <a:spcPct val="0"/>
+              </a:spcAft>
+              <a:buFont typeface="Arial" charset="0"/>
+              <a:buChar char="–"/>
+              <a:defRPr sz="2800" kern="1200">
+                <a:solidFill>
+                  <a:schemeClr val="tx1"/>
+                </a:solidFill>
+                <a:latin typeface="+mn-lt"/>
+                <a:ea typeface="ＭＳ Ｐゴシック" pitchFamily="-109" charset="-128"/>
+                <a:cs typeface="+mn-cs"/>
+              </a:defRPr>
+            </a:lvl2pPr>
+            <a:lvl3pPr marL="1143000" indent="-228600" algn="l" defTabSz="457200" rtl="0" eaLnBrk="0" fontAlgn="base" hangingPunct="0">
+              <a:spcBef>
+                <a:spcPct val="20000"/>
+              </a:spcBef>
+              <a:spcAft>
+                <a:spcPct val="0"/>
+              </a:spcAft>
+              <a:buFont typeface="Arial" charset="0"/>
+              <a:buChar char="•"/>
+              <a:defRPr sz="2400" kern="1200">
+                <a:solidFill>
+                  <a:schemeClr val="tx1"/>
+                </a:solidFill>
+                <a:latin typeface="+mn-lt"/>
+                <a:ea typeface="ＭＳ Ｐゴシック" pitchFamily="-109" charset="-128"/>
+                <a:cs typeface="+mn-cs"/>
+              </a:defRPr>
+            </a:lvl3pPr>
+            <a:lvl4pPr marL="1600200" indent="-228600" algn="l" defTabSz="457200" rtl="0" eaLnBrk="0" fontAlgn="base" hangingPunct="0">
+              <a:spcBef>
+                <a:spcPct val="20000"/>
+              </a:spcBef>
+              <a:spcAft>
+                <a:spcPct val="0"/>
+              </a:spcAft>
+              <a:buFont typeface="Arial" charset="0"/>
+              <a:buChar char="–"/>
+              <a:defRPr sz="2000" kern="1200">
+                <a:solidFill>
+                  <a:schemeClr val="tx1"/>
+                </a:solidFill>
+                <a:latin typeface="+mn-lt"/>
+                <a:ea typeface="ＭＳ Ｐゴシック" pitchFamily="-109" charset="-128"/>
+                <a:cs typeface="+mn-cs"/>
+              </a:defRPr>
+            </a:lvl4pPr>
+            <a:lvl5pPr marL="2057400" indent="-228600" algn="l" defTabSz="457200" rtl="0" eaLnBrk="0" fontAlgn="base" hangingPunct="0">
+              <a:spcBef>
+                <a:spcPct val="20000"/>
+              </a:spcBef>
+              <a:spcAft>
+                <a:spcPct val="0"/>
+              </a:spcAft>
+              <a:buFont typeface="Arial" charset="0"/>
+              <a:buChar char="»"/>
+              <a:defRPr sz="2000" kern="1200">
+                <a:solidFill>
+                  <a:schemeClr val="tx1"/>
+                </a:solidFill>
+                <a:latin typeface="+mn-lt"/>
+                <a:ea typeface="ＭＳ Ｐゴシック" pitchFamily="-109" charset="-128"/>
+                <a:cs typeface="+mn-cs"/>
+              </a:defRPr>
+            </a:lvl5pPr>
+            <a:lvl6pPr marL="2514600" indent="-228600" algn="l" defTabSz="457200" rtl="0" eaLnBrk="1" latinLnBrk="0" hangingPunct="1">
+              <a:spcBef>
+                <a:spcPct val="20000"/>
+              </a:spcBef>
+              <a:buFont typeface="Arial"/>
+              <a:buChar char="•"/>
+              <a:defRPr sz="2000" kern="1200">
+                <a:solidFill>
+                  <a:schemeClr val="tx1"/>
+                </a:solidFill>
+                <a:latin typeface="+mn-lt"/>
+                <a:ea typeface="+mn-ea"/>
+                <a:cs typeface="+mn-cs"/>
+              </a:defRPr>
+            </a:lvl6pPr>
+            <a:lvl7pPr marL="2971800" indent="-228600" algn="l" defTabSz="457200" rtl="0" eaLnBrk="1" latinLnBrk="0" hangingPunct="1">
+              <a:spcBef>
+                <a:spcPct val="20000"/>
+              </a:spcBef>
+              <a:buFont typeface="Arial"/>
+              <a:buChar char="•"/>
+              <a:defRPr sz="2000" kern="1200">
+                <a:solidFill>
+                  <a:schemeClr val="tx1"/>
+                </a:solidFill>
+                <a:latin typeface="+mn-lt"/>
+                <a:ea typeface="+mn-ea"/>
+                <a:cs typeface="+mn-cs"/>
+              </a:defRPr>
+            </a:lvl7pPr>
+            <a:lvl8pPr marL="3429000" indent="-228600" algn="l" defTabSz="457200" rtl="0" eaLnBrk="1" latinLnBrk="0" hangingPunct="1">
+              <a:spcBef>
+                <a:spcPct val="20000"/>
+              </a:spcBef>
+              <a:buFont typeface="Arial"/>
+              <a:buChar char="•"/>
+              <a:defRPr sz="2000" kern="1200">
+                <a:solidFill>
+                  <a:schemeClr val="tx1"/>
+                </a:solidFill>
+                <a:latin typeface="+mn-lt"/>
+                <a:ea typeface="+mn-ea"/>
+                <a:cs typeface="+mn-cs"/>
+              </a:defRPr>
+            </a:lvl8pPr>
+            <a:lvl9pPr marL="3886200" indent="-228600" algn="l" defTabSz="457200" rtl="0" eaLnBrk="1" latinLnBrk="0" hangingPunct="1">
+              <a:spcBef>
+                <a:spcPct val="20000"/>
+              </a:spcBef>
+              <a:buFont typeface="Arial"/>
+              <a:buChar char="•"/>
+              <a:defRPr sz="2000" kern="1200">
+                <a:solidFill>
+                  <a:schemeClr val="tx1"/>
+                </a:solidFill>
+                <a:latin typeface="+mn-lt"/>
+                <a:ea typeface="+mn-ea"/>
+                <a:cs typeface="+mn-cs"/>
+              </a:defRPr>
+            </a:lvl9pPr>
+          </a:lstStyle>
+          <a:p>
+            <a:pPr indent="-228600" defTabSz="914400" eaLnBrk="1" hangingPunct="1">
+              <a:lnSpc>
+                <a:spcPct val="90000"/>
+              </a:lnSpc>
+              <a:buFont typeface="Arial" panose="020B0604020202020204" pitchFamily="34" charset="0"/>
+              <a:buChar char="•"/>
+            </a:pPr>
+            <a:endParaRPr lang="en-US" sz="2000" dirty="0">
+              <a:solidFill>
+                <a:srgbClr val="404040"/>
+              </a:solidFill>
+              <a:ea typeface="+mn-ea"/>
+              <a:cs typeface="+mn-cs"/>
+            </a:endParaRPr>
+          </a:p>
+          <a:p>
+            <a:pPr indent="-228600" defTabSz="914400" eaLnBrk="1" hangingPunct="1">
+              <a:lnSpc>
+                <a:spcPct val="90000"/>
+              </a:lnSpc>
+              <a:buFont typeface="Arial" panose="020B0604020202020204" pitchFamily="34" charset="0"/>
+              <a:buChar char="•"/>
+            </a:pPr>
+            <a:endParaRPr lang="en-US" sz="2000" dirty="0">
+              <a:solidFill>
+                <a:srgbClr val="404040"/>
+              </a:solidFill>
+              <a:ea typeface="+mn-ea"/>
+              <a:cs typeface="+mn-cs"/>
+            </a:endParaRPr>
+          </a:p>
+        </p:txBody>
+      </p:sp>
+      <p:sp>
+        <p:nvSpPr>
+          <p:cNvPr id="10" name="Content Placeholder 2">
+            <a:extLst>
+              <a:ext uri="{FF2B5EF4-FFF2-40B4-BE49-F238E27FC236}">
+                <a16:creationId xmlns:a16="http://schemas.microsoft.com/office/drawing/2014/main" id="{10754C74-871F-42E2-A79F-10B9CCA16CD5}"/>
+              </a:ext>
+            </a:extLst>
+          </p:cNvPr>
+          <p:cNvSpPr txBox="1">
+            <a:spLocks/>
+          </p:cNvSpPr>
+          <p:nvPr/>
+        </p:nvSpPr>
+        <p:spPr bwMode="auto">
+          <a:xfrm>
+            <a:off x="3962400" y="795866"/>
+            <a:ext cx="4851400" cy="5833533"/>
+          </a:xfrm>
+          <a:prstGeom prst="rect">
+            <a:avLst/>
+          </a:prstGeom>
+        </p:spPr>
+        <p:txBody>
+          <a:bodyPr vert="horz" lIns="91440" tIns="45720" rIns="91440" bIns="45720" numCol="1" rtlCol="0" anchorCtr="0" compatLnSpc="1">
+            <a:prstTxWarp prst="textNoShape">
+              <a:avLst/>
+            </a:prstTxWarp>
+            <a:noAutofit/>
+          </a:bodyPr>
+          <a:lstStyle>
+            <a:lvl1pPr marL="342900" indent="-342900" algn="l" defTabSz="457200" rtl="0" eaLnBrk="0" fontAlgn="base" hangingPunct="0">
+              <a:spcBef>
+                <a:spcPct val="20000"/>
+              </a:spcBef>
+              <a:spcAft>
+                <a:spcPct val="0"/>
+              </a:spcAft>
+              <a:buFont typeface="Arial" charset="0"/>
+              <a:buChar char="•"/>
+              <a:defRPr sz="3200" kern="1200">
+                <a:solidFill>
+                  <a:schemeClr val="tx1"/>
+                </a:solidFill>
+                <a:latin typeface="+mn-lt"/>
+                <a:ea typeface="ＭＳ Ｐゴシック" pitchFamily="-109" charset="-128"/>
+                <a:cs typeface="ＭＳ Ｐゴシック" pitchFamily="-109" charset="-128"/>
+              </a:defRPr>
+            </a:lvl1pPr>
+            <a:lvl2pPr marL="742950" indent="-285750" algn="l" defTabSz="457200" rtl="0" eaLnBrk="0" fontAlgn="base" hangingPunct="0">
+              <a:spcBef>
+                <a:spcPct val="20000"/>
+              </a:spcBef>
+              <a:spcAft>
+                <a:spcPct val="0"/>
+              </a:spcAft>
+              <a:buFont typeface="Arial" charset="0"/>
+              <a:buChar char="–"/>
+              <a:defRPr sz="2800" kern="1200">
+                <a:solidFill>
+                  <a:schemeClr val="tx1"/>
+                </a:solidFill>
+                <a:latin typeface="+mn-lt"/>
+                <a:ea typeface="ＭＳ Ｐゴシック" pitchFamily="-109" charset="-128"/>
+                <a:cs typeface="+mn-cs"/>
+              </a:defRPr>
+            </a:lvl2pPr>
+            <a:lvl3pPr marL="1143000" indent="-228600" algn="l" defTabSz="457200" rtl="0" eaLnBrk="0" fontAlgn="base" hangingPunct="0">
+              <a:spcBef>
+                <a:spcPct val="20000"/>
+              </a:spcBef>
+              <a:spcAft>
+                <a:spcPct val="0"/>
+              </a:spcAft>
+              <a:buFont typeface="Arial" charset="0"/>
+              <a:buChar char="•"/>
+              <a:defRPr sz="2400" kern="1200">
+                <a:solidFill>
+                  <a:schemeClr val="tx1"/>
+                </a:solidFill>
+                <a:latin typeface="+mn-lt"/>
+                <a:ea typeface="ＭＳ Ｐゴシック" pitchFamily="-109" charset="-128"/>
+                <a:cs typeface="+mn-cs"/>
+              </a:defRPr>
+            </a:lvl3pPr>
+            <a:lvl4pPr marL="1600200" indent="-228600" algn="l" defTabSz="457200" rtl="0" eaLnBrk="0" fontAlgn="base" hangingPunct="0">
+              <a:spcBef>
+                <a:spcPct val="20000"/>
+              </a:spcBef>
+              <a:spcAft>
+                <a:spcPct val="0"/>
+              </a:spcAft>
+              <a:buFont typeface="Arial" charset="0"/>
+              <a:buChar char="–"/>
+              <a:defRPr sz="2000" kern="1200">
+                <a:solidFill>
+                  <a:schemeClr val="tx1"/>
+                </a:solidFill>
+                <a:latin typeface="+mn-lt"/>
+                <a:ea typeface="ＭＳ Ｐゴシック" pitchFamily="-109" charset="-128"/>
+                <a:cs typeface="+mn-cs"/>
+              </a:defRPr>
+            </a:lvl4pPr>
+            <a:lvl5pPr marL="2057400" indent="-228600" algn="l" defTabSz="457200" rtl="0" eaLnBrk="0" fontAlgn="base" hangingPunct="0">
+              <a:spcBef>
+                <a:spcPct val="20000"/>
+              </a:spcBef>
+              <a:spcAft>
+                <a:spcPct val="0"/>
+              </a:spcAft>
+              <a:buFont typeface="Arial" charset="0"/>
+              <a:buChar char="»"/>
+              <a:defRPr sz="2000" kern="1200">
+                <a:solidFill>
+                  <a:schemeClr val="tx1"/>
+                </a:solidFill>
+                <a:latin typeface="+mn-lt"/>
+                <a:ea typeface="ＭＳ Ｐゴシック" pitchFamily="-109" charset="-128"/>
+                <a:cs typeface="+mn-cs"/>
+              </a:defRPr>
+            </a:lvl5pPr>
+            <a:lvl6pPr marL="2514600" indent="-228600" algn="l" defTabSz="457200" rtl="0" eaLnBrk="1" latinLnBrk="0" hangingPunct="1">
+              <a:spcBef>
+                <a:spcPct val="20000"/>
+              </a:spcBef>
+              <a:buFont typeface="Arial"/>
+              <a:buChar char="•"/>
+              <a:defRPr sz="2000" kern="1200">
+                <a:solidFill>
+                  <a:schemeClr val="tx1"/>
+                </a:solidFill>
+                <a:latin typeface="+mn-lt"/>
+                <a:ea typeface="+mn-ea"/>
+                <a:cs typeface="+mn-cs"/>
+              </a:defRPr>
+            </a:lvl6pPr>
+            <a:lvl7pPr marL="2971800" indent="-228600" algn="l" defTabSz="457200" rtl="0" eaLnBrk="1" latinLnBrk="0" hangingPunct="1">
+              <a:spcBef>
+                <a:spcPct val="20000"/>
+              </a:spcBef>
+              <a:buFont typeface="Arial"/>
+              <a:buChar char="•"/>
+              <a:defRPr sz="2000" kern="1200">
+                <a:solidFill>
+                  <a:schemeClr val="tx1"/>
+                </a:solidFill>
+                <a:latin typeface="+mn-lt"/>
+                <a:ea typeface="+mn-ea"/>
+                <a:cs typeface="+mn-cs"/>
+              </a:defRPr>
+            </a:lvl7pPr>
+            <a:lvl8pPr marL="3429000" indent="-228600" algn="l" defTabSz="457200" rtl="0" eaLnBrk="1" latinLnBrk="0" hangingPunct="1">
+              <a:spcBef>
+                <a:spcPct val="20000"/>
+              </a:spcBef>
+              <a:buFont typeface="Arial"/>
+              <a:buChar char="•"/>
+              <a:defRPr sz="2000" kern="1200">
+                <a:solidFill>
+                  <a:schemeClr val="tx1"/>
+                </a:solidFill>
+                <a:latin typeface="+mn-lt"/>
+                <a:ea typeface="+mn-ea"/>
+                <a:cs typeface="+mn-cs"/>
+              </a:defRPr>
+            </a:lvl8pPr>
+            <a:lvl9pPr marL="3886200" indent="-228600" algn="l" defTabSz="457200" rtl="0" eaLnBrk="1" latinLnBrk="0" hangingPunct="1">
+              <a:spcBef>
+                <a:spcPct val="20000"/>
+              </a:spcBef>
+              <a:buFont typeface="Arial"/>
+              <a:buChar char="•"/>
+              <a:defRPr sz="2000" kern="1200">
+                <a:solidFill>
+                  <a:schemeClr val="tx1"/>
+                </a:solidFill>
+                <a:latin typeface="+mn-lt"/>
+                <a:ea typeface="+mn-ea"/>
+                <a:cs typeface="+mn-cs"/>
+              </a:defRPr>
+            </a:lvl9pPr>
+          </a:lstStyle>
+          <a:p>
+            <a:pPr indent="-228600" defTabSz="914400" eaLnBrk="1" hangingPunct="1">
+              <a:lnSpc>
+                <a:spcPct val="90000"/>
+              </a:lnSpc>
+              <a:buFont typeface="Arial" panose="020B0604020202020204" pitchFamily="34" charset="0"/>
+              <a:buChar char="•"/>
+            </a:pPr>
+            <a:r>
+              <a:rPr lang="en-US" sz="2000" dirty="0">
+                <a:solidFill>
+                  <a:srgbClr val="404040"/>
+                </a:solidFill>
+                <a:ea typeface="+mn-ea"/>
+                <a:cs typeface="+mn-cs"/>
+              </a:rPr>
+              <a:t>Course Website and Syllabus</a:t>
+            </a:r>
+          </a:p>
+          <a:p>
+            <a:pPr indent="-228600" defTabSz="914400" eaLnBrk="1" hangingPunct="1">
+              <a:lnSpc>
+                <a:spcPct val="90000"/>
+              </a:lnSpc>
+              <a:buFont typeface="Arial" panose="020B0604020202020204" pitchFamily="34" charset="0"/>
+              <a:buChar char="•"/>
+            </a:pPr>
+            <a:endParaRPr lang="en-US" sz="2000" dirty="0">
+              <a:solidFill>
+                <a:srgbClr val="404040"/>
+              </a:solidFill>
+              <a:ea typeface="+mn-ea"/>
+              <a:cs typeface="+mn-cs"/>
+            </a:endParaRPr>
+          </a:p>
+          <a:p>
+            <a:pPr indent="-228600" defTabSz="914400" eaLnBrk="1" hangingPunct="1">
+              <a:lnSpc>
+                <a:spcPct val="90000"/>
+              </a:lnSpc>
+              <a:buFont typeface="Arial" panose="020B0604020202020204" pitchFamily="34" charset="0"/>
+              <a:buChar char="•"/>
+            </a:pPr>
+            <a:endParaRPr lang="en-US" sz="2000" dirty="0">
+              <a:solidFill>
+                <a:srgbClr val="404040"/>
+              </a:solidFill>
+              <a:ea typeface="+mn-ea"/>
+              <a:cs typeface="+mn-cs"/>
+            </a:endParaRPr>
+          </a:p>
+          <a:p>
+            <a:pPr indent="-228600" defTabSz="914400" eaLnBrk="1" hangingPunct="1">
+              <a:lnSpc>
+                <a:spcPct val="90000"/>
+              </a:lnSpc>
+              <a:buFont typeface="Arial" panose="020B0604020202020204" pitchFamily="34" charset="0"/>
+              <a:buChar char="•"/>
+            </a:pPr>
+            <a:endParaRPr lang="en-US" sz="2000" dirty="0">
+              <a:solidFill>
+                <a:srgbClr val="404040"/>
+              </a:solidFill>
+              <a:ea typeface="+mn-ea"/>
+              <a:cs typeface="+mn-cs"/>
+            </a:endParaRPr>
+          </a:p>
+          <a:p>
+            <a:pPr indent="-228600" defTabSz="914400" eaLnBrk="1" hangingPunct="1">
+              <a:lnSpc>
+                <a:spcPct val="90000"/>
+              </a:lnSpc>
+              <a:buFont typeface="Arial" panose="020B0604020202020204" pitchFamily="34" charset="0"/>
+              <a:buChar char="•"/>
+            </a:pPr>
+            <a:endParaRPr lang="en-US" sz="2000" dirty="0">
+              <a:solidFill>
+                <a:srgbClr val="404040"/>
+              </a:solidFill>
+              <a:ea typeface="+mn-ea"/>
+              <a:cs typeface="+mn-cs"/>
+            </a:endParaRPr>
+          </a:p>
+          <a:p>
+            <a:pPr indent="-228600" defTabSz="914400" eaLnBrk="1" hangingPunct="1">
+              <a:lnSpc>
+                <a:spcPct val="90000"/>
+              </a:lnSpc>
+              <a:buFont typeface="Arial" panose="020B0604020202020204" pitchFamily="34" charset="0"/>
+              <a:buChar char="•"/>
+            </a:pPr>
+            <a:endParaRPr lang="en-US" sz="1600" dirty="0">
+              <a:solidFill>
+                <a:srgbClr val="404040"/>
+              </a:solidFill>
+              <a:ea typeface="+mn-ea"/>
+              <a:cs typeface="+mn-cs"/>
+            </a:endParaRPr>
+          </a:p>
+          <a:p>
+            <a:pPr marL="114300" indent="0" defTabSz="914400" eaLnBrk="1" hangingPunct="1">
+              <a:lnSpc>
+                <a:spcPct val="90000"/>
+              </a:lnSpc>
+              <a:buNone/>
+            </a:pPr>
+            <a:endParaRPr lang="en-US" sz="2000" dirty="0">
+              <a:solidFill>
+                <a:srgbClr val="404040"/>
+              </a:solidFill>
+              <a:ea typeface="+mn-ea"/>
+              <a:cs typeface="+mn-cs"/>
+            </a:endParaRPr>
+          </a:p>
+          <a:p>
+            <a:pPr indent="-228600" defTabSz="914400" eaLnBrk="1" hangingPunct="1">
+              <a:lnSpc>
+                <a:spcPct val="90000"/>
+              </a:lnSpc>
+              <a:buFont typeface="Arial" panose="020B0604020202020204" pitchFamily="34" charset="0"/>
+              <a:buChar char="•"/>
+            </a:pPr>
+            <a:endParaRPr lang="en-US" sz="2000" dirty="0">
+              <a:solidFill>
+                <a:srgbClr val="404040"/>
+              </a:solidFill>
+              <a:ea typeface="+mn-ea"/>
+              <a:cs typeface="+mn-cs"/>
+            </a:endParaRPr>
+          </a:p>
+          <a:p>
+            <a:pPr indent="-228600" defTabSz="914400" eaLnBrk="1" hangingPunct="1">
+              <a:lnSpc>
+                <a:spcPct val="90000"/>
+              </a:lnSpc>
+              <a:buFont typeface="Arial" panose="020B0604020202020204" pitchFamily="34" charset="0"/>
+              <a:buChar char="•"/>
+            </a:pPr>
+            <a:endParaRPr lang="en-US" sz="2000" dirty="0">
+              <a:solidFill>
+                <a:srgbClr val="404040"/>
+              </a:solidFill>
+              <a:ea typeface="+mn-ea"/>
+              <a:cs typeface="+mn-cs"/>
+            </a:endParaRPr>
+          </a:p>
+          <a:p>
+            <a:pPr indent="-228600" defTabSz="914400" eaLnBrk="1" hangingPunct="1">
+              <a:lnSpc>
+                <a:spcPct val="90000"/>
+              </a:lnSpc>
+              <a:buFont typeface="Arial" panose="020B0604020202020204" pitchFamily="34" charset="0"/>
+              <a:buChar char="•"/>
+            </a:pPr>
+            <a:endParaRPr lang="en-US" sz="2000" dirty="0">
+              <a:solidFill>
+                <a:srgbClr val="404040"/>
+              </a:solidFill>
+              <a:ea typeface="+mn-ea"/>
+              <a:cs typeface="+mn-cs"/>
+            </a:endParaRPr>
+          </a:p>
+          <a:p>
+            <a:pPr indent="-228600" defTabSz="914400" eaLnBrk="1" hangingPunct="1">
+              <a:lnSpc>
+                <a:spcPct val="90000"/>
+              </a:lnSpc>
+              <a:buFont typeface="Arial" panose="020B0604020202020204" pitchFamily="34" charset="0"/>
+              <a:buChar char="•"/>
+            </a:pPr>
+            <a:endParaRPr lang="en-US" sz="2000" dirty="0">
+              <a:solidFill>
+                <a:srgbClr val="404040"/>
+              </a:solidFill>
+              <a:ea typeface="+mn-ea"/>
+              <a:cs typeface="+mn-cs"/>
+            </a:endParaRPr>
+          </a:p>
+          <a:p>
+            <a:pPr indent="-228600" defTabSz="914400" eaLnBrk="1" hangingPunct="1">
+              <a:lnSpc>
+                <a:spcPct val="90000"/>
+              </a:lnSpc>
+              <a:buFont typeface="Arial" panose="020B0604020202020204" pitchFamily="34" charset="0"/>
+              <a:buChar char="•"/>
+            </a:pPr>
+            <a:endParaRPr lang="en-US" sz="2000" dirty="0">
+              <a:solidFill>
+                <a:srgbClr val="404040"/>
+              </a:solidFill>
+              <a:ea typeface="+mn-ea"/>
+              <a:cs typeface="+mn-cs"/>
+            </a:endParaRPr>
+          </a:p>
+          <a:p>
+            <a:pPr indent="-228600" defTabSz="914400" eaLnBrk="1" hangingPunct="1">
+              <a:lnSpc>
+                <a:spcPct val="90000"/>
+              </a:lnSpc>
+              <a:buFont typeface="Arial" panose="020B0604020202020204" pitchFamily="34" charset="0"/>
+              <a:buChar char="•"/>
+            </a:pPr>
+            <a:endParaRPr lang="en-US" sz="2000" dirty="0">
+              <a:solidFill>
+                <a:srgbClr val="404040"/>
+              </a:solidFill>
+              <a:ea typeface="+mn-ea"/>
+              <a:cs typeface="+mn-cs"/>
+            </a:endParaRPr>
+          </a:p>
+          <a:p>
+            <a:pPr indent="-228600" defTabSz="914400" eaLnBrk="1" hangingPunct="1">
+              <a:lnSpc>
+                <a:spcPct val="90000"/>
+              </a:lnSpc>
+              <a:buFont typeface="Arial" panose="020B0604020202020204" pitchFamily="34" charset="0"/>
+              <a:buChar char="•"/>
+            </a:pPr>
+            <a:r>
+              <a:rPr lang="en-US" sz="2000" dirty="0">
+                <a:solidFill>
+                  <a:srgbClr val="404040"/>
+                </a:solidFill>
+                <a:ea typeface="+mn-ea"/>
+                <a:cs typeface="+mn-cs"/>
+              </a:rPr>
+              <a:t>Computer: We will actively use our laptops in every class.</a:t>
+            </a:r>
+          </a:p>
+          <a:p>
+            <a:pPr indent="-228600" defTabSz="914400" eaLnBrk="1" hangingPunct="1">
+              <a:lnSpc>
+                <a:spcPct val="90000"/>
+              </a:lnSpc>
+              <a:buFont typeface="Arial" panose="020B0604020202020204" pitchFamily="34" charset="0"/>
+              <a:buChar char="•"/>
+            </a:pPr>
+            <a:endParaRPr lang="en-US" sz="2000" dirty="0">
+              <a:solidFill>
+                <a:srgbClr val="404040"/>
+              </a:solidFill>
+              <a:ea typeface="+mn-ea"/>
+              <a:cs typeface="+mn-cs"/>
+            </a:endParaRPr>
+          </a:p>
+          <a:p>
+            <a:pPr indent="-228600" defTabSz="914400" eaLnBrk="1" hangingPunct="1">
+              <a:lnSpc>
+                <a:spcPct val="90000"/>
+              </a:lnSpc>
+              <a:buFont typeface="Arial" panose="020B0604020202020204" pitchFamily="34" charset="0"/>
+              <a:buChar char="•"/>
+            </a:pPr>
+            <a:r>
+              <a:rPr lang="en-US" sz="2000" dirty="0">
+                <a:solidFill>
+                  <a:srgbClr val="404040"/>
+                </a:solidFill>
+                <a:ea typeface="+mn-ea"/>
+                <a:cs typeface="+mn-cs"/>
+              </a:rPr>
+              <a:t>R and RStudio Installed and Operational</a:t>
+            </a:r>
+          </a:p>
+          <a:p>
+            <a:pPr indent="-228600" defTabSz="914400" eaLnBrk="1" hangingPunct="1">
+              <a:lnSpc>
+                <a:spcPct val="90000"/>
+              </a:lnSpc>
+              <a:buFont typeface="Arial" panose="020B0604020202020204" pitchFamily="34" charset="0"/>
+              <a:buChar char="•"/>
+            </a:pPr>
+            <a:endParaRPr lang="en-US" sz="2000" dirty="0">
+              <a:solidFill>
+                <a:srgbClr val="404040"/>
+              </a:solidFill>
+              <a:ea typeface="+mn-ea"/>
+              <a:cs typeface="+mn-cs"/>
+            </a:endParaRPr>
+          </a:p>
+          <a:p>
+            <a:pPr indent="-228600" defTabSz="914400" eaLnBrk="1" hangingPunct="1">
+              <a:lnSpc>
+                <a:spcPct val="90000"/>
+              </a:lnSpc>
+              <a:buFont typeface="Arial" panose="020B0604020202020204" pitchFamily="34" charset="0"/>
+              <a:buChar char="•"/>
+            </a:pPr>
+            <a:r>
+              <a:rPr lang="en-US" sz="2000" dirty="0">
+                <a:solidFill>
+                  <a:srgbClr val="404040"/>
+                </a:solidFill>
+                <a:ea typeface="+mn-ea"/>
+                <a:cs typeface="+mn-cs"/>
+              </a:rPr>
+              <a:t>High Tolerance for Pain and Agony</a:t>
+            </a:r>
+          </a:p>
+          <a:p>
+            <a:pPr indent="-228600" defTabSz="914400" eaLnBrk="1" hangingPunct="1">
+              <a:lnSpc>
+                <a:spcPct val="90000"/>
+              </a:lnSpc>
+              <a:buFont typeface="Arial" panose="020B0604020202020204" pitchFamily="34" charset="0"/>
+              <a:buChar char="•"/>
+            </a:pPr>
+            <a:endParaRPr lang="en-US" sz="2000" dirty="0">
+              <a:solidFill>
+                <a:srgbClr val="404040"/>
+              </a:solidFill>
+              <a:ea typeface="+mn-ea"/>
+              <a:cs typeface="+mn-cs"/>
+            </a:endParaRPr>
+          </a:p>
+          <a:p>
+            <a:pPr indent="-228600" defTabSz="914400" eaLnBrk="1" hangingPunct="1">
+              <a:lnSpc>
+                <a:spcPct val="90000"/>
+              </a:lnSpc>
+              <a:buFont typeface="Arial" panose="020B0604020202020204" pitchFamily="34" charset="0"/>
+              <a:buChar char="•"/>
+            </a:pPr>
+            <a:endParaRPr lang="en-US" sz="2000" dirty="0">
+              <a:solidFill>
+                <a:srgbClr val="404040"/>
+              </a:solidFill>
+              <a:ea typeface="+mn-ea"/>
+              <a:cs typeface="+mn-cs"/>
+            </a:endParaRPr>
+          </a:p>
+        </p:txBody>
+      </p:sp>
+    </p:spTree>
+    <p:custDataLst>
+      <p:tags r:id="rId1"/>
+    </p:custDataLst>
+    <p:extLst>
+      <p:ext uri="{BB962C8B-B14F-4D97-AF65-F5344CB8AC3E}">
+        <p14:creationId xmlns:p14="http://schemas.microsoft.com/office/powerpoint/2010/main" val="1241006330"/>
+      </p:ext>
+    </p:extLst>
+  </p:cSld>
+  <p:clrMapOvr>
+    <a:masterClrMapping/>
+  </p:clrMapOvr>
+</p:sld>
+</file>
+
+<file path=ppt/slides/slide7.xml><?xml version="1.0" encoding="utf-8"?>
+<p:sld xmlns:a="http://schemas.openxmlformats.org/drawingml/2006/main" xmlns:r="http://schemas.openxmlformats.org/officeDocument/2006/relationships" xmlns:p="http://schemas.openxmlformats.org/presentationml/2006/main">
+  <p:cSld>
+    <p:spTree>
+      <p:nvGrpSpPr>
+        <p:cNvPr id="1" name=""/>
+        <p:cNvGrpSpPr/>
+        <p:nvPr/>
+      </p:nvGrpSpPr>
+      <p:grpSpPr>
+        <a:xfrm>
+          <a:off x="0" y="0"/>
+          <a:ext cx="0" cy="0"/>
+          <a:chOff x="0" y="0"/>
+          <a:chExt cx="0" cy="0"/>
+        </a:xfrm>
+      </p:grpSpPr>
+      <p:sp>
+        <p:nvSpPr>
+          <p:cNvPr id="2" name="Title 1"/>
+          <p:cNvSpPr>
+            <a:spLocks noGrp="1"/>
+          </p:cNvSpPr>
+          <p:nvPr>
+            <p:ph type="title"/>
+          </p:nvPr>
+        </p:nvSpPr>
+        <p:spPr>
+          <a:solidFill>
+            <a:schemeClr val="accent1">
+              <a:lumMod val="20000"/>
+              <a:lumOff val="80000"/>
+            </a:schemeClr>
+          </a:solidFill>
+        </p:spPr>
+        <p:txBody>
+          <a:bodyPr>
+            <a:normAutofit/>
+          </a:bodyPr>
+          <a:lstStyle/>
+          <a:p>
+            <a:r>
+              <a:rPr lang="en-US" sz="4000" dirty="0"/>
+              <a:t>Today</a:t>
+            </a:r>
+          </a:p>
+        </p:txBody>
+      </p:sp>
+      <p:sp>
+        <p:nvSpPr>
+          <p:cNvPr id="5" name="Content Placeholder 2"/>
+          <p:cNvSpPr txBox="1">
+            <a:spLocks/>
+          </p:cNvSpPr>
+          <p:nvPr/>
+        </p:nvSpPr>
+        <p:spPr bwMode="auto">
+          <a:xfrm>
+            <a:off x="457200" y="1565835"/>
+            <a:ext cx="8229600" cy="4584700"/>
+          </a:xfrm>
+          <a:prstGeom prst="rect">
+            <a:avLst/>
+          </a:prstGeom>
+          <a:noFill/>
+          <a:ln w="9525">
+            <a:noFill/>
+            <a:miter lim="800000"/>
+            <a:headEnd/>
+            <a:tailEnd/>
+          </a:ln>
+        </p:spPr>
+        <p:txBody>
+          <a:bodyPr vert="horz" wrap="square" lIns="91440" tIns="45720" rIns="91440" bIns="45720" numCol="1" anchor="t" anchorCtr="0" compatLnSpc="1">
+            <a:prstTxWarp prst="textNoShape">
+              <a:avLst/>
+            </a:prstTxWarp>
+            <a:normAutofit lnSpcReduction="10000"/>
+          </a:bodyPr>
+          <a:lstStyle>
+            <a:lvl1pPr marL="342900" indent="-342900" algn="l" defTabSz="457200" rtl="0" eaLnBrk="0" fontAlgn="base" hangingPunct="0">
+              <a:spcBef>
+                <a:spcPct val="20000"/>
+              </a:spcBef>
+              <a:spcAft>
+                <a:spcPct val="0"/>
+              </a:spcAft>
+              <a:buFont typeface="Arial" charset="0"/>
+              <a:buChar char="•"/>
+              <a:defRPr sz="3200" kern="1200">
+                <a:solidFill>
+                  <a:schemeClr val="tx1"/>
+                </a:solidFill>
+                <a:latin typeface="+mn-lt"/>
+                <a:ea typeface="ＭＳ Ｐゴシック" pitchFamily="-109" charset="-128"/>
+                <a:cs typeface="ＭＳ Ｐゴシック" pitchFamily="-109" charset="-128"/>
+              </a:defRPr>
+            </a:lvl1pPr>
+            <a:lvl2pPr marL="742950" indent="-285750" algn="l" defTabSz="457200" rtl="0" eaLnBrk="0" fontAlgn="base" hangingPunct="0">
+              <a:spcBef>
+                <a:spcPct val="20000"/>
+              </a:spcBef>
+              <a:spcAft>
+                <a:spcPct val="0"/>
+              </a:spcAft>
+              <a:buFont typeface="Arial" charset="0"/>
+              <a:buChar char="–"/>
+              <a:defRPr sz="2800" kern="1200">
+                <a:solidFill>
+                  <a:schemeClr val="tx1"/>
+                </a:solidFill>
+                <a:latin typeface="+mn-lt"/>
+                <a:ea typeface="ＭＳ Ｐゴシック" pitchFamily="-109" charset="-128"/>
+                <a:cs typeface="+mn-cs"/>
+              </a:defRPr>
+            </a:lvl2pPr>
+            <a:lvl3pPr marL="1143000" indent="-228600" algn="l" defTabSz="457200" rtl="0" eaLnBrk="0" fontAlgn="base" hangingPunct="0">
+              <a:spcBef>
+                <a:spcPct val="20000"/>
+              </a:spcBef>
+              <a:spcAft>
+                <a:spcPct val="0"/>
+              </a:spcAft>
+              <a:buFont typeface="Arial" charset="0"/>
+              <a:buChar char="•"/>
+              <a:defRPr sz="2400" kern="1200">
+                <a:solidFill>
+                  <a:schemeClr val="tx1"/>
+                </a:solidFill>
+                <a:latin typeface="+mn-lt"/>
+                <a:ea typeface="ＭＳ Ｐゴシック" pitchFamily="-109" charset="-128"/>
+                <a:cs typeface="+mn-cs"/>
+              </a:defRPr>
+            </a:lvl3pPr>
+            <a:lvl4pPr marL="1600200" indent="-228600" algn="l" defTabSz="457200" rtl="0" eaLnBrk="0" fontAlgn="base" hangingPunct="0">
+              <a:spcBef>
+                <a:spcPct val="20000"/>
+              </a:spcBef>
+              <a:spcAft>
+                <a:spcPct val="0"/>
+              </a:spcAft>
+              <a:buFont typeface="Arial" charset="0"/>
+              <a:buChar char="–"/>
+              <a:defRPr sz="2000" kern="1200">
+                <a:solidFill>
+                  <a:schemeClr val="tx1"/>
+                </a:solidFill>
+                <a:latin typeface="+mn-lt"/>
+                <a:ea typeface="ＭＳ Ｐゴシック" pitchFamily="-109" charset="-128"/>
+                <a:cs typeface="+mn-cs"/>
+              </a:defRPr>
+            </a:lvl4pPr>
+            <a:lvl5pPr marL="2057400" indent="-228600" algn="l" defTabSz="457200" rtl="0" eaLnBrk="0" fontAlgn="base" hangingPunct="0">
+              <a:spcBef>
+                <a:spcPct val="20000"/>
+              </a:spcBef>
+              <a:spcAft>
+                <a:spcPct val="0"/>
+              </a:spcAft>
+              <a:buFont typeface="Arial" charset="0"/>
+              <a:buChar char="»"/>
+              <a:defRPr sz="2000" kern="1200">
+                <a:solidFill>
+                  <a:schemeClr val="tx1"/>
+                </a:solidFill>
+                <a:latin typeface="+mn-lt"/>
+                <a:ea typeface="ＭＳ Ｐゴシック" pitchFamily="-109" charset="-128"/>
+                <a:cs typeface="+mn-cs"/>
+              </a:defRPr>
+            </a:lvl5pPr>
+            <a:lvl6pPr marL="2514600" indent="-228600" algn="l" defTabSz="457200" rtl="0" eaLnBrk="1" latinLnBrk="0" hangingPunct="1">
+              <a:spcBef>
+                <a:spcPct val="20000"/>
+              </a:spcBef>
+              <a:buFont typeface="Arial"/>
+              <a:buChar char="•"/>
+              <a:defRPr sz="2000" kern="1200">
+                <a:solidFill>
+                  <a:schemeClr val="tx1"/>
+                </a:solidFill>
+                <a:latin typeface="+mn-lt"/>
+                <a:ea typeface="+mn-ea"/>
+                <a:cs typeface="+mn-cs"/>
+              </a:defRPr>
+            </a:lvl6pPr>
+            <a:lvl7pPr marL="2971800" indent="-228600" algn="l" defTabSz="457200" rtl="0" eaLnBrk="1" latinLnBrk="0" hangingPunct="1">
+              <a:spcBef>
+                <a:spcPct val="20000"/>
+              </a:spcBef>
+              <a:buFont typeface="Arial"/>
+              <a:buChar char="•"/>
+              <a:defRPr sz="2000" kern="1200">
+                <a:solidFill>
+                  <a:schemeClr val="tx1"/>
+                </a:solidFill>
+                <a:latin typeface="+mn-lt"/>
+                <a:ea typeface="+mn-ea"/>
+                <a:cs typeface="+mn-cs"/>
+              </a:defRPr>
+            </a:lvl7pPr>
+            <a:lvl8pPr marL="3429000" indent="-228600" algn="l" defTabSz="457200" rtl="0" eaLnBrk="1" latinLnBrk="0" hangingPunct="1">
+              <a:spcBef>
+                <a:spcPct val="20000"/>
+              </a:spcBef>
+              <a:buFont typeface="Arial"/>
+              <a:buChar char="•"/>
+              <a:defRPr sz="2000" kern="1200">
+                <a:solidFill>
+                  <a:schemeClr val="tx1"/>
+                </a:solidFill>
+                <a:latin typeface="+mn-lt"/>
+                <a:ea typeface="+mn-ea"/>
+                <a:cs typeface="+mn-cs"/>
+              </a:defRPr>
+            </a:lvl8pPr>
+            <a:lvl9pPr marL="3886200" indent="-228600" algn="l" defTabSz="457200" rtl="0" eaLnBrk="1" latinLnBrk="0" hangingPunct="1">
+              <a:spcBef>
+                <a:spcPct val="20000"/>
+              </a:spcBef>
+              <a:buFont typeface="Arial"/>
+              <a:buChar char="•"/>
+              <a:defRPr sz="2000" kern="1200">
+                <a:solidFill>
+                  <a:schemeClr val="tx1"/>
+                </a:solidFill>
+                <a:latin typeface="+mn-lt"/>
+                <a:ea typeface="+mn-ea"/>
+                <a:cs typeface="+mn-cs"/>
+              </a:defRPr>
+            </a:lvl9pPr>
+          </a:lstStyle>
+          <a:p>
+            <a:r>
+              <a:rPr lang="en-US" dirty="0"/>
+              <a:t>Syllabus</a:t>
+            </a:r>
+          </a:p>
+          <a:p>
+            <a:endParaRPr lang="en-US" dirty="0"/>
+          </a:p>
+          <a:p>
+            <a:r>
+              <a:rPr lang="en-US" dirty="0"/>
+              <a:t>Course Overview</a:t>
+            </a:r>
+          </a:p>
+          <a:p>
+            <a:pPr lvl="1"/>
+            <a:r>
+              <a:rPr lang="en-US" dirty="0"/>
+              <a:t>Table of contents for R4DS</a:t>
+            </a:r>
+          </a:p>
+          <a:p>
+            <a:endParaRPr lang="en-US" dirty="0"/>
+          </a:p>
+          <a:p>
+            <a:r>
+              <a:rPr lang="en-US" dirty="0"/>
+              <a:t>Getting R online</a:t>
+            </a:r>
+          </a:p>
+          <a:p>
+            <a:endParaRPr lang="en-US" dirty="0"/>
+          </a:p>
+          <a:p>
+            <a:r>
+              <a:rPr lang="en-US" dirty="0"/>
+              <a:t>First </a:t>
+            </a:r>
+            <a:r>
+              <a:rPr lang="en-US" dirty="0" err="1"/>
+              <a:t>ggplots</a:t>
+            </a:r>
+            <a:endParaRPr lang="en-US" dirty="0"/>
+          </a:p>
+        </p:txBody>
+      </p:sp>
+      <p:pic>
+        <p:nvPicPr>
+          <p:cNvPr id="3" name="Picture 2"/>
+          <p:cNvPicPr>
+            <a:picLocks noChangeAspect="1"/>
+          </p:cNvPicPr>
+          <p:nvPr/>
+        </p:nvPicPr>
+        <p:blipFill>
+          <a:blip r:embed="rId3"/>
+          <a:stretch>
+            <a:fillRect/>
+          </a:stretch>
+        </p:blipFill>
+        <p:spPr>
+          <a:xfrm>
+            <a:off x="5177528" y="1600200"/>
+            <a:ext cx="3505200" cy="5152381"/>
+          </a:xfrm>
+          <a:prstGeom prst="rect">
+            <a:avLst/>
+          </a:prstGeom>
+        </p:spPr>
+      </p:pic>
+    </p:spTree>
+    <p:custDataLst>
+      <p:tags r:id="rId1"/>
+    </p:custDataLst>
+  </p:cSld>
+  <p:clrMapOvr>
+    <a:masterClrMapping/>
+  </p:clrMapOvr>
+</p:sld>
+</file>
+
+<file path=ppt/slides/slide8.xml><?xml version="1.0" encoding="utf-8"?>
+<p:sld xmlns:a="http://schemas.openxmlformats.org/drawingml/2006/main" xmlns:r="http://schemas.openxmlformats.org/officeDocument/2006/relationships" xmlns:p="http://schemas.openxmlformats.org/presentationml/2006/main">
+  <p:cSld>
+    <p:spTree>
+      <p:nvGrpSpPr>
+        <p:cNvPr id="1" name=""/>
+        <p:cNvGrpSpPr/>
+        <p:nvPr/>
+      </p:nvGrpSpPr>
+      <p:grpSpPr>
+        <a:xfrm>
+          <a:off x="0" y="0"/>
+          <a:ext cx="0" cy="0"/>
+          <a:chOff x="0" y="0"/>
+          <a:chExt cx="0" cy="0"/>
+        </a:xfrm>
+      </p:grpSpPr>
+      <p:sp>
+        <p:nvSpPr>
           <p:cNvPr id="5" name="Title 1"/>
           <p:cNvSpPr>
             <a:spLocks noGrp="1"/>
@@ -9973,10 +12308,9 @@
           <a:lstStyle/>
           <a:p>
             <a:r>
-              <a:rPr lang="en-US" sz="4000" dirty="0" smtClean="0"/>
+              <a:rPr lang="en-US" sz="4000" dirty="0"/>
               <a:t>Course Website</a:t>
             </a:r>
-            <a:endParaRPr lang="en-US" sz="4000" dirty="0"/>
           </a:p>
         </p:txBody>
       </p:sp>
@@ -10036,7 +12370,7 @@
               <a:defRPr/>
             </a:pPr>
             <a:r>
-              <a:rPr lang="en-US" sz="2400" dirty="0" smtClean="0">
+              <a:rPr lang="en-US" sz="2400" dirty="0">
                 <a:solidFill>
                   <a:schemeClr val="tx1"/>
                 </a:solidFill>
@@ -10045,13 +12379,6 @@
               </a:rPr>
               <a:t>All information for the course will be at the website above. Visit often, the address is also on the home page for our course on Sakai.</a:t>
             </a:r>
-            <a:endParaRPr lang="en-US" sz="2400" dirty="0" smtClean="0">
-              <a:solidFill>
-                <a:schemeClr val="tx1"/>
-              </a:solidFill>
-              <a:ea typeface="ＭＳ Ｐゴシック" charset="-128"/>
-              <a:cs typeface="ＭＳ Ｐゴシック" charset="-128"/>
-            </a:endParaRPr>
           </a:p>
         </p:txBody>
       </p:sp>
@@ -10337,19 +12664,35 @@
 
 <file path=ppt/tags/tag4.xml><?xml version="1.0" encoding="utf-8"?>
 <p:tagLst xmlns:a="http://schemas.openxmlformats.org/drawingml/2006/main" xmlns:r="http://schemas.openxmlformats.org/officeDocument/2006/relationships" xmlns:p="http://schemas.openxmlformats.org/presentationml/2006/main">
-  <p:tag name="NOPREFERENCE" val="False"/>
   <p:tag name="DELIMITERS" val="3.1"/>
 </p:tagLst>
 </file>
 
 <file path=ppt/tags/tag5.xml><?xml version="1.0" encoding="utf-8"?>
 <p:tagLst xmlns:a="http://schemas.openxmlformats.org/drawingml/2006/main" xmlns:r="http://schemas.openxmlformats.org/officeDocument/2006/relationships" xmlns:p="http://schemas.openxmlformats.org/presentationml/2006/main">
-  <p:tag name="NOPREFERENCE" val="False"/>
   <p:tag name="DELIMITERS" val="3.1"/>
 </p:tagLst>
 </file>
 
 <file path=ppt/tags/tag6.xml><?xml version="1.0" encoding="utf-8"?>
+<p:tagLst xmlns:a="http://schemas.openxmlformats.org/drawingml/2006/main" xmlns:r="http://schemas.openxmlformats.org/officeDocument/2006/relationships" xmlns:p="http://schemas.openxmlformats.org/presentationml/2006/main">
+  <p:tag name="DELIMITERS" val="3.1"/>
+</p:tagLst>
+</file>
+
+<file path=ppt/tags/tag7.xml><?xml version="1.0" encoding="utf-8"?>
+<p:tagLst xmlns:a="http://schemas.openxmlformats.org/drawingml/2006/main" xmlns:r="http://schemas.openxmlformats.org/officeDocument/2006/relationships" xmlns:p="http://schemas.openxmlformats.org/presentationml/2006/main">
+  <p:tag name="DELIMITERS" val="3.1"/>
+</p:tagLst>
+</file>
+
+<file path=ppt/tags/tag8.xml><?xml version="1.0" encoding="utf-8"?>
+<p:tagLst xmlns:a="http://schemas.openxmlformats.org/drawingml/2006/main" xmlns:r="http://schemas.openxmlformats.org/officeDocument/2006/relationships" xmlns:p="http://schemas.openxmlformats.org/presentationml/2006/main">
+  <p:tag name="DELIMITERS" val="3.1"/>
+</p:tagLst>
+</file>
+
+<file path=ppt/tags/tag9.xml><?xml version="1.0" encoding="utf-8"?>
 <p:tagLst xmlns:a="http://schemas.openxmlformats.org/drawingml/2006/main" xmlns:r="http://schemas.openxmlformats.org/officeDocument/2006/relationships" xmlns:p="http://schemas.openxmlformats.org/presentationml/2006/main">
   <p:tag name="NOPREFERENCE" val="False"/>
   <p:tag name="DELIMITERS" val="3.1"/>

--- a/Lectures/Lecture 1/STOR 320 Lecture 1.pptx
+++ b/Lectures/Lecture 1/STOR 320 Lecture 1.pptx
@@ -18,8 +18,8 @@
     <p:sldId id="325" r:id="rId6"/>
     <p:sldId id="326" r:id="rId7"/>
     <p:sldId id="327" r:id="rId8"/>
-    <p:sldId id="316" r:id="rId9"/>
-    <p:sldId id="322" r:id="rId10"/>
+    <p:sldId id="328" r:id="rId9"/>
+    <p:sldId id="329" r:id="rId10"/>
   </p:sldIdLst>
   <p:sldSz cx="9144000" cy="6858000" type="screen4x3"/>
   <p:notesSz cx="6858000" cy="9144000"/>
@@ -823,115 +823,6 @@
     </a:lvl9pPr>
   </p:notesStyle>
 </p:notesMaster>
-</file>
-
-<file path=ppt/notesSlides/notesSlide1.xml><?xml version="1.0" encoding="utf-8"?>
-<p:notes xmlns:a="http://schemas.openxmlformats.org/drawingml/2006/main" xmlns:r="http://schemas.openxmlformats.org/officeDocument/2006/relationships" xmlns:p="http://schemas.openxmlformats.org/presentationml/2006/main">
-  <p:cSld>
-    <p:spTree>
-      <p:nvGrpSpPr>
-        <p:cNvPr id="1" name=""/>
-        <p:cNvGrpSpPr/>
-        <p:nvPr/>
-      </p:nvGrpSpPr>
-      <p:grpSpPr>
-        <a:xfrm>
-          <a:off x="0" y="0"/>
-          <a:ext cx="0" cy="0"/>
-          <a:chOff x="0" y="0"/>
-          <a:chExt cx="0" cy="0"/>
-        </a:xfrm>
-      </p:grpSpPr>
-      <p:sp>
-        <p:nvSpPr>
-          <p:cNvPr id="38914" name="Slide Image Placeholder 1"/>
-          <p:cNvSpPr>
-            <a:spLocks noGrp="1" noRot="1" noChangeAspect="1"/>
-          </p:cNvSpPr>
-          <p:nvPr>
-            <p:ph type="sldImg"/>
-          </p:nvPr>
-        </p:nvSpPr>
-        <p:spPr bwMode="auto">
-          <a:noFill/>
-          <a:ln>
-            <a:solidFill>
-              <a:srgbClr val="000000"/>
-            </a:solidFill>
-            <a:miter lim="800000"/>
-            <a:headEnd/>
-            <a:tailEnd/>
-          </a:ln>
-        </p:spPr>
-      </p:sp>
-      <p:sp>
-        <p:nvSpPr>
-          <p:cNvPr id="38915" name="Notes Placeholder 2"/>
-          <p:cNvSpPr>
-            <a:spLocks noGrp="1"/>
-          </p:cNvSpPr>
-          <p:nvPr>
-            <p:ph type="body" idx="1"/>
-          </p:nvPr>
-        </p:nvSpPr>
-        <p:spPr bwMode="auto">
-          <a:noFill/>
-        </p:spPr>
-        <p:txBody>
-          <a:bodyPr wrap="square" numCol="1" anchor="t" anchorCtr="0" compatLnSpc="1">
-            <a:prstTxWarp prst="textNoShape">
-              <a:avLst/>
-            </a:prstTxWarp>
-          </a:bodyPr>
-          <a:lstStyle/>
-          <a:p>
-            <a:endParaRPr lang="en-US" dirty="0">
-              <a:ea typeface="ＭＳ Ｐゴシック" charset="-128"/>
-              <a:cs typeface="ＭＳ Ｐゴシック" charset="-128"/>
-            </a:endParaRPr>
-          </a:p>
-        </p:txBody>
-      </p:sp>
-      <p:sp>
-        <p:nvSpPr>
-          <p:cNvPr id="4" name="Slide Number Placeholder 3"/>
-          <p:cNvSpPr>
-            <a:spLocks noGrp="1"/>
-          </p:cNvSpPr>
-          <p:nvPr>
-            <p:ph type="sldNum" sz="quarter" idx="5"/>
-          </p:nvPr>
-        </p:nvSpPr>
-        <p:spPr/>
-        <p:txBody>
-          <a:bodyPr/>
-          <a:lstStyle/>
-          <a:p>
-            <a:pPr>
-              <a:defRPr/>
-            </a:pPr>
-            <a:fld id="{77289C86-E31D-6F42-96EA-0D98C73B78B7}" type="slidenum">
-              <a:rPr lang="en-US" smtClean="0"/>
-              <a:pPr>
-                <a:defRPr/>
-              </a:pPr>
-              <a:t>8</a:t>
-            </a:fld>
-            <a:endParaRPr lang="en-US" dirty="0"/>
-          </a:p>
-        </p:txBody>
-      </p:sp>
-    </p:spTree>
-    <p:extLst>
-      <p:ext uri="{BB962C8B-B14F-4D97-AF65-F5344CB8AC3E}">
-        <p14:creationId xmlns:p14="http://schemas.microsoft.com/office/powerpoint/2010/main" val="1974038295"/>
-      </p:ext>
-    </p:extLst>
-  </p:cSld>
-  <p:clrMapOvr>
-    <a:masterClrMapping/>
-  </p:clrMapOvr>
-</p:notes>
 </file>
 
 <file path=ppt/slideLayouts/slideLayout1.xml><?xml version="1.0" encoding="utf-8"?>
@@ -9475,8 +9366,25 @@
                 <a:ea typeface="+mn-ea"/>
                 <a:cs typeface="+mn-cs"/>
               </a:rPr>
-              <a:t>Roll Call</a:t>
-            </a:r>
+              <a:t>#</a:t>
+            </a:r>
+            <a:r>
+              <a:rPr lang="en-US" sz="6000" b="1" dirty="0" err="1">
+                <a:solidFill>
+                  <a:srgbClr val="404040"/>
+                </a:solidFill>
+                <a:ea typeface="+mn-ea"/>
+                <a:cs typeface="+mn-cs"/>
+              </a:rPr>
+              <a:t>RollCall</a:t>
+            </a:r>
+            <a:endParaRPr lang="en-US" sz="6000" b="1" dirty="0">
+              <a:solidFill>
+                <a:srgbClr val="404040"/>
+              </a:solidFill>
+              <a:ea typeface="+mn-ea"/>
+              <a:cs typeface="+mn-cs"/>
+            </a:endParaRPr>
           </a:p>
           <a:p>
             <a:pPr indent="-228600" defTabSz="914400" eaLnBrk="1" hangingPunct="1">
@@ -11659,6 +11567,24 @@
               <a:buFont typeface="Arial" panose="020B0604020202020204" pitchFamily="34" charset="0"/>
               <a:buChar char="•"/>
             </a:pPr>
+            <a:r>
+              <a:rPr lang="en-US" sz="2000" dirty="0">
+                <a:solidFill>
+                  <a:srgbClr val="404040"/>
+                </a:solidFill>
+                <a:ea typeface="+mn-ea"/>
+                <a:cs typeface="+mn-cs"/>
+              </a:rPr>
+              <a:t>In-Class Coding</a:t>
+            </a:r>
+          </a:p>
+          <a:p>
+            <a:pPr marL="114300" indent="0" defTabSz="914400" eaLnBrk="1" hangingPunct="1">
+              <a:lnSpc>
+                <a:spcPct val="90000"/>
+              </a:lnSpc>
+              <a:buNone/>
+            </a:pPr>
             <a:endParaRPr lang="en-US" sz="2000" dirty="0">
               <a:solidFill>
                 <a:srgbClr val="404040"/>
@@ -11675,6 +11601,97 @@
               <a:buFont typeface="Arial" panose="020B0604020202020204" pitchFamily="34" charset="0"/>
               <a:buChar char="•"/>
             </a:pPr>
+            <a:r>
+              <a:rPr lang="en-US" sz="2000" dirty="0">
+                <a:solidFill>
+                  <a:srgbClr val="404040"/>
+                </a:solidFill>
+                <a:ea typeface="+mn-ea"/>
+                <a:cs typeface="+mn-cs"/>
+              </a:rPr>
+              <a:t>Weekly Assignments</a:t>
+            </a:r>
+          </a:p>
+          <a:p>
+            <a:pPr lvl="1" indent="-228600" defTabSz="914400" eaLnBrk="1" hangingPunct="1">
+              <a:lnSpc>
+                <a:spcPct val="90000"/>
+              </a:lnSpc>
+              <a:buFont typeface="Arial" panose="020B0604020202020204" pitchFamily="34" charset="0"/>
+              <a:buChar char="•"/>
+            </a:pPr>
+            <a:r>
+              <a:rPr lang="en-US" sz="1600" dirty="0">
+                <a:solidFill>
+                  <a:srgbClr val="404040"/>
+                </a:solidFill>
+                <a:ea typeface="+mn-ea"/>
+              </a:rPr>
+              <a:t>Labs</a:t>
+            </a:r>
+          </a:p>
+          <a:p>
+            <a:pPr lvl="1" indent="-228600" defTabSz="914400" eaLnBrk="1" hangingPunct="1">
+              <a:lnSpc>
+                <a:spcPct val="90000"/>
+              </a:lnSpc>
+              <a:buFont typeface="Arial" panose="020B0604020202020204" pitchFamily="34" charset="0"/>
+              <a:buChar char="•"/>
+            </a:pPr>
+            <a:r>
+              <a:rPr lang="en-US" sz="1600" dirty="0">
+                <a:solidFill>
+                  <a:srgbClr val="404040"/>
+                </a:solidFill>
+                <a:ea typeface="+mn-ea"/>
+                <a:cs typeface="+mn-cs"/>
+              </a:rPr>
+              <a:t>Data Analyses</a:t>
+            </a:r>
+          </a:p>
+          <a:p>
+            <a:pPr marL="514350" lvl="1" indent="0" defTabSz="914400" eaLnBrk="1" hangingPunct="1">
+              <a:lnSpc>
+                <a:spcPct val="90000"/>
+              </a:lnSpc>
+              <a:buNone/>
+            </a:pPr>
+            <a:endParaRPr lang="en-US" sz="1600" dirty="0">
+              <a:solidFill>
+                <a:srgbClr val="404040"/>
+              </a:solidFill>
+              <a:ea typeface="+mn-ea"/>
+              <a:cs typeface="+mn-cs"/>
+            </a:endParaRPr>
+          </a:p>
+          <a:p>
+            <a:pPr indent="-228600" defTabSz="914400" eaLnBrk="1" hangingPunct="1">
+              <a:lnSpc>
+                <a:spcPct val="90000"/>
+              </a:lnSpc>
+              <a:buFont typeface="Arial" panose="020B0604020202020204" pitchFamily="34" charset="0"/>
+              <a:buChar char="•"/>
+            </a:pPr>
+            <a:r>
+              <a:rPr lang="en-US" sz="2000" dirty="0">
+                <a:solidFill>
+                  <a:srgbClr val="404040"/>
+                </a:solidFill>
+                <a:ea typeface="+mn-ea"/>
+                <a:cs typeface="+mn-cs"/>
+              </a:rPr>
+              <a:t>Learn and Use </a:t>
+            </a:r>
+            <a:r>
+              <a:rPr lang="en-US" sz="2000" dirty="0" err="1">
+                <a:solidFill>
+                  <a:srgbClr val="404040"/>
+                </a:solidFill>
+                <a:ea typeface="+mn-ea"/>
+                <a:cs typeface="+mn-cs"/>
+              </a:rPr>
+              <a:t>Rmarkdown</a:t>
+            </a:r>
             <a:endParaRPr lang="en-US" sz="2000" dirty="0">
               <a:solidFill>
                 <a:srgbClr val="404040"/>
@@ -11684,7 +11701,44 @@
             </a:endParaRPr>
           </a:p>
           <a:p>
-            <a:pPr indent="-228600" defTabSz="914400" eaLnBrk="1" hangingPunct="1">
+            <a:pPr lvl="1" indent="-228600" defTabSz="914400" eaLnBrk="1" hangingPunct="1">
+              <a:lnSpc>
+                <a:spcPct val="90000"/>
+              </a:lnSpc>
+              <a:buFont typeface="Arial" panose="020B0604020202020204" pitchFamily="34" charset="0"/>
+              <a:buChar char="•"/>
+            </a:pPr>
+            <a:r>
+              <a:rPr lang="en-US" sz="1600" dirty="0">
+                <a:solidFill>
+                  <a:srgbClr val="404040"/>
+                </a:solidFill>
+                <a:ea typeface="+mn-ea"/>
+              </a:rPr>
+              <a:t>Submit Assignments through Sakai</a:t>
+            </a:r>
+          </a:p>
+          <a:p>
+            <a:pPr lvl="1" indent="-228600" defTabSz="914400" eaLnBrk="1" hangingPunct="1">
+              <a:lnSpc>
+                <a:spcPct val="90000"/>
+              </a:lnSpc>
+              <a:buFont typeface="Arial" panose="020B0604020202020204" pitchFamily="34" charset="0"/>
+              <a:buChar char="•"/>
+            </a:pPr>
+            <a:r>
+              <a:rPr lang="en-US" sz="1600" dirty="0">
+                <a:solidFill>
+                  <a:srgbClr val="404040"/>
+                </a:solidFill>
+                <a:ea typeface="+mn-ea"/>
+                <a:cs typeface="+mn-cs"/>
+              </a:rPr>
+              <a:t>Submit as html Files</a:t>
+            </a:r>
+          </a:p>
+          <a:p>
+            <a:pPr lvl="1" indent="-228600" defTabSz="914400" eaLnBrk="1" hangingPunct="1">
               <a:lnSpc>
                 <a:spcPct val="90000"/>
               </a:lnSpc>
@@ -11700,21 +11754,6 @@
             </a:endParaRPr>
           </a:p>
           <a:p>
-            <a:pPr marL="114300" indent="0" defTabSz="914400" eaLnBrk="1" hangingPunct="1">
-              <a:lnSpc>
-                <a:spcPct val="90000"/>
-              </a:lnSpc>
-              <a:buNone/>
-            </a:pPr>
-            <a:endParaRPr lang="en-US" sz="2000" dirty="0">
-              <a:solidFill>
-                <a:srgbClr val="404040"/>
-              </a:solidFill>
-              <a:ea typeface="+mn-ea"/>
-              <a:cs typeface="+mn-cs"/>
-            </a:endParaRPr>
-          </a:p>
-          <a:p>
             <a:pPr indent="-228600" defTabSz="914400" eaLnBrk="1" hangingPunct="1">
               <a:lnSpc>
                 <a:spcPct val="90000"/>
@@ -11722,207 +11761,90 @@
               <a:buFont typeface="Arial" panose="020B0604020202020204" pitchFamily="34" charset="0"/>
               <a:buChar char="•"/>
             </a:pPr>
-            <a:endParaRPr lang="en-US" sz="2000" dirty="0">
-              <a:solidFill>
-                <a:srgbClr val="404040"/>
-              </a:solidFill>
-              <a:ea typeface="+mn-ea"/>
-              <a:cs typeface="+mn-cs"/>
-            </a:endParaRPr>
-          </a:p>
-          <a:p>
-            <a:pPr indent="-228600" defTabSz="914400" eaLnBrk="1" hangingPunct="1">
+            <a:r>
+              <a:rPr lang="en-US" sz="2000" dirty="0">
+                <a:solidFill>
+                  <a:srgbClr val="404040"/>
+                </a:solidFill>
+                <a:ea typeface="+mn-ea"/>
+                <a:cs typeface="+mn-cs"/>
+              </a:rPr>
+              <a:t>Develop Skills that Turn into $$$</a:t>
+            </a:r>
+          </a:p>
+          <a:p>
+            <a:pPr lvl="1" indent="-228600" defTabSz="914400" eaLnBrk="1" hangingPunct="1">
               <a:lnSpc>
                 <a:spcPct val="90000"/>
               </a:lnSpc>
               <a:buFont typeface="Arial" panose="020B0604020202020204" pitchFamily="34" charset="0"/>
               <a:buChar char="•"/>
             </a:pPr>
-            <a:endParaRPr lang="en-US" sz="2000" dirty="0">
-              <a:solidFill>
-                <a:srgbClr val="404040"/>
-              </a:solidFill>
-              <a:ea typeface="+mn-ea"/>
-              <a:cs typeface="+mn-cs"/>
-            </a:endParaRPr>
-          </a:p>
-          <a:p>
-            <a:pPr indent="-228600" defTabSz="914400" eaLnBrk="1" hangingPunct="1">
+            <a:r>
+              <a:rPr lang="en-US" sz="1600" dirty="0">
+                <a:solidFill>
+                  <a:srgbClr val="404040"/>
+                </a:solidFill>
+                <a:ea typeface="+mn-ea"/>
+              </a:rPr>
+              <a:t>Computer Programming</a:t>
+            </a:r>
+          </a:p>
+          <a:p>
+            <a:pPr lvl="1" indent="-228600" defTabSz="914400" eaLnBrk="1" hangingPunct="1">
               <a:lnSpc>
                 <a:spcPct val="90000"/>
               </a:lnSpc>
               <a:buFont typeface="Arial" panose="020B0604020202020204" pitchFamily="34" charset="0"/>
               <a:buChar char="•"/>
             </a:pPr>
-            <a:endParaRPr lang="en-US" sz="2000" dirty="0">
-              <a:solidFill>
-                <a:srgbClr val="404040"/>
-              </a:solidFill>
-              <a:ea typeface="+mn-ea"/>
-              <a:cs typeface="+mn-cs"/>
-            </a:endParaRPr>
-          </a:p>
-          <a:p>
-            <a:pPr indent="-228600" defTabSz="914400" eaLnBrk="1" hangingPunct="1">
+            <a:r>
+              <a:rPr lang="en-US" sz="1600" dirty="0">
+                <a:solidFill>
+                  <a:srgbClr val="404040"/>
+                </a:solidFill>
+                <a:ea typeface="+mn-ea"/>
+                <a:cs typeface="+mn-cs"/>
+              </a:rPr>
+              <a:t>Statistical Analyses</a:t>
+            </a:r>
+          </a:p>
+          <a:p>
+            <a:pPr lvl="1" indent="-228600" defTabSz="914400" eaLnBrk="1" hangingPunct="1">
               <a:lnSpc>
                 <a:spcPct val="90000"/>
               </a:lnSpc>
               <a:buFont typeface="Arial" panose="020B0604020202020204" pitchFamily="34" charset="0"/>
               <a:buChar char="•"/>
             </a:pPr>
-            <a:endParaRPr lang="en-US" sz="2000" dirty="0">
-              <a:solidFill>
-                <a:srgbClr val="404040"/>
-              </a:solidFill>
-              <a:ea typeface="+mn-ea"/>
-              <a:cs typeface="+mn-cs"/>
-            </a:endParaRPr>
-          </a:p>
-          <a:p>
-            <a:pPr indent="-228600" defTabSz="914400" eaLnBrk="1" hangingPunct="1">
+            <a:r>
+              <a:rPr lang="en-US" sz="1600" dirty="0">
+                <a:solidFill>
+                  <a:srgbClr val="404040"/>
+                </a:solidFill>
+                <a:ea typeface="+mn-ea"/>
+                <a:cs typeface="+mn-cs"/>
+              </a:rPr>
+              <a:t>Written and Verbal Communication Skills</a:t>
+            </a:r>
+          </a:p>
+          <a:p>
+            <a:pPr lvl="1" indent="-228600" defTabSz="914400" eaLnBrk="1" hangingPunct="1">
               <a:lnSpc>
                 <a:spcPct val="90000"/>
               </a:lnSpc>
               <a:buFont typeface="Arial" panose="020B0604020202020204" pitchFamily="34" charset="0"/>
               <a:buChar char="•"/>
             </a:pPr>
-            <a:endParaRPr lang="en-US" sz="2000" dirty="0">
-              <a:solidFill>
-                <a:srgbClr val="404040"/>
-              </a:solidFill>
-              <a:ea typeface="+mn-ea"/>
-              <a:cs typeface="+mn-cs"/>
-            </a:endParaRPr>
-          </a:p>
-          <a:p>
-            <a:pPr indent="-228600" defTabSz="914400" eaLnBrk="1" hangingPunct="1">
-              <a:lnSpc>
-                <a:spcPct val="90000"/>
-              </a:lnSpc>
-              <a:buFont typeface="Arial" panose="020B0604020202020204" pitchFamily="34" charset="0"/>
-              <a:buChar char="•"/>
-            </a:pPr>
-            <a:endParaRPr lang="en-US" sz="2000" dirty="0">
-              <a:solidFill>
-                <a:srgbClr val="404040"/>
-              </a:solidFill>
-              <a:ea typeface="+mn-ea"/>
-              <a:cs typeface="+mn-cs"/>
-            </a:endParaRPr>
-          </a:p>
-          <a:p>
-            <a:pPr indent="-228600" defTabSz="914400" eaLnBrk="1" hangingPunct="1">
-              <a:lnSpc>
-                <a:spcPct val="90000"/>
-              </a:lnSpc>
-              <a:buFont typeface="Arial" panose="020B0604020202020204" pitchFamily="34" charset="0"/>
-              <a:buChar char="•"/>
-            </a:pPr>
-            <a:r>
-              <a:rPr lang="en-US" sz="2000" dirty="0">
+            <a:r>
+              <a:rPr lang="en-US" sz="1600" dirty="0">
                 <a:solidFill>
                   <a:srgbClr val="404040"/>
                 </a:solidFill>
                 <a:ea typeface="+mn-ea"/>
-                <a:cs typeface="+mn-cs"/>
               </a:rPr>
-              <a:t>Computer: We will actively use our laptops in every class.</a:t>
-            </a:r>
-          </a:p>
-          <a:p>
-            <a:pPr indent="-228600" defTabSz="914400" eaLnBrk="1" hangingPunct="1">
-              <a:lnSpc>
-                <a:spcPct val="90000"/>
-              </a:lnSpc>
-              <a:buFont typeface="Arial" panose="020B0604020202020204" pitchFamily="34" charset="0"/>
-              <a:buChar char="•"/>
-            </a:pPr>
-            <a:endParaRPr lang="en-US" sz="2000" dirty="0">
-              <a:solidFill>
-                <a:srgbClr val="404040"/>
-              </a:solidFill>
-              <a:ea typeface="+mn-ea"/>
-              <a:cs typeface="+mn-cs"/>
-            </a:endParaRPr>
-          </a:p>
-          <a:p>
-            <a:pPr indent="-228600" defTabSz="914400" eaLnBrk="1" hangingPunct="1">
-              <a:lnSpc>
-                <a:spcPct val="90000"/>
-              </a:lnSpc>
-              <a:buFont typeface="Arial" panose="020B0604020202020204" pitchFamily="34" charset="0"/>
-              <a:buChar char="•"/>
-            </a:pPr>
-            <a:r>
-              <a:rPr lang="en-US" sz="2000" dirty="0">
-                <a:solidFill>
-                  <a:srgbClr val="404040"/>
-                </a:solidFill>
-                <a:ea typeface="+mn-ea"/>
-                <a:cs typeface="+mn-cs"/>
-              </a:rPr>
-              <a:t>R and RStudio Installed and Operational</a:t>
-            </a:r>
-          </a:p>
-          <a:p>
-            <a:pPr indent="-228600" defTabSz="914400" eaLnBrk="1" hangingPunct="1">
-              <a:lnSpc>
-                <a:spcPct val="90000"/>
-              </a:lnSpc>
-              <a:buFont typeface="Arial" panose="020B0604020202020204" pitchFamily="34" charset="0"/>
-              <a:buChar char="•"/>
-            </a:pPr>
-            <a:endParaRPr lang="en-US" sz="2000" dirty="0">
-              <a:solidFill>
-                <a:srgbClr val="404040"/>
-              </a:solidFill>
-              <a:ea typeface="+mn-ea"/>
-              <a:cs typeface="+mn-cs"/>
-            </a:endParaRPr>
-          </a:p>
-          <a:p>
-            <a:pPr indent="-228600" defTabSz="914400" eaLnBrk="1" hangingPunct="1">
-              <a:lnSpc>
-                <a:spcPct val="90000"/>
-              </a:lnSpc>
-              <a:buFont typeface="Arial" panose="020B0604020202020204" pitchFamily="34" charset="0"/>
-              <a:buChar char="•"/>
-            </a:pPr>
-            <a:r>
-              <a:rPr lang="en-US" sz="2000" dirty="0">
-                <a:solidFill>
-                  <a:srgbClr val="404040"/>
-                </a:solidFill>
-                <a:ea typeface="+mn-ea"/>
-                <a:cs typeface="+mn-cs"/>
-              </a:rPr>
-              <a:t>High Tolerance for Pain and Agony</a:t>
-            </a:r>
-          </a:p>
-          <a:p>
-            <a:pPr indent="-228600" defTabSz="914400" eaLnBrk="1" hangingPunct="1">
-              <a:lnSpc>
-                <a:spcPct val="90000"/>
-              </a:lnSpc>
-              <a:buFont typeface="Arial" panose="020B0604020202020204" pitchFamily="34" charset="0"/>
-              <a:buChar char="•"/>
-            </a:pPr>
-            <a:endParaRPr lang="en-US" sz="2000" dirty="0">
-              <a:solidFill>
-                <a:srgbClr val="404040"/>
-              </a:solidFill>
-              <a:ea typeface="+mn-ea"/>
-              <a:cs typeface="+mn-cs"/>
-            </a:endParaRPr>
-          </a:p>
-          <a:p>
-            <a:pPr indent="-228600" defTabSz="914400" eaLnBrk="1" hangingPunct="1">
-              <a:lnSpc>
-                <a:spcPct val="90000"/>
-              </a:lnSpc>
-              <a:buFont typeface="Arial" panose="020B0604020202020204" pitchFamily="34" charset="0"/>
-              <a:buChar char="•"/>
-            </a:pPr>
+              <a:t>Creativity and Innovation</a:t>
+            </a:r>
             <a:endParaRPr lang="en-US" sz="2000" dirty="0">
               <a:solidFill>
                 <a:srgbClr val="404040"/>
@@ -11952,6 +11874,16 @@
 <file path=ppt/slides/slide7.xml><?xml version="1.0" encoding="utf-8"?>
 <p:sld xmlns:a="http://schemas.openxmlformats.org/drawingml/2006/main" xmlns:r="http://schemas.openxmlformats.org/officeDocument/2006/relationships" xmlns:p="http://schemas.openxmlformats.org/presentationml/2006/main">
   <p:cSld>
+    <p:bg>
+      <p:bgPr>
+        <a:solidFill>
+          <a:schemeClr val="bg1">
+            <a:lumMod val="85000"/>
+          </a:schemeClr>
+        </a:solidFill>
+        <a:effectLst/>
+      </p:bgPr>
+    </p:bg>
     <p:spTree>
       <p:nvGrpSpPr>
         <p:cNvPr id="1" name=""/>
@@ -11968,65 +11900,192 @@
       </p:grpSpPr>
       <p:sp>
         <p:nvSpPr>
-          <p:cNvPr id="2" name="Title 1"/>
-          <p:cNvSpPr>
-            <a:spLocks noGrp="1"/>
-          </p:cNvSpPr>
-          <p:nvPr>
-            <p:ph type="title"/>
+          <p:cNvPr id="15" name="Rectangle 12">
+            <a:extLst>
+              <a:ext uri="{FF2B5EF4-FFF2-40B4-BE49-F238E27FC236}">
+                <a16:creationId xmlns:a16="http://schemas.microsoft.com/office/drawing/2014/main" id="{867D4867-5BA7-4462-B2F6-A23F4A622AA7}"/>
+              </a:ext>
+              <a:ext uri="{C183D7F6-B498-43B3-948B-1728B52AA6E4}">
+                <adec:decorative xmlns:adec="http://schemas.microsoft.com/office/drawing/2017/decorative" val="1"/>
+              </a:ext>
+            </a:extLst>
+          </p:cNvPr>
+          <p:cNvSpPr>
+            <a:spLocks noGrp="1" noRot="1" noChangeAspect="1" noMove="1" noResize="1" noEditPoints="1" noAdjustHandles="1" noChangeArrowheads="1" noChangeShapeType="1" noTextEdit="1"/>
+          </p:cNvSpPr>
+          <p:nvPr>
+            <p:extLst>
+              <p:ext uri="{386F3935-93C4-4BCD-93E2-E3B085C9AB24}">
+                <p16:designElem xmlns:p16="http://schemas.microsoft.com/office/powerpoint/2015/main" val="1"/>
+              </p:ext>
+            </p:extLst>
           </p:nvPr>
         </p:nvSpPr>
         <p:spPr>
+          <a:xfrm>
+            <a:off x="0" y="0"/>
+            <a:ext cx="3490722" cy="6858000"/>
+          </a:xfrm>
+          <a:prstGeom prst="rect">
+            <a:avLst/>
+          </a:prstGeom>
           <a:solidFill>
-            <a:schemeClr val="accent1">
-              <a:lumMod val="20000"/>
-              <a:lumOff val="80000"/>
+            <a:schemeClr val="tx1">
+              <a:lumMod val="75000"/>
+              <a:lumOff val="25000"/>
             </a:schemeClr>
           </a:solidFill>
+          <a:ln>
+            <a:noFill/>
+          </a:ln>
         </p:spPr>
-        <p:txBody>
-          <a:bodyPr>
+        <p:style>
+          <a:lnRef idx="0">
+            <a:scrgbClr r="0" g="0" b="0"/>
+          </a:lnRef>
+          <a:fillRef idx="0">
+            <a:scrgbClr r="0" g="0" b="0"/>
+          </a:fillRef>
+          <a:effectRef idx="0">
+            <a:scrgbClr r="0" g="0" b="0"/>
+          </a:effectRef>
+          <a:fontRef idx="minor">
+            <a:schemeClr val="lt1"/>
+          </a:fontRef>
+        </p:style>
+        <p:txBody>
+          <a:bodyPr rtlCol="0" anchor="ctr"/>
+          <a:lstStyle/>
+          <a:p>
+            <a:pPr algn="ctr"/>
+            <a:endParaRPr lang="en-US"/>
+          </a:p>
+        </p:txBody>
+      </p:sp>
+      <p:sp>
+        <p:nvSpPr>
+          <p:cNvPr id="2" name="Title 1"/>
+          <p:cNvSpPr>
+            <a:spLocks noGrp="1"/>
+          </p:cNvSpPr>
+          <p:nvPr>
+            <p:ph type="title"/>
+          </p:nvPr>
+        </p:nvSpPr>
+        <p:spPr>
+          <a:xfrm>
+            <a:off x="482600" y="643467"/>
+            <a:ext cx="2522980" cy="1597315"/>
+          </a:xfrm>
+          <a:noFill/>
+          <a:ln w="19050">
+            <a:solidFill>
+              <a:schemeClr val="bg1"/>
+            </a:solidFill>
+          </a:ln>
+        </p:spPr>
+        <p:txBody>
+          <a:bodyPr vert="horz" wrap="square" lIns="91440" tIns="45720" rIns="91440" bIns="45720" rtlCol="0" anchor="ctr">
             <a:normAutofit/>
           </a:bodyPr>
           <a:lstStyle/>
           <a:p>
-            <a:r>
-              <a:rPr lang="en-US" sz="4000" dirty="0"/>
-              <a:t>Today</a:t>
-            </a:r>
-          </a:p>
-        </p:txBody>
-      </p:sp>
-      <p:sp>
-        <p:nvSpPr>
-          <p:cNvPr id="5" name="Content Placeholder 2"/>
-          <p:cNvSpPr txBox="1">
-            <a:spLocks/>
-          </p:cNvSpPr>
+            <a:pPr defTabSz="914400" eaLnBrk="1" hangingPunct="1">
+              <a:lnSpc>
+                <a:spcPct val="90000"/>
+              </a:lnSpc>
+            </a:pPr>
+            <a:r>
+              <a:rPr lang="en-US" sz="2400" kern="1200" dirty="0">
+                <a:solidFill>
+                  <a:schemeClr val="bg1"/>
+                </a:solidFill>
+                <a:latin typeface="+mj-lt"/>
+                <a:ea typeface="+mj-ea"/>
+                <a:cs typeface="+mj-cs"/>
+              </a:rPr>
+              <a:t>What Should I Do</a:t>
+            </a:r>
+            <a:r>
+              <a:rPr lang="en-US" sz="2400" dirty="0">
+                <a:solidFill>
+                  <a:schemeClr val="bg1"/>
+                </a:solidFill>
+                <a:ea typeface="+mj-ea"/>
+                <a:cs typeface="+mj-cs"/>
+              </a:rPr>
+              <a:t>?</a:t>
+            </a:r>
+            <a:endParaRPr lang="en-US" sz="2400" kern="1200" dirty="0">
+              <a:solidFill>
+                <a:schemeClr val="bg1"/>
+              </a:solidFill>
+              <a:latin typeface="+mj-lt"/>
+              <a:ea typeface="+mj-ea"/>
+              <a:cs typeface="+mj-cs"/>
+            </a:endParaRPr>
+          </a:p>
+        </p:txBody>
+      </p:sp>
+      <p:pic>
+        <p:nvPicPr>
+          <p:cNvPr id="8" name="Picture 7">
+            <a:extLst>
+              <a:ext uri="{FF2B5EF4-FFF2-40B4-BE49-F238E27FC236}">
+                <a16:creationId xmlns:a16="http://schemas.microsoft.com/office/drawing/2014/main" id="{521D4292-9ECC-4DA5-8CC0-C561A0DA118E}"/>
+              </a:ext>
+            </a:extLst>
+          </p:cNvPr>
+          <p:cNvPicPr>
+            <a:picLocks noChangeAspect="1"/>
+          </p:cNvPicPr>
           <p:nvPr/>
-        </p:nvSpPr>
-        <p:spPr bwMode="auto">
+        </p:nvPicPr>
+        <p:blipFill rotWithShape="1">
+          <a:blip r:embed="rId3"/>
+          <a:srcRect l="8000" r="9400"/>
+          <a:stretch/>
+        </p:blipFill>
+        <p:spPr>
           <a:xfrm>
-            <a:off x="457200" y="1565835"/>
-            <a:ext cx="8229600" cy="4584700"/>
+            <a:off x="660103" y="3048000"/>
+            <a:ext cx="2167974" cy="2624666"/>
           </a:xfrm>
           <a:prstGeom prst="rect">
             <a:avLst/>
           </a:prstGeom>
           <a:noFill/>
-          <a:ln w="9525">
-            <a:noFill/>
-            <a:miter lim="800000"/>
-            <a:headEnd/>
-            <a:tailEnd/>
-          </a:ln>
         </p:spPr>
-        <p:txBody>
-          <a:bodyPr vert="horz" wrap="square" lIns="91440" tIns="45720" rIns="91440" bIns="45720" numCol="1" anchor="t" anchorCtr="0" compatLnSpc="1">
+      </p:pic>
+      <p:sp>
+        <p:nvSpPr>
+          <p:cNvPr id="7" name="Content Placeholder 2">
+            <a:extLst>
+              <a:ext uri="{FF2B5EF4-FFF2-40B4-BE49-F238E27FC236}">
+                <a16:creationId xmlns:a16="http://schemas.microsoft.com/office/drawing/2014/main" id="{8FE51533-15BE-453E-90FE-08298901BC34}"/>
+              </a:ext>
+            </a:extLst>
+          </p:cNvPr>
+          <p:cNvSpPr txBox="1">
+            <a:spLocks/>
+          </p:cNvSpPr>
+          <p:nvPr/>
+        </p:nvSpPr>
+        <p:spPr bwMode="auto">
+          <a:xfrm>
+            <a:off x="3810000" y="643466"/>
+            <a:ext cx="4851400" cy="5833533"/>
+          </a:xfrm>
+          <a:prstGeom prst="rect">
+            <a:avLst/>
+          </a:prstGeom>
+        </p:spPr>
+        <p:txBody>
+          <a:bodyPr vert="horz" lIns="91440" tIns="45720" rIns="91440" bIns="45720" numCol="1" rtlCol="0" anchorCtr="0" compatLnSpc="1">
             <a:prstTxWarp prst="textNoShape">
               <a:avLst/>
             </a:prstTxWarp>
-            <a:normAutofit lnSpcReduction="10000"/>
+            <a:noAutofit/>
           </a:bodyPr>
           <a:lstStyle>
             <a:lvl1pPr marL="342900" indent="-342900" algn="l" defTabSz="457200" rtl="0" eaLnBrk="0" fontAlgn="base" hangingPunct="0">
@@ -12181,80 +12240,769 @@
             </a:lvl9pPr>
           </a:lstStyle>
           <a:p>
-            <a:r>
-              <a:rPr lang="en-US" dirty="0"/>
-              <a:t>Syllabus</a:t>
-            </a:r>
-          </a:p>
-          <a:p>
-            <a:endParaRPr lang="en-US" dirty="0"/>
-          </a:p>
-          <a:p>
-            <a:r>
-              <a:rPr lang="en-US" dirty="0"/>
-              <a:t>Course Overview</a:t>
-            </a:r>
-          </a:p>
-          <a:p>
-            <a:pPr lvl="1"/>
-            <a:r>
-              <a:rPr lang="en-US" dirty="0"/>
-              <a:t>Table of contents for R4DS</a:t>
-            </a:r>
-          </a:p>
-          <a:p>
-            <a:endParaRPr lang="en-US" dirty="0"/>
-          </a:p>
-          <a:p>
-            <a:r>
-              <a:rPr lang="en-US" dirty="0"/>
-              <a:t>Getting R online</a:t>
-            </a:r>
-          </a:p>
-          <a:p>
-            <a:endParaRPr lang="en-US" dirty="0"/>
-          </a:p>
-          <a:p>
-            <a:r>
-              <a:rPr lang="en-US" dirty="0"/>
-              <a:t>First </a:t>
-            </a:r>
-            <a:r>
-              <a:rPr lang="en-US" dirty="0" err="1"/>
-              <a:t>ggplots</a:t>
-            </a:r>
-            <a:endParaRPr lang="en-US" dirty="0"/>
-          </a:p>
-        </p:txBody>
-      </p:sp>
-      <p:pic>
-        <p:nvPicPr>
-          <p:cNvPr id="3" name="Picture 2"/>
-          <p:cNvPicPr>
-            <a:picLocks noChangeAspect="1"/>
-          </p:cNvPicPr>
+            <a:pPr indent="-228600" defTabSz="914400" eaLnBrk="1" hangingPunct="1">
+              <a:lnSpc>
+                <a:spcPct val="90000"/>
+              </a:lnSpc>
+              <a:buFont typeface="Arial" panose="020B0604020202020204" pitchFamily="34" charset="0"/>
+              <a:buChar char="•"/>
+            </a:pPr>
+            <a:endParaRPr lang="en-US" sz="2000" dirty="0">
+              <a:solidFill>
+                <a:srgbClr val="404040"/>
+              </a:solidFill>
+              <a:ea typeface="+mn-ea"/>
+              <a:cs typeface="+mn-cs"/>
+            </a:endParaRPr>
+          </a:p>
+          <a:p>
+            <a:pPr indent="-228600" defTabSz="914400" eaLnBrk="1" hangingPunct="1">
+              <a:lnSpc>
+                <a:spcPct val="90000"/>
+              </a:lnSpc>
+              <a:buFont typeface="Arial" panose="020B0604020202020204" pitchFamily="34" charset="0"/>
+              <a:buChar char="•"/>
+            </a:pPr>
+            <a:endParaRPr lang="en-US" sz="2000" dirty="0">
+              <a:solidFill>
+                <a:srgbClr val="404040"/>
+              </a:solidFill>
+              <a:ea typeface="+mn-ea"/>
+              <a:cs typeface="+mn-cs"/>
+            </a:endParaRPr>
+          </a:p>
+        </p:txBody>
+      </p:sp>
+      <p:sp>
+        <p:nvSpPr>
+          <p:cNvPr id="10" name="Content Placeholder 2">
+            <a:extLst>
+              <a:ext uri="{FF2B5EF4-FFF2-40B4-BE49-F238E27FC236}">
+                <a16:creationId xmlns:a16="http://schemas.microsoft.com/office/drawing/2014/main" id="{10754C74-871F-42E2-A79F-10B9CCA16CD5}"/>
+              </a:ext>
+            </a:extLst>
+          </p:cNvPr>
+          <p:cNvSpPr txBox="1">
+            <a:spLocks/>
+          </p:cNvSpPr>
           <p:nvPr/>
-        </p:nvPicPr>
-        <p:blipFill>
-          <a:blip r:embed="rId3"/>
-          <a:stretch>
-            <a:fillRect/>
-          </a:stretch>
-        </p:blipFill>
-        <p:spPr>
+        </p:nvSpPr>
+        <p:spPr bwMode="auto">
           <a:xfrm>
-            <a:off x="5177528" y="1600200"/>
-            <a:ext cx="3505200" cy="5152381"/>
+            <a:off x="3962400" y="675484"/>
+            <a:ext cx="4851400" cy="5953916"/>
           </a:xfrm>
           <a:prstGeom prst="rect">
             <a:avLst/>
           </a:prstGeom>
         </p:spPr>
-      </p:pic>
+        <p:txBody>
+          <a:bodyPr vert="horz" lIns="91440" tIns="45720" rIns="91440" bIns="45720" numCol="1" rtlCol="0" anchorCtr="0" compatLnSpc="1">
+            <a:prstTxWarp prst="textNoShape">
+              <a:avLst/>
+            </a:prstTxWarp>
+            <a:noAutofit/>
+          </a:bodyPr>
+          <a:lstStyle>
+            <a:lvl1pPr marL="342900" indent="-342900" algn="l" defTabSz="457200" rtl="0" eaLnBrk="0" fontAlgn="base" hangingPunct="0">
+              <a:spcBef>
+                <a:spcPct val="20000"/>
+              </a:spcBef>
+              <a:spcAft>
+                <a:spcPct val="0"/>
+              </a:spcAft>
+              <a:buFont typeface="Arial" charset="0"/>
+              <a:buChar char="•"/>
+              <a:defRPr sz="3200" kern="1200">
+                <a:solidFill>
+                  <a:schemeClr val="tx1"/>
+                </a:solidFill>
+                <a:latin typeface="+mn-lt"/>
+                <a:ea typeface="ＭＳ Ｐゴシック" pitchFamily="-109" charset="-128"/>
+                <a:cs typeface="ＭＳ Ｐゴシック" pitchFamily="-109" charset="-128"/>
+              </a:defRPr>
+            </a:lvl1pPr>
+            <a:lvl2pPr marL="742950" indent="-285750" algn="l" defTabSz="457200" rtl="0" eaLnBrk="0" fontAlgn="base" hangingPunct="0">
+              <a:spcBef>
+                <a:spcPct val="20000"/>
+              </a:spcBef>
+              <a:spcAft>
+                <a:spcPct val="0"/>
+              </a:spcAft>
+              <a:buFont typeface="Arial" charset="0"/>
+              <a:buChar char="–"/>
+              <a:defRPr sz="2800" kern="1200">
+                <a:solidFill>
+                  <a:schemeClr val="tx1"/>
+                </a:solidFill>
+                <a:latin typeface="+mn-lt"/>
+                <a:ea typeface="ＭＳ Ｐゴシック" pitchFamily="-109" charset="-128"/>
+                <a:cs typeface="+mn-cs"/>
+              </a:defRPr>
+            </a:lvl2pPr>
+            <a:lvl3pPr marL="1143000" indent="-228600" algn="l" defTabSz="457200" rtl="0" eaLnBrk="0" fontAlgn="base" hangingPunct="0">
+              <a:spcBef>
+                <a:spcPct val="20000"/>
+              </a:spcBef>
+              <a:spcAft>
+                <a:spcPct val="0"/>
+              </a:spcAft>
+              <a:buFont typeface="Arial" charset="0"/>
+              <a:buChar char="•"/>
+              <a:defRPr sz="2400" kern="1200">
+                <a:solidFill>
+                  <a:schemeClr val="tx1"/>
+                </a:solidFill>
+                <a:latin typeface="+mn-lt"/>
+                <a:ea typeface="ＭＳ Ｐゴシック" pitchFamily="-109" charset="-128"/>
+                <a:cs typeface="+mn-cs"/>
+              </a:defRPr>
+            </a:lvl3pPr>
+            <a:lvl4pPr marL="1600200" indent="-228600" algn="l" defTabSz="457200" rtl="0" eaLnBrk="0" fontAlgn="base" hangingPunct="0">
+              <a:spcBef>
+                <a:spcPct val="20000"/>
+              </a:spcBef>
+              <a:spcAft>
+                <a:spcPct val="0"/>
+              </a:spcAft>
+              <a:buFont typeface="Arial" charset="0"/>
+              <a:buChar char="–"/>
+              <a:defRPr sz="2000" kern="1200">
+                <a:solidFill>
+                  <a:schemeClr val="tx1"/>
+                </a:solidFill>
+                <a:latin typeface="+mn-lt"/>
+                <a:ea typeface="ＭＳ Ｐゴシック" pitchFamily="-109" charset="-128"/>
+                <a:cs typeface="+mn-cs"/>
+              </a:defRPr>
+            </a:lvl4pPr>
+            <a:lvl5pPr marL="2057400" indent="-228600" algn="l" defTabSz="457200" rtl="0" eaLnBrk="0" fontAlgn="base" hangingPunct="0">
+              <a:spcBef>
+                <a:spcPct val="20000"/>
+              </a:spcBef>
+              <a:spcAft>
+                <a:spcPct val="0"/>
+              </a:spcAft>
+              <a:buFont typeface="Arial" charset="0"/>
+              <a:buChar char="»"/>
+              <a:defRPr sz="2000" kern="1200">
+                <a:solidFill>
+                  <a:schemeClr val="tx1"/>
+                </a:solidFill>
+                <a:latin typeface="+mn-lt"/>
+                <a:ea typeface="ＭＳ Ｐゴシック" pitchFamily="-109" charset="-128"/>
+                <a:cs typeface="+mn-cs"/>
+              </a:defRPr>
+            </a:lvl5pPr>
+            <a:lvl6pPr marL="2514600" indent="-228600" algn="l" defTabSz="457200" rtl="0" eaLnBrk="1" latinLnBrk="0" hangingPunct="1">
+              <a:spcBef>
+                <a:spcPct val="20000"/>
+              </a:spcBef>
+              <a:buFont typeface="Arial"/>
+              <a:buChar char="•"/>
+              <a:defRPr sz="2000" kern="1200">
+                <a:solidFill>
+                  <a:schemeClr val="tx1"/>
+                </a:solidFill>
+                <a:latin typeface="+mn-lt"/>
+                <a:ea typeface="+mn-ea"/>
+                <a:cs typeface="+mn-cs"/>
+              </a:defRPr>
+            </a:lvl6pPr>
+            <a:lvl7pPr marL="2971800" indent="-228600" algn="l" defTabSz="457200" rtl="0" eaLnBrk="1" latinLnBrk="0" hangingPunct="1">
+              <a:spcBef>
+                <a:spcPct val="20000"/>
+              </a:spcBef>
+              <a:buFont typeface="Arial"/>
+              <a:buChar char="•"/>
+              <a:defRPr sz="2000" kern="1200">
+                <a:solidFill>
+                  <a:schemeClr val="tx1"/>
+                </a:solidFill>
+                <a:latin typeface="+mn-lt"/>
+                <a:ea typeface="+mn-ea"/>
+                <a:cs typeface="+mn-cs"/>
+              </a:defRPr>
+            </a:lvl7pPr>
+            <a:lvl8pPr marL="3429000" indent="-228600" algn="l" defTabSz="457200" rtl="0" eaLnBrk="1" latinLnBrk="0" hangingPunct="1">
+              <a:spcBef>
+                <a:spcPct val="20000"/>
+              </a:spcBef>
+              <a:buFont typeface="Arial"/>
+              <a:buChar char="•"/>
+              <a:defRPr sz="2000" kern="1200">
+                <a:solidFill>
+                  <a:schemeClr val="tx1"/>
+                </a:solidFill>
+                <a:latin typeface="+mn-lt"/>
+                <a:ea typeface="+mn-ea"/>
+                <a:cs typeface="+mn-cs"/>
+              </a:defRPr>
+            </a:lvl8pPr>
+            <a:lvl9pPr marL="3886200" indent="-228600" algn="l" defTabSz="457200" rtl="0" eaLnBrk="1" latinLnBrk="0" hangingPunct="1">
+              <a:spcBef>
+                <a:spcPct val="20000"/>
+              </a:spcBef>
+              <a:buFont typeface="Arial"/>
+              <a:buChar char="•"/>
+              <a:defRPr sz="2000" kern="1200">
+                <a:solidFill>
+                  <a:schemeClr val="tx1"/>
+                </a:solidFill>
+                <a:latin typeface="+mn-lt"/>
+                <a:ea typeface="+mn-ea"/>
+                <a:cs typeface="+mn-cs"/>
+              </a:defRPr>
+            </a:lvl9pPr>
+          </a:lstStyle>
+          <a:p>
+            <a:pPr indent="-228600" defTabSz="914400" eaLnBrk="1" hangingPunct="1">
+              <a:lnSpc>
+                <a:spcPct val="90000"/>
+              </a:lnSpc>
+              <a:buFont typeface="Arial" panose="020B0604020202020204" pitchFamily="34" charset="0"/>
+              <a:buChar char="•"/>
+            </a:pPr>
+            <a:r>
+              <a:rPr lang="en-US" sz="2000" dirty="0">
+                <a:solidFill>
+                  <a:srgbClr val="404040"/>
+                </a:solidFill>
+                <a:ea typeface="+mn-ea"/>
+                <a:cs typeface="+mn-cs"/>
+              </a:rPr>
+              <a:t>Install R on Your Laptop</a:t>
+            </a:r>
+            <a:endParaRPr lang="en-US" sz="1600" dirty="0">
+              <a:solidFill>
+                <a:srgbClr val="404040"/>
+              </a:solidFill>
+              <a:ea typeface="+mn-ea"/>
+              <a:hlinkClick r:id="rId4"/>
+            </a:endParaRPr>
+          </a:p>
+          <a:p>
+            <a:pPr marL="514350" lvl="1" indent="0" defTabSz="914400" eaLnBrk="1" hangingPunct="1">
+              <a:lnSpc>
+                <a:spcPct val="90000"/>
+              </a:lnSpc>
+              <a:buNone/>
+            </a:pPr>
+            <a:r>
+              <a:rPr lang="en-US" sz="1600" dirty="0">
+                <a:solidFill>
+                  <a:srgbClr val="404040"/>
+                </a:solidFill>
+                <a:ea typeface="+mn-ea"/>
+                <a:hlinkClick r:id="rId4"/>
+              </a:rPr>
+              <a:t>https://cran.r-project.org/</a:t>
+            </a:r>
+            <a:endParaRPr lang="en-US" sz="1600" dirty="0">
+              <a:solidFill>
+                <a:srgbClr val="404040"/>
+              </a:solidFill>
+              <a:ea typeface="+mn-ea"/>
+            </a:endParaRPr>
+          </a:p>
+          <a:p>
+            <a:pPr marL="514350" lvl="1" indent="0" defTabSz="914400" eaLnBrk="1" hangingPunct="1">
+              <a:lnSpc>
+                <a:spcPct val="90000"/>
+              </a:lnSpc>
+              <a:buNone/>
+            </a:pPr>
+            <a:endParaRPr lang="en-US" sz="2000" dirty="0">
+              <a:solidFill>
+                <a:srgbClr val="404040"/>
+              </a:solidFill>
+              <a:ea typeface="+mn-ea"/>
+              <a:cs typeface="+mn-cs"/>
+            </a:endParaRPr>
+          </a:p>
+          <a:p>
+            <a:pPr indent="-228600" defTabSz="914400" eaLnBrk="1" hangingPunct="1">
+              <a:lnSpc>
+                <a:spcPct val="90000"/>
+              </a:lnSpc>
+              <a:buFont typeface="Arial" panose="020B0604020202020204" pitchFamily="34" charset="0"/>
+              <a:buChar char="•"/>
+            </a:pPr>
+            <a:r>
+              <a:rPr lang="en-US" sz="2000" dirty="0">
+                <a:solidFill>
+                  <a:srgbClr val="404040"/>
+                </a:solidFill>
+                <a:ea typeface="+mn-ea"/>
+                <a:cs typeface="+mn-cs"/>
+              </a:rPr>
+              <a:t>Install </a:t>
+            </a:r>
+            <a:r>
+              <a:rPr lang="en-US" sz="2000" dirty="0" err="1">
+                <a:solidFill>
+                  <a:srgbClr val="404040"/>
+                </a:solidFill>
+                <a:ea typeface="+mn-ea"/>
+                <a:cs typeface="+mn-cs"/>
+              </a:rPr>
+              <a:t>Rstudio</a:t>
+            </a:r>
+            <a:r>
+              <a:rPr lang="en-US" sz="2000" dirty="0">
+                <a:solidFill>
+                  <a:srgbClr val="404040"/>
+                </a:solidFill>
+                <a:ea typeface="+mn-ea"/>
+                <a:cs typeface="+mn-cs"/>
+              </a:rPr>
+              <a:t> Desktop on Your Laptop</a:t>
+            </a:r>
+          </a:p>
+          <a:p>
+            <a:pPr lvl="1" indent="-228600" defTabSz="914400" eaLnBrk="1" hangingPunct="1">
+              <a:lnSpc>
+                <a:spcPct val="90000"/>
+              </a:lnSpc>
+              <a:buFont typeface="Arial" panose="020B0604020202020204" pitchFamily="34" charset="0"/>
+              <a:buChar char="•"/>
+            </a:pPr>
+            <a:r>
+              <a:rPr lang="en-US" sz="1600" dirty="0">
+                <a:solidFill>
+                  <a:srgbClr val="404040"/>
+                </a:solidFill>
+                <a:ea typeface="+mn-ea"/>
+                <a:hlinkClick r:id="rId5"/>
+              </a:rPr>
+              <a:t>https://www.rstudio.com/products/rstudio/#Desktop</a:t>
+            </a:r>
+            <a:endParaRPr lang="en-US" sz="1600" dirty="0">
+              <a:solidFill>
+                <a:srgbClr val="404040"/>
+              </a:solidFill>
+              <a:ea typeface="+mn-ea"/>
+            </a:endParaRPr>
+          </a:p>
+          <a:p>
+            <a:pPr marL="514350" lvl="1" indent="0" defTabSz="914400" eaLnBrk="1" hangingPunct="1">
+              <a:lnSpc>
+                <a:spcPct val="90000"/>
+              </a:lnSpc>
+              <a:buNone/>
+            </a:pPr>
+            <a:endParaRPr lang="en-US" sz="1600" dirty="0">
+              <a:solidFill>
+                <a:srgbClr val="404040"/>
+              </a:solidFill>
+              <a:ea typeface="+mn-ea"/>
+            </a:endParaRPr>
+          </a:p>
+          <a:p>
+            <a:pPr indent="-228600" defTabSz="914400" eaLnBrk="1" hangingPunct="1">
+              <a:lnSpc>
+                <a:spcPct val="90000"/>
+              </a:lnSpc>
+              <a:buFont typeface="Arial" panose="020B0604020202020204" pitchFamily="34" charset="0"/>
+              <a:buChar char="•"/>
+            </a:pPr>
+            <a:r>
+              <a:rPr lang="en-US" sz="2000" dirty="0">
+                <a:solidFill>
+                  <a:srgbClr val="404040"/>
+                </a:solidFill>
+                <a:ea typeface="+mn-ea"/>
+                <a:cs typeface="+mn-cs"/>
+              </a:rPr>
+              <a:t> Download the Textbooks</a:t>
+            </a:r>
+          </a:p>
+          <a:p>
+            <a:pPr lvl="1" indent="-228600" defTabSz="914400" eaLnBrk="1" hangingPunct="1">
+              <a:lnSpc>
+                <a:spcPct val="90000"/>
+              </a:lnSpc>
+              <a:buFont typeface="Arial" panose="020B0604020202020204" pitchFamily="34" charset="0"/>
+              <a:buChar char="•"/>
+            </a:pPr>
+            <a:r>
+              <a:rPr lang="en-US" sz="1600" dirty="0">
+                <a:solidFill>
+                  <a:srgbClr val="404040"/>
+                </a:solidFill>
+                <a:ea typeface="+mn-ea"/>
+                <a:cs typeface="+mn-cs"/>
+                <a:hlinkClick r:id="rId6"/>
+              </a:rPr>
+              <a:t>R4DS</a:t>
+            </a:r>
+            <a:endParaRPr lang="en-US" sz="1600" dirty="0">
+              <a:solidFill>
+                <a:srgbClr val="404040"/>
+              </a:solidFill>
+              <a:ea typeface="+mn-ea"/>
+              <a:cs typeface="+mn-cs"/>
+            </a:endParaRPr>
+          </a:p>
+          <a:p>
+            <a:pPr lvl="1" indent="-228600" defTabSz="914400" eaLnBrk="1" hangingPunct="1">
+              <a:lnSpc>
+                <a:spcPct val="90000"/>
+              </a:lnSpc>
+              <a:buFont typeface="Arial" panose="020B0604020202020204" pitchFamily="34" charset="0"/>
+              <a:buChar char="•"/>
+            </a:pPr>
+            <a:r>
+              <a:rPr lang="en-US" sz="1600" dirty="0">
+                <a:solidFill>
+                  <a:srgbClr val="404040"/>
+                </a:solidFill>
+                <a:ea typeface="+mn-ea"/>
+                <a:hlinkClick r:id="rId7"/>
+              </a:rPr>
+              <a:t>RP4DS</a:t>
+            </a:r>
+            <a:endParaRPr lang="en-US" sz="1600" dirty="0">
+              <a:solidFill>
+                <a:srgbClr val="404040"/>
+              </a:solidFill>
+              <a:ea typeface="+mn-ea"/>
+            </a:endParaRPr>
+          </a:p>
+          <a:p>
+            <a:pPr lvl="1" indent="-228600" defTabSz="914400" eaLnBrk="1" hangingPunct="1">
+              <a:lnSpc>
+                <a:spcPct val="90000"/>
+              </a:lnSpc>
+              <a:buFont typeface="Arial" panose="020B0604020202020204" pitchFamily="34" charset="0"/>
+              <a:buChar char="•"/>
+            </a:pPr>
+            <a:r>
+              <a:rPr lang="en-US" sz="1600" dirty="0">
+                <a:solidFill>
+                  <a:srgbClr val="404040"/>
+                </a:solidFill>
+                <a:ea typeface="+mn-ea"/>
+                <a:hlinkClick r:id="rId8"/>
+              </a:rPr>
+              <a:t>AoRP</a:t>
+            </a:r>
+            <a:endParaRPr lang="en-US" sz="1600" dirty="0">
+              <a:solidFill>
+                <a:srgbClr val="404040"/>
+              </a:solidFill>
+              <a:ea typeface="+mn-ea"/>
+              <a:cs typeface="+mn-cs"/>
+            </a:endParaRPr>
+          </a:p>
+          <a:p>
+            <a:pPr marL="514350" lvl="1" indent="0" defTabSz="914400" eaLnBrk="1" hangingPunct="1">
+              <a:lnSpc>
+                <a:spcPct val="90000"/>
+              </a:lnSpc>
+              <a:buNone/>
+            </a:pPr>
+            <a:endParaRPr lang="en-US" sz="1600" dirty="0">
+              <a:solidFill>
+                <a:srgbClr val="404040"/>
+              </a:solidFill>
+              <a:ea typeface="+mn-ea"/>
+              <a:cs typeface="+mn-cs"/>
+            </a:endParaRPr>
+          </a:p>
+          <a:p>
+            <a:pPr indent="-228600" defTabSz="914400" eaLnBrk="1" hangingPunct="1">
+              <a:lnSpc>
+                <a:spcPct val="90000"/>
+              </a:lnSpc>
+              <a:buFont typeface="Arial" panose="020B0604020202020204" pitchFamily="34" charset="0"/>
+              <a:buChar char="•"/>
+            </a:pPr>
+            <a:r>
+              <a:rPr lang="en-US" sz="2000" dirty="0">
+                <a:solidFill>
+                  <a:srgbClr val="404040"/>
+                </a:solidFill>
+                <a:ea typeface="+mn-ea"/>
+                <a:cs typeface="+mn-cs"/>
+              </a:rPr>
+              <a:t>Read the Introduction to R4DS</a:t>
+            </a:r>
+          </a:p>
+          <a:p>
+            <a:pPr indent="-228600" defTabSz="914400" eaLnBrk="1" hangingPunct="1">
+              <a:lnSpc>
+                <a:spcPct val="90000"/>
+              </a:lnSpc>
+              <a:buFont typeface="Arial" panose="020B0604020202020204" pitchFamily="34" charset="0"/>
+              <a:buChar char="•"/>
+            </a:pPr>
+            <a:endParaRPr lang="en-US" sz="2000" dirty="0">
+              <a:solidFill>
+                <a:srgbClr val="404040"/>
+              </a:solidFill>
+              <a:ea typeface="+mn-ea"/>
+              <a:cs typeface="+mn-cs"/>
+            </a:endParaRPr>
+          </a:p>
+          <a:p>
+            <a:pPr indent="-228600" defTabSz="914400" eaLnBrk="1" hangingPunct="1">
+              <a:lnSpc>
+                <a:spcPct val="90000"/>
+              </a:lnSpc>
+              <a:buFont typeface="Arial" panose="020B0604020202020204" pitchFamily="34" charset="0"/>
+              <a:buChar char="•"/>
+            </a:pPr>
+            <a:r>
+              <a:rPr lang="en-US" sz="2000" dirty="0">
+                <a:solidFill>
+                  <a:srgbClr val="404040"/>
+                </a:solidFill>
+                <a:ea typeface="+mn-ea"/>
+                <a:cs typeface="+mn-cs"/>
+              </a:rPr>
+              <a:t>Practice Programming with R Scripts</a:t>
+            </a:r>
+          </a:p>
+          <a:p>
+            <a:pPr lvl="1" indent="-228600" defTabSz="914400" eaLnBrk="1" hangingPunct="1">
+              <a:lnSpc>
+                <a:spcPct val="90000"/>
+              </a:lnSpc>
+              <a:buFont typeface="Arial" panose="020B0604020202020204" pitchFamily="34" charset="0"/>
+              <a:buChar char="•"/>
+            </a:pPr>
+            <a:r>
+              <a:rPr lang="en-US" sz="1600" dirty="0">
+                <a:solidFill>
+                  <a:srgbClr val="404040"/>
+                </a:solidFill>
+                <a:ea typeface="+mn-ea"/>
+                <a:cs typeface="+mn-cs"/>
+              </a:rPr>
+              <a:t>10 minutes a day in RP4DS or </a:t>
+            </a:r>
+            <a:r>
+              <a:rPr lang="en-US" sz="1600" dirty="0">
+                <a:solidFill>
+                  <a:srgbClr val="404040"/>
+                </a:solidFill>
+                <a:ea typeface="+mn-ea"/>
+              </a:rPr>
+              <a:t>AoRP</a:t>
+            </a:r>
+          </a:p>
+          <a:p>
+            <a:pPr marL="514350" lvl="1" indent="0" defTabSz="914400" eaLnBrk="1" hangingPunct="1">
+              <a:lnSpc>
+                <a:spcPct val="90000"/>
+              </a:lnSpc>
+              <a:buNone/>
+            </a:pPr>
+            <a:endParaRPr lang="en-US" sz="1600" dirty="0">
+              <a:solidFill>
+                <a:srgbClr val="404040"/>
+              </a:solidFill>
+              <a:ea typeface="+mn-ea"/>
+            </a:endParaRPr>
+          </a:p>
+          <a:p>
+            <a:pPr indent="-228600" defTabSz="914400" eaLnBrk="1" hangingPunct="1">
+              <a:lnSpc>
+                <a:spcPct val="90000"/>
+              </a:lnSpc>
+              <a:buFont typeface="Arial" panose="020B0604020202020204" pitchFamily="34" charset="0"/>
+              <a:buChar char="•"/>
+            </a:pPr>
+            <a:r>
+              <a:rPr lang="en-US" sz="2000" dirty="0">
+                <a:solidFill>
+                  <a:srgbClr val="404040"/>
+                </a:solidFill>
+                <a:ea typeface="+mn-ea"/>
+                <a:cs typeface="+mn-cs"/>
+              </a:rPr>
+              <a:t>Run Your First </a:t>
+            </a:r>
+            <a:r>
+              <a:rPr lang="en-US" sz="2000" dirty="0" err="1">
+                <a:solidFill>
+                  <a:srgbClr val="404040"/>
+                </a:solidFill>
+                <a:ea typeface="+mn-ea"/>
+                <a:cs typeface="+mn-cs"/>
+              </a:rPr>
+              <a:t>RMarkdown</a:t>
+            </a:r>
+            <a:r>
+              <a:rPr lang="en-US" sz="2000" dirty="0">
+                <a:solidFill>
+                  <a:srgbClr val="404040"/>
+                </a:solidFill>
+                <a:ea typeface="+mn-ea"/>
+                <a:cs typeface="+mn-cs"/>
+              </a:rPr>
+              <a:t> File</a:t>
+            </a:r>
+          </a:p>
+          <a:p>
+            <a:pPr lvl="1" indent="-228600" defTabSz="914400" eaLnBrk="1" hangingPunct="1">
+              <a:lnSpc>
+                <a:spcPct val="90000"/>
+              </a:lnSpc>
+              <a:buFont typeface="Arial" panose="020B0604020202020204" pitchFamily="34" charset="0"/>
+              <a:buChar char="•"/>
+            </a:pPr>
+            <a:r>
+              <a:rPr lang="en-US" sz="1600" dirty="0">
+                <a:solidFill>
+                  <a:srgbClr val="404040"/>
+                </a:solidFill>
+                <a:ea typeface="+mn-ea"/>
+                <a:hlinkClick r:id="rId9"/>
+              </a:rPr>
+              <a:t>https://rmarkdown.rstudio.com/lesson-1.html</a:t>
+            </a:r>
+            <a:endParaRPr lang="en-US" sz="1600" dirty="0">
+              <a:solidFill>
+                <a:srgbClr val="404040"/>
+              </a:solidFill>
+              <a:ea typeface="+mn-ea"/>
+            </a:endParaRPr>
+          </a:p>
+          <a:p>
+            <a:pPr lvl="1" indent="-228600" defTabSz="914400" eaLnBrk="1" hangingPunct="1">
+              <a:lnSpc>
+                <a:spcPct val="90000"/>
+              </a:lnSpc>
+              <a:buFont typeface="Arial" panose="020B0604020202020204" pitchFamily="34" charset="0"/>
+              <a:buChar char="•"/>
+            </a:pPr>
+            <a:r>
+              <a:rPr lang="en-US" sz="1600" dirty="0">
+                <a:solidFill>
+                  <a:srgbClr val="404040"/>
+                </a:solidFill>
+                <a:ea typeface="+mn-ea"/>
+                <a:hlinkClick r:id="rId10"/>
+              </a:rPr>
+              <a:t>https://drive.google.com/file/d/1MYjHq9YNxaPAni4Bin8GeEuOT68ilgZW/view?usp=sharing</a:t>
+            </a:r>
+            <a:endParaRPr lang="en-US" sz="1600" dirty="0">
+              <a:solidFill>
+                <a:srgbClr val="404040"/>
+              </a:solidFill>
+              <a:ea typeface="+mn-ea"/>
+              <a:cs typeface="+mn-cs"/>
+            </a:endParaRPr>
+          </a:p>
+          <a:p>
+            <a:pPr indent="-228600" defTabSz="914400" eaLnBrk="1" hangingPunct="1">
+              <a:lnSpc>
+                <a:spcPct val="90000"/>
+              </a:lnSpc>
+              <a:buFont typeface="Arial" panose="020B0604020202020204" pitchFamily="34" charset="0"/>
+              <a:buChar char="•"/>
+            </a:pPr>
+            <a:endParaRPr lang="en-US" sz="2000" dirty="0">
+              <a:solidFill>
+                <a:srgbClr val="404040"/>
+              </a:solidFill>
+              <a:ea typeface="+mn-ea"/>
+              <a:cs typeface="+mn-cs"/>
+            </a:endParaRPr>
+          </a:p>
+          <a:p>
+            <a:pPr indent="-228600" defTabSz="914400" eaLnBrk="1" hangingPunct="1">
+              <a:lnSpc>
+                <a:spcPct val="90000"/>
+              </a:lnSpc>
+              <a:buFont typeface="Arial" panose="020B0604020202020204" pitchFamily="34" charset="0"/>
+              <a:buChar char="•"/>
+            </a:pPr>
+            <a:endParaRPr lang="en-US" sz="2000" dirty="0">
+              <a:solidFill>
+                <a:srgbClr val="404040"/>
+              </a:solidFill>
+              <a:ea typeface="+mn-ea"/>
+              <a:cs typeface="+mn-cs"/>
+            </a:endParaRPr>
+          </a:p>
+          <a:p>
+            <a:pPr indent="-228600" defTabSz="914400" eaLnBrk="1" hangingPunct="1">
+              <a:lnSpc>
+                <a:spcPct val="90000"/>
+              </a:lnSpc>
+              <a:buFont typeface="Arial" panose="020B0604020202020204" pitchFamily="34" charset="0"/>
+              <a:buChar char="•"/>
+            </a:pPr>
+            <a:endParaRPr lang="en-US" sz="1600" dirty="0">
+              <a:solidFill>
+                <a:srgbClr val="404040"/>
+              </a:solidFill>
+              <a:ea typeface="+mn-ea"/>
+              <a:cs typeface="+mn-cs"/>
+            </a:endParaRPr>
+          </a:p>
+          <a:p>
+            <a:pPr indent="-228600" defTabSz="914400" eaLnBrk="1" hangingPunct="1">
+              <a:lnSpc>
+                <a:spcPct val="90000"/>
+              </a:lnSpc>
+              <a:buFont typeface="Arial" panose="020B0604020202020204" pitchFamily="34" charset="0"/>
+              <a:buChar char="•"/>
+            </a:pPr>
+            <a:endParaRPr lang="en-US" sz="2000" dirty="0">
+              <a:solidFill>
+                <a:srgbClr val="404040"/>
+              </a:solidFill>
+              <a:ea typeface="+mn-ea"/>
+              <a:cs typeface="+mn-cs"/>
+            </a:endParaRPr>
+          </a:p>
+          <a:p>
+            <a:pPr indent="-228600" defTabSz="914400" eaLnBrk="1" hangingPunct="1">
+              <a:lnSpc>
+                <a:spcPct val="90000"/>
+              </a:lnSpc>
+              <a:buFont typeface="Arial" panose="020B0604020202020204" pitchFamily="34" charset="0"/>
+              <a:buChar char="•"/>
+            </a:pPr>
+            <a:endParaRPr lang="en-US" sz="1600" dirty="0">
+              <a:solidFill>
+                <a:srgbClr val="404040"/>
+              </a:solidFill>
+              <a:ea typeface="+mn-ea"/>
+              <a:cs typeface="+mn-cs"/>
+            </a:endParaRPr>
+          </a:p>
+          <a:p>
+            <a:pPr indent="-228600" defTabSz="914400" eaLnBrk="1" hangingPunct="1">
+              <a:lnSpc>
+                <a:spcPct val="90000"/>
+              </a:lnSpc>
+              <a:buFont typeface="Arial" panose="020B0604020202020204" pitchFamily="34" charset="0"/>
+              <a:buChar char="•"/>
+            </a:pPr>
+            <a:endParaRPr lang="en-US" sz="2000" dirty="0">
+              <a:solidFill>
+                <a:srgbClr val="404040"/>
+              </a:solidFill>
+              <a:ea typeface="+mn-ea"/>
+              <a:cs typeface="+mn-cs"/>
+            </a:endParaRPr>
+          </a:p>
+        </p:txBody>
+      </p:sp>
     </p:spTree>
     <p:custDataLst>
       <p:tags r:id="rId1"/>
     </p:custDataLst>
+    <p:extLst>
+      <p:ext uri="{BB962C8B-B14F-4D97-AF65-F5344CB8AC3E}">
+        <p14:creationId xmlns:p14="http://schemas.microsoft.com/office/powerpoint/2010/main" val="2640508465"/>
+      </p:ext>
+    </p:extLst>
   </p:cSld>
   <p:clrMapOvr>
     <a:masterClrMapping/>
@@ -12265,6 +13013,16 @@
 <file path=ppt/slides/slide8.xml><?xml version="1.0" encoding="utf-8"?>
 <p:sld xmlns:a="http://schemas.openxmlformats.org/drawingml/2006/main" xmlns:r="http://schemas.openxmlformats.org/officeDocument/2006/relationships" xmlns:p="http://schemas.openxmlformats.org/presentationml/2006/main">
   <p:cSld>
+    <p:bg>
+      <p:bgPr>
+        <a:solidFill>
+          <a:schemeClr val="bg1">
+            <a:lumMod val="85000"/>
+          </a:schemeClr>
+        </a:solidFill>
+        <a:effectLst/>
+      </p:bgPr>
+    </p:bg>
     <p:spTree>
       <p:nvGrpSpPr>
         <p:cNvPr id="1" name=""/>
@@ -12281,173 +13039,642 @@
       </p:grpSpPr>
       <p:sp>
         <p:nvSpPr>
-          <p:cNvPr id="5" name="Title 1"/>
-          <p:cNvSpPr>
-            <a:spLocks noGrp="1"/>
-          </p:cNvSpPr>
-          <p:nvPr>
-            <p:ph type="title"/>
+          <p:cNvPr id="15" name="Rectangle 12">
+            <a:extLst>
+              <a:ext uri="{FF2B5EF4-FFF2-40B4-BE49-F238E27FC236}">
+                <a16:creationId xmlns:a16="http://schemas.microsoft.com/office/drawing/2014/main" id="{867D4867-5BA7-4462-B2F6-A23F4A622AA7}"/>
+              </a:ext>
+              <a:ext uri="{C183D7F6-B498-43B3-948B-1728B52AA6E4}">
+                <adec:decorative xmlns:adec="http://schemas.microsoft.com/office/drawing/2017/decorative" val="1"/>
+              </a:ext>
+            </a:extLst>
+          </p:cNvPr>
+          <p:cNvSpPr>
+            <a:spLocks noGrp="1" noRot="1" noChangeAspect="1" noMove="1" noResize="1" noEditPoints="1" noAdjustHandles="1" noChangeArrowheads="1" noChangeShapeType="1" noTextEdit="1"/>
+          </p:cNvSpPr>
+          <p:nvPr>
+            <p:extLst>
+              <p:ext uri="{386F3935-93C4-4BCD-93E2-E3B085C9AB24}">
+                <p16:designElem xmlns:p16="http://schemas.microsoft.com/office/powerpoint/2015/main" val="1"/>
+              </p:ext>
+            </p:extLst>
           </p:nvPr>
         </p:nvSpPr>
         <p:spPr>
           <a:xfrm>
-            <a:off x="457200" y="274638"/>
-            <a:ext cx="8229600" cy="792162"/>
-          </a:xfrm>
-          <a:solidFill>
-            <a:schemeClr val="accent1">
-              <a:lumMod val="20000"/>
-              <a:lumOff val="80000"/>
-            </a:schemeClr>
-          </a:solidFill>
-        </p:spPr>
-        <p:txBody>
-          <a:bodyPr>
-            <a:normAutofit/>
-          </a:bodyPr>
-          <a:lstStyle/>
-          <a:p>
-            <a:r>
-              <a:rPr lang="en-US" sz="4000" dirty="0"/>
-              <a:t>Course Website</a:t>
-            </a:r>
-          </a:p>
-        </p:txBody>
-      </p:sp>
-      <p:sp>
-        <p:nvSpPr>
-          <p:cNvPr id="4" name="Title 1"/>
-          <p:cNvSpPr txBox="1">
-            <a:spLocks/>
-          </p:cNvSpPr>
-          <p:nvPr/>
-        </p:nvSpPr>
-        <p:spPr bwMode="auto">
-          <a:xfrm>
-            <a:off x="533400" y="5257800"/>
-            <a:ext cx="8229600" cy="1390648"/>
+            <a:off x="0" y="0"/>
+            <a:ext cx="3490722" cy="6858000"/>
           </a:xfrm>
           <a:prstGeom prst="rect">
             <a:avLst/>
           </a:prstGeom>
           <a:solidFill>
-            <a:schemeClr val="accent1">
-              <a:lumMod val="20000"/>
-              <a:lumOff val="80000"/>
+            <a:schemeClr val="tx1">
+              <a:lumMod val="75000"/>
+              <a:lumOff val="25000"/>
             </a:schemeClr>
           </a:solidFill>
           <a:ln>
-            <a:headEnd/>
-            <a:tailEnd/>
+            <a:noFill/>
           </a:ln>
         </p:spPr>
         <p:style>
-          <a:lnRef idx="1">
-            <a:schemeClr val="accent1"/>
+          <a:lnRef idx="0">
+            <a:scrgbClr r="0" g="0" b="0"/>
           </a:lnRef>
-          <a:fillRef idx="2">
-            <a:schemeClr val="accent1"/>
+          <a:fillRef idx="0">
+            <a:scrgbClr r="0" g="0" b="0"/>
           </a:fillRef>
-          <a:effectRef idx="1">
-            <a:schemeClr val="accent1"/>
+          <a:effectRef idx="0">
+            <a:scrgbClr r="0" g="0" b="0"/>
           </a:effectRef>
           <a:fontRef idx="minor">
-            <a:schemeClr val="dk1"/>
+            <a:schemeClr val="lt1"/>
           </a:fontRef>
         </p:style>
         <p:txBody>
-          <a:bodyPr vert="horz" wrap="square" lIns="91440" tIns="45720" rIns="91440" bIns="45720" numCol="1" anchor="ctr" anchorCtr="0" compatLnSpc="1">
-            <a:prstTxWarp prst="textNoShape">
-              <a:avLst/>
-            </a:prstTxWarp>
+          <a:bodyPr rtlCol="0" anchor="ctr"/>
+          <a:lstStyle/>
+          <a:p>
+            <a:pPr algn="ctr"/>
+            <a:endParaRPr lang="en-US"/>
+          </a:p>
+        </p:txBody>
+      </p:sp>
+      <p:sp>
+        <p:nvSpPr>
+          <p:cNvPr id="2" name="Title 1"/>
+          <p:cNvSpPr>
+            <a:spLocks noGrp="1"/>
+          </p:cNvSpPr>
+          <p:nvPr>
+            <p:ph type="title"/>
+          </p:nvPr>
+        </p:nvSpPr>
+        <p:spPr>
+          <a:xfrm>
+            <a:off x="482600" y="643467"/>
+            <a:ext cx="2522980" cy="1597315"/>
+          </a:xfrm>
+          <a:noFill/>
+          <a:ln w="19050">
+            <a:solidFill>
+              <a:schemeClr val="bg1"/>
+            </a:solidFill>
+          </a:ln>
+        </p:spPr>
+        <p:txBody>
+          <a:bodyPr vert="horz" wrap="square" lIns="91440" tIns="45720" rIns="91440" bIns="45720" rtlCol="0" anchor="ctr">
             <a:normAutofit/>
           </a:bodyPr>
           <a:lstStyle/>
           <a:p>
-            <a:pPr marL="342900" indent="-342900" eaLnBrk="0" hangingPunct="0">
-              <a:buFont typeface="Arial" charset="0"/>
-              <a:buChar char="•"/>
-              <a:defRPr/>
-            </a:pPr>
+            <a:pPr defTabSz="914400" eaLnBrk="1" hangingPunct="1">
+              <a:lnSpc>
+                <a:spcPct val="90000"/>
+              </a:lnSpc>
+            </a:pPr>
+            <a:r>
+              <a:rPr lang="en-US" sz="2400" kern="1200" dirty="0">
+                <a:solidFill>
+                  <a:schemeClr val="bg1"/>
+                </a:solidFill>
+                <a:latin typeface="+mj-lt"/>
+                <a:ea typeface="+mj-ea"/>
+                <a:cs typeface="+mj-cs"/>
+              </a:rPr>
+              <a:t>Closing</a:t>
+            </a:r>
             <a:r>
               <a:rPr lang="en-US" sz="2400" dirty="0">
                 <a:solidFill>
-                  <a:schemeClr val="tx1"/>
-                </a:solidFill>
-                <a:ea typeface="ＭＳ Ｐゴシック" charset="-128"/>
-                <a:cs typeface="ＭＳ Ｐゴシック" charset="-128"/>
+                  <a:schemeClr val="bg1"/>
+                </a:solidFill>
+                <a:ea typeface="+mj-ea"/>
+                <a:cs typeface="+mj-cs"/>
               </a:rPr>
-              <a:t>All information for the course will be at the website above. Visit often, the address is also on the home page for our course on Sakai.</a:t>
-            </a:r>
-          </a:p>
-        </p:txBody>
-      </p:sp>
-      <p:sp>
-        <p:nvSpPr>
-          <p:cNvPr id="20" name="TextBox 19"/>
-          <p:cNvSpPr txBox="1"/>
+              <a:t>?</a:t>
+            </a:r>
+            <a:endParaRPr lang="en-US" sz="2400" kern="1200" dirty="0">
+              <a:solidFill>
+                <a:schemeClr val="bg1"/>
+              </a:solidFill>
+              <a:latin typeface="+mj-lt"/>
+              <a:ea typeface="+mj-ea"/>
+              <a:cs typeface="+mj-cs"/>
+            </a:endParaRPr>
+          </a:p>
+        </p:txBody>
+      </p:sp>
+      <p:pic>
+        <p:nvPicPr>
+          <p:cNvPr id="8" name="Picture 7">
+            <a:extLst>
+              <a:ext uri="{FF2B5EF4-FFF2-40B4-BE49-F238E27FC236}">
+                <a16:creationId xmlns:a16="http://schemas.microsoft.com/office/drawing/2014/main" id="{521D4292-9ECC-4DA5-8CC0-C561A0DA118E}"/>
+              </a:ext>
+            </a:extLst>
+          </p:cNvPr>
+          <p:cNvPicPr>
+            <a:picLocks noChangeAspect="1"/>
+          </p:cNvPicPr>
           <p:nvPr/>
-        </p:nvSpPr>
+        </p:nvPicPr>
+        <p:blipFill rotWithShape="1">
+          <a:blip r:embed="rId3"/>
+          <a:srcRect l="8000" r="9400"/>
+          <a:stretch/>
+        </p:blipFill>
         <p:spPr>
           <a:xfrm>
-            <a:off x="4262284" y="1283110"/>
-            <a:ext cx="184731" cy="461665"/>
+            <a:off x="660103" y="3048000"/>
+            <a:ext cx="2167974" cy="2624666"/>
           </a:xfrm>
           <a:prstGeom prst="rect">
             <a:avLst/>
           </a:prstGeom>
           <a:noFill/>
         </p:spPr>
-        <p:txBody>
-          <a:bodyPr wrap="none" rtlCol="0">
-            <a:spAutoFit/>
-          </a:bodyPr>
-          <a:lstStyle/>
-          <a:p>
-            <a:endParaRPr lang="en-US" dirty="0"/>
-          </a:p>
-        </p:txBody>
-      </p:sp>
-      <p:sp>
-        <p:nvSpPr>
-          <p:cNvPr id="3" name="Rectangle 2"/>
-          <p:cNvSpPr/>
+      </p:pic>
+      <p:sp>
+        <p:nvSpPr>
+          <p:cNvPr id="7" name="Content Placeholder 2">
+            <a:extLst>
+              <a:ext uri="{FF2B5EF4-FFF2-40B4-BE49-F238E27FC236}">
+                <a16:creationId xmlns:a16="http://schemas.microsoft.com/office/drawing/2014/main" id="{8FE51533-15BE-453E-90FE-08298901BC34}"/>
+              </a:ext>
+            </a:extLst>
+          </p:cNvPr>
+          <p:cNvSpPr txBox="1">
+            <a:spLocks/>
+          </p:cNvSpPr>
           <p:nvPr/>
         </p:nvSpPr>
-        <p:spPr>
+        <p:spPr bwMode="auto">
           <a:xfrm>
-            <a:off x="533400" y="1952179"/>
-            <a:ext cx="7772400" cy="646331"/>
+            <a:off x="3810000" y="643466"/>
+            <a:ext cx="4851400" cy="5833533"/>
           </a:xfrm>
           <a:prstGeom prst="rect">
             <a:avLst/>
           </a:prstGeom>
         </p:spPr>
         <p:txBody>
-          <a:bodyPr wrap="square">
-            <a:spAutoFit/>
+          <a:bodyPr vert="horz" lIns="91440" tIns="45720" rIns="91440" bIns="45720" numCol="1" rtlCol="0" anchorCtr="0" compatLnSpc="1">
+            <a:prstTxWarp prst="textNoShape">
+              <a:avLst/>
+            </a:prstTxWarp>
+            <a:noAutofit/>
           </a:bodyPr>
-          <a:lstStyle/>
-          <a:p>
-            <a:r>
-              <a:rPr lang="en-US" sz="3600" dirty="0">
-                <a:hlinkClick r:id="rId4"/>
+          <a:lstStyle>
+            <a:lvl1pPr marL="342900" indent="-342900" algn="l" defTabSz="457200" rtl="0" eaLnBrk="0" fontAlgn="base" hangingPunct="0">
+              <a:spcBef>
+                <a:spcPct val="20000"/>
+              </a:spcBef>
+              <a:spcAft>
+                <a:spcPct val="0"/>
+              </a:spcAft>
+              <a:buFont typeface="Arial" charset="0"/>
+              <a:buChar char="•"/>
+              <a:defRPr sz="3200" kern="1200">
+                <a:solidFill>
+                  <a:schemeClr val="tx1"/>
+                </a:solidFill>
+                <a:latin typeface="+mn-lt"/>
+                <a:ea typeface="ＭＳ Ｐゴシック" pitchFamily="-109" charset="-128"/>
+                <a:cs typeface="ＭＳ Ｐゴシック" pitchFamily="-109" charset="-128"/>
+              </a:defRPr>
+            </a:lvl1pPr>
+            <a:lvl2pPr marL="742950" indent="-285750" algn="l" defTabSz="457200" rtl="0" eaLnBrk="0" fontAlgn="base" hangingPunct="0">
+              <a:spcBef>
+                <a:spcPct val="20000"/>
+              </a:spcBef>
+              <a:spcAft>
+                <a:spcPct val="0"/>
+              </a:spcAft>
+              <a:buFont typeface="Arial" charset="0"/>
+              <a:buChar char="–"/>
+              <a:defRPr sz="2800" kern="1200">
+                <a:solidFill>
+                  <a:schemeClr val="tx1"/>
+                </a:solidFill>
+                <a:latin typeface="+mn-lt"/>
+                <a:ea typeface="ＭＳ Ｐゴシック" pitchFamily="-109" charset="-128"/>
+                <a:cs typeface="+mn-cs"/>
+              </a:defRPr>
+            </a:lvl2pPr>
+            <a:lvl3pPr marL="1143000" indent="-228600" algn="l" defTabSz="457200" rtl="0" eaLnBrk="0" fontAlgn="base" hangingPunct="0">
+              <a:spcBef>
+                <a:spcPct val="20000"/>
+              </a:spcBef>
+              <a:spcAft>
+                <a:spcPct val="0"/>
+              </a:spcAft>
+              <a:buFont typeface="Arial" charset="0"/>
+              <a:buChar char="•"/>
+              <a:defRPr sz="2400" kern="1200">
+                <a:solidFill>
+                  <a:schemeClr val="tx1"/>
+                </a:solidFill>
+                <a:latin typeface="+mn-lt"/>
+                <a:ea typeface="ＭＳ Ｐゴシック" pitchFamily="-109" charset="-128"/>
+                <a:cs typeface="+mn-cs"/>
+              </a:defRPr>
+            </a:lvl3pPr>
+            <a:lvl4pPr marL="1600200" indent="-228600" algn="l" defTabSz="457200" rtl="0" eaLnBrk="0" fontAlgn="base" hangingPunct="0">
+              <a:spcBef>
+                <a:spcPct val="20000"/>
+              </a:spcBef>
+              <a:spcAft>
+                <a:spcPct val="0"/>
+              </a:spcAft>
+              <a:buFont typeface="Arial" charset="0"/>
+              <a:buChar char="–"/>
+              <a:defRPr sz="2000" kern="1200">
+                <a:solidFill>
+                  <a:schemeClr val="tx1"/>
+                </a:solidFill>
+                <a:latin typeface="+mn-lt"/>
+                <a:ea typeface="ＭＳ Ｐゴシック" pitchFamily="-109" charset="-128"/>
+                <a:cs typeface="+mn-cs"/>
+              </a:defRPr>
+            </a:lvl4pPr>
+            <a:lvl5pPr marL="2057400" indent="-228600" algn="l" defTabSz="457200" rtl="0" eaLnBrk="0" fontAlgn="base" hangingPunct="0">
+              <a:spcBef>
+                <a:spcPct val="20000"/>
+              </a:spcBef>
+              <a:spcAft>
+                <a:spcPct val="0"/>
+              </a:spcAft>
+              <a:buFont typeface="Arial" charset="0"/>
+              <a:buChar char="»"/>
+              <a:defRPr sz="2000" kern="1200">
+                <a:solidFill>
+                  <a:schemeClr val="tx1"/>
+                </a:solidFill>
+                <a:latin typeface="+mn-lt"/>
+                <a:ea typeface="ＭＳ Ｐゴシック" pitchFamily="-109" charset="-128"/>
+                <a:cs typeface="+mn-cs"/>
+              </a:defRPr>
+            </a:lvl5pPr>
+            <a:lvl6pPr marL="2514600" indent="-228600" algn="l" defTabSz="457200" rtl="0" eaLnBrk="1" latinLnBrk="0" hangingPunct="1">
+              <a:spcBef>
+                <a:spcPct val="20000"/>
+              </a:spcBef>
+              <a:buFont typeface="Arial"/>
+              <a:buChar char="•"/>
+              <a:defRPr sz="2000" kern="1200">
+                <a:solidFill>
+                  <a:schemeClr val="tx1"/>
+                </a:solidFill>
+                <a:latin typeface="+mn-lt"/>
+                <a:ea typeface="+mn-ea"/>
+                <a:cs typeface="+mn-cs"/>
+              </a:defRPr>
+            </a:lvl6pPr>
+            <a:lvl7pPr marL="2971800" indent="-228600" algn="l" defTabSz="457200" rtl="0" eaLnBrk="1" latinLnBrk="0" hangingPunct="1">
+              <a:spcBef>
+                <a:spcPct val="20000"/>
+              </a:spcBef>
+              <a:buFont typeface="Arial"/>
+              <a:buChar char="•"/>
+              <a:defRPr sz="2000" kern="1200">
+                <a:solidFill>
+                  <a:schemeClr val="tx1"/>
+                </a:solidFill>
+                <a:latin typeface="+mn-lt"/>
+                <a:ea typeface="+mn-ea"/>
+                <a:cs typeface="+mn-cs"/>
+              </a:defRPr>
+            </a:lvl7pPr>
+            <a:lvl8pPr marL="3429000" indent="-228600" algn="l" defTabSz="457200" rtl="0" eaLnBrk="1" latinLnBrk="0" hangingPunct="1">
+              <a:spcBef>
+                <a:spcPct val="20000"/>
+              </a:spcBef>
+              <a:buFont typeface="Arial"/>
+              <a:buChar char="•"/>
+              <a:defRPr sz="2000" kern="1200">
+                <a:solidFill>
+                  <a:schemeClr val="tx1"/>
+                </a:solidFill>
+                <a:latin typeface="+mn-lt"/>
+                <a:ea typeface="+mn-ea"/>
+                <a:cs typeface="+mn-cs"/>
+              </a:defRPr>
+            </a:lvl8pPr>
+            <a:lvl9pPr marL="3886200" indent="-228600" algn="l" defTabSz="457200" rtl="0" eaLnBrk="1" latinLnBrk="0" hangingPunct="1">
+              <a:spcBef>
+                <a:spcPct val="20000"/>
+              </a:spcBef>
+              <a:buFont typeface="Arial"/>
+              <a:buChar char="•"/>
+              <a:defRPr sz="2000" kern="1200">
+                <a:solidFill>
+                  <a:schemeClr val="tx1"/>
+                </a:solidFill>
+                <a:latin typeface="+mn-lt"/>
+                <a:ea typeface="+mn-ea"/>
+                <a:cs typeface="+mn-cs"/>
+              </a:defRPr>
+            </a:lvl9pPr>
+          </a:lstStyle>
+          <a:p>
+            <a:pPr indent="-228600" defTabSz="914400" eaLnBrk="1" hangingPunct="1">
+              <a:lnSpc>
+                <a:spcPct val="90000"/>
+              </a:lnSpc>
+              <a:buFont typeface="Arial" panose="020B0604020202020204" pitchFamily="34" charset="0"/>
+              <a:buChar char="•"/>
+            </a:pPr>
+            <a:endParaRPr lang="en-US" sz="2000" dirty="0">
+              <a:solidFill>
+                <a:srgbClr val="404040"/>
+              </a:solidFill>
+              <a:ea typeface="+mn-ea"/>
+              <a:cs typeface="+mn-cs"/>
+            </a:endParaRPr>
+          </a:p>
+          <a:p>
+            <a:pPr indent="-228600" defTabSz="914400" eaLnBrk="1" hangingPunct="1">
+              <a:lnSpc>
+                <a:spcPct val="90000"/>
+              </a:lnSpc>
+              <a:buFont typeface="Arial" panose="020B0604020202020204" pitchFamily="34" charset="0"/>
+              <a:buChar char="•"/>
+            </a:pPr>
+            <a:endParaRPr lang="en-US" sz="2000" dirty="0">
+              <a:solidFill>
+                <a:srgbClr val="404040"/>
+              </a:solidFill>
+              <a:ea typeface="+mn-ea"/>
+              <a:cs typeface="+mn-cs"/>
+            </a:endParaRPr>
+          </a:p>
+        </p:txBody>
+      </p:sp>
+      <p:sp>
+        <p:nvSpPr>
+          <p:cNvPr id="10" name="Content Placeholder 2">
+            <a:extLst>
+              <a:ext uri="{FF2B5EF4-FFF2-40B4-BE49-F238E27FC236}">
+                <a16:creationId xmlns:a16="http://schemas.microsoft.com/office/drawing/2014/main" id="{10754C74-871F-42E2-A79F-10B9CCA16CD5}"/>
+              </a:ext>
+            </a:extLst>
+          </p:cNvPr>
+          <p:cNvSpPr txBox="1">
+            <a:spLocks/>
+          </p:cNvSpPr>
+          <p:nvPr/>
+        </p:nvSpPr>
+        <p:spPr bwMode="auto">
+          <a:xfrm>
+            <a:off x="3973322" y="643466"/>
+            <a:ext cx="4851400" cy="5953916"/>
+          </a:xfrm>
+          <a:prstGeom prst="rect">
+            <a:avLst/>
+          </a:prstGeom>
+        </p:spPr>
+        <p:txBody>
+          <a:bodyPr vert="horz" lIns="91440" tIns="45720" rIns="91440" bIns="45720" numCol="1" rtlCol="0" anchorCtr="0" compatLnSpc="1">
+            <a:prstTxWarp prst="textNoShape">
+              <a:avLst/>
+            </a:prstTxWarp>
+            <a:noAutofit/>
+          </a:bodyPr>
+          <a:lstStyle>
+            <a:lvl1pPr marL="342900" indent="-342900" algn="l" defTabSz="457200" rtl="0" eaLnBrk="0" fontAlgn="base" hangingPunct="0">
+              <a:spcBef>
+                <a:spcPct val="20000"/>
+              </a:spcBef>
+              <a:spcAft>
+                <a:spcPct val="0"/>
+              </a:spcAft>
+              <a:buFont typeface="Arial" charset="0"/>
+              <a:buChar char="•"/>
+              <a:defRPr sz="3200" kern="1200">
+                <a:solidFill>
+                  <a:schemeClr val="tx1"/>
+                </a:solidFill>
+                <a:latin typeface="+mn-lt"/>
+                <a:ea typeface="ＭＳ Ｐゴシック" pitchFamily="-109" charset="-128"/>
+                <a:cs typeface="ＭＳ Ｐゴシック" pitchFamily="-109" charset="-128"/>
+              </a:defRPr>
+            </a:lvl1pPr>
+            <a:lvl2pPr marL="742950" indent="-285750" algn="l" defTabSz="457200" rtl="0" eaLnBrk="0" fontAlgn="base" hangingPunct="0">
+              <a:spcBef>
+                <a:spcPct val="20000"/>
+              </a:spcBef>
+              <a:spcAft>
+                <a:spcPct val="0"/>
+              </a:spcAft>
+              <a:buFont typeface="Arial" charset="0"/>
+              <a:buChar char="–"/>
+              <a:defRPr sz="2800" kern="1200">
+                <a:solidFill>
+                  <a:schemeClr val="tx1"/>
+                </a:solidFill>
+                <a:latin typeface="+mn-lt"/>
+                <a:ea typeface="ＭＳ Ｐゴシック" pitchFamily="-109" charset="-128"/>
+                <a:cs typeface="+mn-cs"/>
+              </a:defRPr>
+            </a:lvl2pPr>
+            <a:lvl3pPr marL="1143000" indent="-228600" algn="l" defTabSz="457200" rtl="0" eaLnBrk="0" fontAlgn="base" hangingPunct="0">
+              <a:spcBef>
+                <a:spcPct val="20000"/>
+              </a:spcBef>
+              <a:spcAft>
+                <a:spcPct val="0"/>
+              </a:spcAft>
+              <a:buFont typeface="Arial" charset="0"/>
+              <a:buChar char="•"/>
+              <a:defRPr sz="2400" kern="1200">
+                <a:solidFill>
+                  <a:schemeClr val="tx1"/>
+                </a:solidFill>
+                <a:latin typeface="+mn-lt"/>
+                <a:ea typeface="ＭＳ Ｐゴシック" pitchFamily="-109" charset="-128"/>
+                <a:cs typeface="+mn-cs"/>
+              </a:defRPr>
+            </a:lvl3pPr>
+            <a:lvl4pPr marL="1600200" indent="-228600" algn="l" defTabSz="457200" rtl="0" eaLnBrk="0" fontAlgn="base" hangingPunct="0">
+              <a:spcBef>
+                <a:spcPct val="20000"/>
+              </a:spcBef>
+              <a:spcAft>
+                <a:spcPct val="0"/>
+              </a:spcAft>
+              <a:buFont typeface="Arial" charset="0"/>
+              <a:buChar char="–"/>
+              <a:defRPr sz="2000" kern="1200">
+                <a:solidFill>
+                  <a:schemeClr val="tx1"/>
+                </a:solidFill>
+                <a:latin typeface="+mn-lt"/>
+                <a:ea typeface="ＭＳ Ｐゴシック" pitchFamily="-109" charset="-128"/>
+                <a:cs typeface="+mn-cs"/>
+              </a:defRPr>
+            </a:lvl4pPr>
+            <a:lvl5pPr marL="2057400" indent="-228600" algn="l" defTabSz="457200" rtl="0" eaLnBrk="0" fontAlgn="base" hangingPunct="0">
+              <a:spcBef>
+                <a:spcPct val="20000"/>
+              </a:spcBef>
+              <a:spcAft>
+                <a:spcPct val="0"/>
+              </a:spcAft>
+              <a:buFont typeface="Arial" charset="0"/>
+              <a:buChar char="»"/>
+              <a:defRPr sz="2000" kern="1200">
+                <a:solidFill>
+                  <a:schemeClr val="tx1"/>
+                </a:solidFill>
+                <a:latin typeface="+mn-lt"/>
+                <a:ea typeface="ＭＳ Ｐゴシック" pitchFamily="-109" charset="-128"/>
+                <a:cs typeface="+mn-cs"/>
+              </a:defRPr>
+            </a:lvl5pPr>
+            <a:lvl6pPr marL="2514600" indent="-228600" algn="l" defTabSz="457200" rtl="0" eaLnBrk="1" latinLnBrk="0" hangingPunct="1">
+              <a:spcBef>
+                <a:spcPct val="20000"/>
+              </a:spcBef>
+              <a:buFont typeface="Arial"/>
+              <a:buChar char="•"/>
+              <a:defRPr sz="2000" kern="1200">
+                <a:solidFill>
+                  <a:schemeClr val="tx1"/>
+                </a:solidFill>
+                <a:latin typeface="+mn-lt"/>
+                <a:ea typeface="+mn-ea"/>
+                <a:cs typeface="+mn-cs"/>
+              </a:defRPr>
+            </a:lvl6pPr>
+            <a:lvl7pPr marL="2971800" indent="-228600" algn="l" defTabSz="457200" rtl="0" eaLnBrk="1" latinLnBrk="0" hangingPunct="1">
+              <a:spcBef>
+                <a:spcPct val="20000"/>
+              </a:spcBef>
+              <a:buFont typeface="Arial"/>
+              <a:buChar char="•"/>
+              <a:defRPr sz="2000" kern="1200">
+                <a:solidFill>
+                  <a:schemeClr val="tx1"/>
+                </a:solidFill>
+                <a:latin typeface="+mn-lt"/>
+                <a:ea typeface="+mn-ea"/>
+                <a:cs typeface="+mn-cs"/>
+              </a:defRPr>
+            </a:lvl7pPr>
+            <a:lvl8pPr marL="3429000" indent="-228600" algn="l" defTabSz="457200" rtl="0" eaLnBrk="1" latinLnBrk="0" hangingPunct="1">
+              <a:spcBef>
+                <a:spcPct val="20000"/>
+              </a:spcBef>
+              <a:buFont typeface="Arial"/>
+              <a:buChar char="•"/>
+              <a:defRPr sz="2000" kern="1200">
+                <a:solidFill>
+                  <a:schemeClr val="tx1"/>
+                </a:solidFill>
+                <a:latin typeface="+mn-lt"/>
+                <a:ea typeface="+mn-ea"/>
+                <a:cs typeface="+mn-cs"/>
+              </a:defRPr>
+            </a:lvl8pPr>
+            <a:lvl9pPr marL="3886200" indent="-228600" algn="l" defTabSz="457200" rtl="0" eaLnBrk="1" latinLnBrk="0" hangingPunct="1">
+              <a:spcBef>
+                <a:spcPct val="20000"/>
+              </a:spcBef>
+              <a:buFont typeface="Arial"/>
+              <a:buChar char="•"/>
+              <a:defRPr sz="2000" kern="1200">
+                <a:solidFill>
+                  <a:schemeClr val="tx1"/>
+                </a:solidFill>
+                <a:latin typeface="+mn-lt"/>
+                <a:ea typeface="+mn-ea"/>
+                <a:cs typeface="+mn-cs"/>
+              </a:defRPr>
+            </a:lvl9pPr>
+          </a:lstStyle>
+          <a:p>
+            <a:pPr marL="114300" indent="0" defTabSz="914400" eaLnBrk="1" hangingPunct="1">
+              <a:lnSpc>
+                <a:spcPct val="90000"/>
+              </a:lnSpc>
+              <a:buNone/>
+            </a:pPr>
+            <a:r>
+              <a:rPr lang="en-US" sz="7200" dirty="0">
+                <a:solidFill>
+                  <a:srgbClr val="404040"/>
+                </a:solidFill>
+                <a:ea typeface="+mn-ea"/>
+                <a:cs typeface="+mn-cs"/>
               </a:rPr>
-              <a:t>https://</a:t>
-            </a:r>
-            <a:r>
-              <a:rPr lang="en-US" sz="3600" dirty="0" err="1">
-                <a:hlinkClick r:id="rId4"/>
-              </a:rPr>
-              <a:t>ncdaddy.github.io</a:t>
-            </a:r>
-            <a:r>
-              <a:rPr lang="en-US" sz="3600" dirty="0">
-                <a:hlinkClick r:id="rId4"/>
-              </a:rPr>
-              <a:t>/STOR_320/</a:t>
-            </a:r>
-            <a:endParaRPr lang="en-US" sz="3600" dirty="0"/>
+              <a:t>Disperse and Make Reasonable Decisions</a:t>
+            </a:r>
+          </a:p>
+          <a:p>
+            <a:pPr indent="-228600" defTabSz="914400" eaLnBrk="1" hangingPunct="1">
+              <a:lnSpc>
+                <a:spcPct val="90000"/>
+              </a:lnSpc>
+              <a:buFont typeface="Arial" panose="020B0604020202020204" pitchFamily="34" charset="0"/>
+              <a:buChar char="•"/>
+            </a:pPr>
+            <a:endParaRPr lang="en-US" sz="7200" dirty="0">
+              <a:solidFill>
+                <a:srgbClr val="404040"/>
+              </a:solidFill>
+              <a:ea typeface="+mn-ea"/>
+              <a:cs typeface="+mn-cs"/>
+            </a:endParaRPr>
+          </a:p>
+          <a:p>
+            <a:pPr indent="-228600" defTabSz="914400" eaLnBrk="1" hangingPunct="1">
+              <a:lnSpc>
+                <a:spcPct val="90000"/>
+              </a:lnSpc>
+              <a:buFont typeface="Arial" panose="020B0604020202020204" pitchFamily="34" charset="0"/>
+              <a:buChar char="•"/>
+            </a:pPr>
+            <a:endParaRPr lang="en-US" sz="7200" dirty="0">
+              <a:solidFill>
+                <a:srgbClr val="404040"/>
+              </a:solidFill>
+              <a:ea typeface="+mn-ea"/>
+              <a:cs typeface="+mn-cs"/>
+            </a:endParaRPr>
+          </a:p>
+          <a:p>
+            <a:pPr indent="-228600" defTabSz="914400" eaLnBrk="1" hangingPunct="1">
+              <a:lnSpc>
+                <a:spcPct val="90000"/>
+              </a:lnSpc>
+              <a:buFont typeface="Arial" panose="020B0604020202020204" pitchFamily="34" charset="0"/>
+              <a:buChar char="•"/>
+            </a:pPr>
+            <a:endParaRPr lang="en-US" sz="7200" dirty="0">
+              <a:solidFill>
+                <a:srgbClr val="404040"/>
+              </a:solidFill>
+              <a:ea typeface="+mn-ea"/>
+              <a:cs typeface="+mn-cs"/>
+            </a:endParaRPr>
+          </a:p>
+          <a:p>
+            <a:pPr indent="-228600" defTabSz="914400" eaLnBrk="1" hangingPunct="1">
+              <a:lnSpc>
+                <a:spcPct val="90000"/>
+              </a:lnSpc>
+              <a:buFont typeface="Arial" panose="020B0604020202020204" pitchFamily="34" charset="0"/>
+              <a:buChar char="•"/>
+            </a:pPr>
+            <a:endParaRPr lang="en-US" sz="7200" dirty="0">
+              <a:solidFill>
+                <a:srgbClr val="404040"/>
+              </a:solidFill>
+              <a:ea typeface="+mn-ea"/>
+              <a:cs typeface="+mn-cs"/>
+            </a:endParaRPr>
           </a:p>
         </p:txBody>
       </p:sp>
@@ -12457,104 +13684,13 @@
     </p:custDataLst>
     <p:extLst>
       <p:ext uri="{BB962C8B-B14F-4D97-AF65-F5344CB8AC3E}">
-        <p14:creationId xmlns:p14="http://schemas.microsoft.com/office/powerpoint/2010/main" val="184621909"/>
+        <p14:creationId xmlns:p14="http://schemas.microsoft.com/office/powerpoint/2010/main" val="3647066437"/>
       </p:ext>
     </p:extLst>
   </p:cSld>
   <p:clrMapOvr>
     <a:masterClrMapping/>
   </p:clrMapOvr>
-  <p:timing>
-    <p:tnLst>
-      <p:par>
-        <p:cTn id="1" dur="indefinite" restart="never" nodeType="tmRoot">
-          <p:childTnLst>
-            <p:seq concurrent="1" nextAc="seek">
-              <p:cTn id="2" dur="indefinite" nodeType="mainSeq">
-                <p:childTnLst>
-                  <p:par>
-                    <p:cTn id="3" fill="hold">
-                      <p:stCondLst>
-                        <p:cond delay="indefinite"/>
-                      </p:stCondLst>
-                      <p:childTnLst>
-                        <p:par>
-                          <p:cTn id="4" fill="hold">
-                            <p:stCondLst>
-                              <p:cond delay="0"/>
-                            </p:stCondLst>
-                            <p:childTnLst>
-                              <p:par>
-                                <p:cTn id="5" presetID="10" presetClass="entr" presetSubtype="0" fill="hold" nodeType="clickEffect">
-                                  <p:stCondLst>
-                                    <p:cond delay="0"/>
-                                  </p:stCondLst>
-                                  <p:childTnLst>
-                                    <p:set>
-                                      <p:cBhvr>
-                                        <p:cTn id="6" dur="1" fill="hold">
-                                          <p:stCondLst>
-                                            <p:cond delay="0"/>
-                                          </p:stCondLst>
-                                        </p:cTn>
-                                        <p:tgtEl>
-                                          <p:spTgt spid="4">
-                                            <p:txEl>
-                                              <p:pRg st="0" end="0"/>
-                                            </p:txEl>
-                                          </p:spTgt>
-                                        </p:tgtEl>
-                                        <p:attrNameLst>
-                                          <p:attrName>style.visibility</p:attrName>
-                                        </p:attrNameLst>
-                                      </p:cBhvr>
-                                      <p:to>
-                                        <p:strVal val="visible"/>
-                                      </p:to>
-                                    </p:set>
-                                    <p:animEffect transition="in" filter="fade">
-                                      <p:cBhvr>
-                                        <p:cTn id="7" dur="500"/>
-                                        <p:tgtEl>
-                                          <p:spTgt spid="4">
-                                            <p:txEl>
-                                              <p:pRg st="0" end="0"/>
-                                            </p:txEl>
-                                          </p:spTgt>
-                                        </p:tgtEl>
-                                      </p:cBhvr>
-                                    </p:animEffect>
-                                  </p:childTnLst>
-                                </p:cTn>
-                              </p:par>
-                            </p:childTnLst>
-                          </p:cTn>
-                        </p:par>
-                      </p:childTnLst>
-                    </p:cTn>
-                  </p:par>
-                </p:childTnLst>
-              </p:cTn>
-              <p:prevCondLst>
-                <p:cond evt="onPrev" delay="0">
-                  <p:tgtEl>
-                    <p:sldTgt/>
-                  </p:tgtEl>
-                </p:cond>
-              </p:prevCondLst>
-              <p:nextCondLst>
-                <p:cond evt="onNext" delay="0">
-                  <p:tgtEl>
-                    <p:sldTgt/>
-                  </p:tgtEl>
-                </p:cond>
-              </p:nextCondLst>
-            </p:seq>
-          </p:childTnLst>
-        </p:cTn>
-      </p:par>
-    </p:tnLst>
-  </p:timing>
 </p:sld>
 </file>
 
@@ -12694,7 +13830,6 @@
 
 <file path=ppt/tags/tag9.xml><?xml version="1.0" encoding="utf-8"?>
 <p:tagLst xmlns:a="http://schemas.openxmlformats.org/drawingml/2006/main" xmlns:r="http://schemas.openxmlformats.org/officeDocument/2006/relationships" xmlns:p="http://schemas.openxmlformats.org/presentationml/2006/main">
-  <p:tag name="NOPREFERENCE" val="False"/>
   <p:tag name="DELIMITERS" val="3.1"/>
 </p:tagLst>
 </file>
